--- a/Week01/HelloHtml.pptx
+++ b/Week01/HelloHtml.pptx
@@ -5,21 +5,26 @@
     <p:sldMasterId id="2147483648" r:id="rId1"/>
   </p:sldMasterIdLst>
   <p:notesMasterIdLst>
-    <p:notesMasterId r:id="rId14"/>
+    <p:notesMasterId r:id="rId19"/>
   </p:notesMasterIdLst>
   <p:sldIdLst>
-    <p:sldId id="258" r:id="rId2"/>
-    <p:sldId id="297" r:id="rId3"/>
-    <p:sldId id="295" r:id="rId4"/>
-    <p:sldId id="296" r:id="rId5"/>
-    <p:sldId id="298" r:id="rId6"/>
-    <p:sldId id="299" r:id="rId7"/>
-    <p:sldId id="300" r:id="rId8"/>
-    <p:sldId id="301" r:id="rId9"/>
-    <p:sldId id="302" r:id="rId10"/>
-    <p:sldId id="303" r:id="rId11"/>
-    <p:sldId id="304" r:id="rId12"/>
-    <p:sldId id="305" r:id="rId13"/>
+    <p:sldId id="305" r:id="rId2"/>
+    <p:sldId id="306" r:id="rId3"/>
+    <p:sldId id="308" r:id="rId4"/>
+    <p:sldId id="309" r:id="rId5"/>
+    <p:sldId id="310" r:id="rId6"/>
+    <p:sldId id="311" r:id="rId7"/>
+    <p:sldId id="312" r:id="rId8"/>
+    <p:sldId id="313" r:id="rId9"/>
+    <p:sldId id="316" r:id="rId10"/>
+    <p:sldId id="317" r:id="rId11"/>
+    <p:sldId id="318" r:id="rId12"/>
+    <p:sldId id="301" r:id="rId13"/>
+    <p:sldId id="302" r:id="rId14"/>
+    <p:sldId id="303" r:id="rId15"/>
+    <p:sldId id="304" r:id="rId16"/>
+    <p:sldId id="307" r:id="rId17"/>
+    <p:sldId id="319" r:id="rId18"/>
   </p:sldIdLst>
   <p:sldSz cx="12192000" cy="6858000"/>
   <p:notesSz cx="6858000" cy="9144000"/>
@@ -219,7 +224,7 @@
           <a:p>
             <a:fld id="{19104133-B5B0-4351-8158-4F0E5EB1E2BF}" type="datetimeFigureOut">
               <a:rPr lang="en-US" smtClean="0"/>
-              <a:t>3/19/2020</a:t>
+              <a:t>6/24/2021</a:t>
             </a:fld>
             <a:endParaRPr lang="en-US"/>
           </a:p>
@@ -283,38 +288,37 @@
           <a:p>
             <a:pPr lvl="0"/>
             <a:r>
-              <a:rPr lang="en-US" smtClean="0"/>
+              <a:rPr lang="en-US"/>
               <a:t>Edit Master text styles</a:t>
             </a:r>
           </a:p>
           <a:p>
             <a:pPr lvl="1"/>
             <a:r>
-              <a:rPr lang="en-US" smtClean="0"/>
+              <a:rPr lang="en-US"/>
               <a:t>Second level</a:t>
             </a:r>
           </a:p>
           <a:p>
             <a:pPr lvl="2"/>
             <a:r>
-              <a:rPr lang="en-US" smtClean="0"/>
+              <a:rPr lang="en-US"/>
               <a:t>Third level</a:t>
             </a:r>
           </a:p>
           <a:p>
             <a:pPr lvl="3"/>
             <a:r>
-              <a:rPr lang="en-US" smtClean="0"/>
+              <a:rPr lang="en-US"/>
               <a:t>Fourth level</a:t>
             </a:r>
           </a:p>
           <a:p>
             <a:pPr lvl="4"/>
             <a:r>
-              <a:rPr lang="en-US" smtClean="0"/>
+              <a:rPr lang="en-US"/>
               <a:t>Fifth level</a:t>
             </a:r>
-            <a:endParaRPr lang="en-US"/>
           </a:p>
         </p:txBody>
       </p:sp>
@@ -531,117 +535,9 @@
           <a:bodyPr/>
           <a:lstStyle/>
           <a:p>
-            <a:pPr marL="0" marR="0" lvl="0" indent="0" algn="l" defTabSz="914400" rtl="0" eaLnBrk="1" fontAlgn="auto" latinLnBrk="0" hangingPunct="1">
-              <a:lnSpc>
-                <a:spcPct val="100000"/>
-              </a:lnSpc>
-              <a:spcBef>
-                <a:spcPts val="0"/>
-              </a:spcBef>
-              <a:spcAft>
-                <a:spcPts val="0"/>
-              </a:spcAft>
-              <a:buClrTx/>
-              <a:buSzTx/>
-              <a:buFontTx/>
-              <a:buNone/>
-              <a:tabLst/>
-              <a:defRPr/>
-            </a:pPr>
             <a:r>
-              <a:rPr lang="en-US" dirty="0" smtClean="0"/>
-              <a:t>Students should be familiar with websites – they enter</a:t>
-            </a:r>
-            <a:r>
-              <a:rPr lang="en-US" baseline="0" dirty="0" smtClean="0"/>
-              <a:t> a URL, and see some content.</a:t>
-            </a:r>
-          </a:p>
-          <a:p>
-            <a:pPr marL="0" marR="0" lvl="0" indent="0" algn="l" defTabSz="914400" rtl="0" eaLnBrk="1" fontAlgn="auto" latinLnBrk="0" hangingPunct="1">
-              <a:lnSpc>
-                <a:spcPct val="100000"/>
-              </a:lnSpc>
-              <a:spcBef>
-                <a:spcPts val="0"/>
-              </a:spcBef>
-              <a:spcAft>
-                <a:spcPts val="0"/>
-              </a:spcAft>
-              <a:buClrTx/>
-              <a:buSzTx/>
-              <a:buFontTx/>
-              <a:buNone/>
-              <a:tabLst/>
-              <a:defRPr/>
-            </a:pPr>
-            <a:endParaRPr lang="en-US" baseline="0" dirty="0" smtClean="0"/>
-          </a:p>
-          <a:p>
-            <a:pPr marL="0" marR="0" lvl="0" indent="0" algn="l" defTabSz="914400" rtl="0" eaLnBrk="1" fontAlgn="auto" latinLnBrk="0" hangingPunct="1">
-              <a:lnSpc>
-                <a:spcPct val="100000"/>
-              </a:lnSpc>
-              <a:spcBef>
-                <a:spcPts val="0"/>
-              </a:spcBef>
-              <a:spcAft>
-                <a:spcPts val="0"/>
-              </a:spcAft>
-              <a:buClrTx/>
-              <a:buSzTx/>
-              <a:buFontTx/>
-              <a:buNone/>
-              <a:tabLst/>
-              <a:defRPr/>
-            </a:pPr>
-            <a:r>
-              <a:rPr lang="en-US" baseline="0" dirty="0" smtClean="0"/>
-              <a:t>Behind the scenes, a lot of stuff happens to get that content to the user!</a:t>
-            </a:r>
-            <a:endParaRPr lang="en-US" dirty="0" smtClean="0"/>
-          </a:p>
-          <a:p>
-            <a:pPr marL="0" marR="0" lvl="0" indent="0" algn="l" defTabSz="914400" rtl="0" eaLnBrk="1" fontAlgn="auto" latinLnBrk="0" hangingPunct="1">
-              <a:lnSpc>
-                <a:spcPct val="100000"/>
-              </a:lnSpc>
-              <a:spcBef>
-                <a:spcPts val="0"/>
-              </a:spcBef>
-              <a:spcAft>
-                <a:spcPts val="0"/>
-              </a:spcAft>
-              <a:buClrTx/>
-              <a:buSzTx/>
-              <a:buFontTx/>
-              <a:buNone/>
-              <a:tabLst/>
-              <a:defRPr/>
-            </a:pPr>
-            <a:endParaRPr lang="en-US" dirty="0" smtClean="0"/>
-          </a:p>
-          <a:p>
-            <a:pPr marL="0" marR="0" lvl="0" indent="0" algn="l" defTabSz="914400" rtl="0" eaLnBrk="1" fontAlgn="auto" latinLnBrk="0" hangingPunct="1">
-              <a:lnSpc>
-                <a:spcPct val="100000"/>
-              </a:lnSpc>
-              <a:spcBef>
-                <a:spcPts val="0"/>
-              </a:spcBef>
-              <a:spcAft>
-                <a:spcPts val="0"/>
-              </a:spcAft>
-              <a:buClrTx/>
-              <a:buSzTx/>
-              <a:buFontTx/>
-              <a:buNone/>
-              <a:tabLst/>
-              <a:defRPr/>
-            </a:pPr>
-            <a:r>
-              <a:rPr lang="en-US" dirty="0" smtClean="0"/>
-              <a:t>Most of this doesn’t really apply to this course, but it is helpful to have this background knowledge.</a:t>
+              <a:rPr lang="en-US" dirty="0"/>
+              <a:t>Ask the students this question to see if they know the answer.</a:t>
             </a:r>
           </a:p>
         </p:txBody>
@@ -653,7 +549,7 @@
             <a:spLocks noGrp="1"/>
           </p:cNvSpPr>
           <p:nvPr>
-            <p:ph type="sldNum" sz="quarter" idx="10"/>
+            <p:ph type="sldNum" sz="quarter" idx="5"/>
           </p:nvPr>
         </p:nvSpPr>
         <p:spPr/>
@@ -672,7 +568,7 @@
     </p:spTree>
     <p:extLst>
       <p:ext uri="{BB962C8B-B14F-4D97-AF65-F5344CB8AC3E}">
-        <p14:creationId xmlns:p14="http://schemas.microsoft.com/office/powerpoint/2010/main" val="8414601"/>
+        <p14:creationId xmlns:p14="http://schemas.microsoft.com/office/powerpoint/2010/main" val="2905201311"/>
       </p:ext>
     </p:extLst>
   </p:cSld>
@@ -744,12 +640,12 @@
               <a:defRPr/>
             </a:pPr>
             <a:r>
-              <a:rPr lang="en-US" dirty="0" smtClean="0"/>
-              <a:t>Browser reads the text,</a:t>
+              <a:rPr lang="en-US" dirty="0"/>
+              <a:t>Students should be familiar with websites – they enter</a:t>
             </a:r>
             <a:r>
-              <a:rPr lang="en-US" baseline="0" dirty="0" smtClean="0"/>
-              <a:t> interprets it, and shows it to the user. HTML is behind every user interface on the web.</a:t>
+              <a:rPr lang="en-US" baseline="0" dirty="0"/>
+              <a:t> a URL, and see some content.</a:t>
             </a:r>
           </a:p>
           <a:p>
@@ -770,7 +666,7 @@
               <a:tabLst/>
               <a:defRPr/>
             </a:pPr>
-            <a:endParaRPr lang="en-US" baseline="0" dirty="0" smtClean="0"/>
+            <a:endParaRPr lang="en-US" baseline="0" dirty="0"/>
           </a:p>
           <a:p>
             <a:pPr marL="0" marR="0" lvl="0" indent="0" algn="l" defTabSz="914400" rtl="0" eaLnBrk="1" fontAlgn="auto" latinLnBrk="0" hangingPunct="1">
@@ -791,13 +687,53 @@
               <a:defRPr/>
             </a:pPr>
             <a:r>
-              <a:rPr lang="en-US" baseline="0" dirty="0" smtClean="0"/>
-              <a:t>It can be helpful to view a popular Wikipedia page in the web, and then view the source to see how the web browser renders it into a viewable page.</a:t>
+              <a:rPr lang="en-US" baseline="0" dirty="0"/>
+              <a:t>Behind the scenes, a lot of stuff happens to get that content to the user!</a:t>
             </a:r>
-            <a:endParaRPr lang="en-US" dirty="0" smtClean="0"/>
+            <a:endParaRPr lang="en-US" dirty="0"/>
           </a:p>
           <a:p>
+            <a:pPr marL="0" marR="0" lvl="0" indent="0" algn="l" defTabSz="914400" rtl="0" eaLnBrk="1" fontAlgn="auto" latinLnBrk="0" hangingPunct="1">
+              <a:lnSpc>
+                <a:spcPct val="100000"/>
+              </a:lnSpc>
+              <a:spcBef>
+                <a:spcPts val="0"/>
+              </a:spcBef>
+              <a:spcAft>
+                <a:spcPts val="0"/>
+              </a:spcAft>
+              <a:buClrTx/>
+              <a:buSzTx/>
+              <a:buFontTx/>
+              <a:buNone/>
+              <a:tabLst/>
+              <a:defRPr/>
+            </a:pPr>
             <a:endParaRPr lang="en-US" dirty="0"/>
+          </a:p>
+          <a:p>
+            <a:pPr marL="0" marR="0" lvl="0" indent="0" algn="l" defTabSz="914400" rtl="0" eaLnBrk="1" fontAlgn="auto" latinLnBrk="0" hangingPunct="1">
+              <a:lnSpc>
+                <a:spcPct val="100000"/>
+              </a:lnSpc>
+              <a:spcBef>
+                <a:spcPts val="0"/>
+              </a:spcBef>
+              <a:spcAft>
+                <a:spcPts val="0"/>
+              </a:spcAft>
+              <a:buClrTx/>
+              <a:buSzTx/>
+              <a:buFontTx/>
+              <a:buNone/>
+              <a:tabLst/>
+              <a:defRPr/>
+            </a:pPr>
+            <a:r>
+              <a:rPr lang="en-US" dirty="0"/>
+              <a:t>Most of this doesn’t really apply to this course, but it is helpful to have this background knowledge.</a:t>
+            </a:r>
           </a:p>
         </p:txBody>
       </p:sp>
@@ -827,7 +763,7 @@
     </p:spTree>
     <p:extLst>
       <p:ext uri="{BB962C8B-B14F-4D97-AF65-F5344CB8AC3E}">
-        <p14:creationId xmlns:p14="http://schemas.microsoft.com/office/powerpoint/2010/main" val="15641035"/>
+        <p14:creationId xmlns:p14="http://schemas.microsoft.com/office/powerpoint/2010/main" val="8414601"/>
       </p:ext>
     </p:extLst>
   </p:cSld>
@@ -838,98 +774,6 @@
 </file>
 
 <file path=ppt/notesSlides/notesSlide3.xml><?xml version="1.0" encoding="utf-8"?>
-<p:notes xmlns:a="http://schemas.openxmlformats.org/drawingml/2006/main" xmlns:r="http://schemas.openxmlformats.org/officeDocument/2006/relationships" xmlns:p="http://schemas.openxmlformats.org/presentationml/2006/main">
-  <p:cSld>
-    <p:spTree>
-      <p:nvGrpSpPr>
-        <p:cNvPr id="1" name=""/>
-        <p:cNvGrpSpPr/>
-        <p:nvPr/>
-      </p:nvGrpSpPr>
-      <p:grpSpPr>
-        <a:xfrm>
-          <a:off x="0" y="0"/>
-          <a:ext cx="0" cy="0"/>
-          <a:chOff x="0" y="0"/>
-          <a:chExt cx="0" cy="0"/>
-        </a:xfrm>
-      </p:grpSpPr>
-      <p:sp>
-        <p:nvSpPr>
-          <p:cNvPr id="2" name="Slide Image Placeholder 1"/>
-          <p:cNvSpPr>
-            <a:spLocks noGrp="1" noRot="1" noChangeAspect="1"/>
-          </p:cNvSpPr>
-          <p:nvPr>
-            <p:ph type="sldImg"/>
-          </p:nvPr>
-        </p:nvSpPr>
-        <p:spPr/>
-      </p:sp>
-      <p:sp>
-        <p:nvSpPr>
-          <p:cNvPr id="3" name="Notes Placeholder 2"/>
-          <p:cNvSpPr>
-            <a:spLocks noGrp="1"/>
-          </p:cNvSpPr>
-          <p:nvPr>
-            <p:ph type="body" idx="1"/>
-          </p:nvPr>
-        </p:nvSpPr>
-        <p:spPr/>
-        <p:txBody>
-          <a:bodyPr/>
-          <a:lstStyle/>
-          <a:p>
-            <a:r>
-              <a:rPr lang="en-US" dirty="0" smtClean="0"/>
-              <a:t>This </a:t>
-            </a:r>
-            <a:r>
-              <a:rPr lang="en-US" baseline="0" dirty="0" smtClean="0"/>
-              <a:t>may seem abstract, but it should make more sense after some examples</a:t>
-            </a:r>
-            <a:endParaRPr lang="en-US" dirty="0"/>
-          </a:p>
-        </p:txBody>
-      </p:sp>
-      <p:sp>
-        <p:nvSpPr>
-          <p:cNvPr id="4" name="Slide Number Placeholder 3"/>
-          <p:cNvSpPr>
-            <a:spLocks noGrp="1"/>
-          </p:cNvSpPr>
-          <p:nvPr>
-            <p:ph type="sldNum" sz="quarter" idx="10"/>
-          </p:nvPr>
-        </p:nvSpPr>
-        <p:spPr/>
-        <p:txBody>
-          <a:bodyPr/>
-          <a:lstStyle/>
-          <a:p>
-            <a:fld id="{DEC8F7F9-57EC-49CF-9FCD-2B781E4B449F}" type="slidenum">
-              <a:rPr lang="en-US" smtClean="0"/>
-              <a:t>6</a:t>
-            </a:fld>
-            <a:endParaRPr lang="en-US"/>
-          </a:p>
-        </p:txBody>
-      </p:sp>
-    </p:spTree>
-    <p:extLst>
-      <p:ext uri="{BB962C8B-B14F-4D97-AF65-F5344CB8AC3E}">
-        <p14:creationId xmlns:p14="http://schemas.microsoft.com/office/powerpoint/2010/main" val="693446327"/>
-      </p:ext>
-    </p:extLst>
-  </p:cSld>
-  <p:clrMapOvr>
-    <a:masterClrMapping/>
-  </p:clrMapOvr>
-</p:notes>
-</file>
-
-<file path=ppt/notesSlides/notesSlide4.xml><?xml version="1.0" encoding="utf-8"?>
 <p:notes xmlns:a="http://schemas.openxmlformats.org/drawingml/2006/main" xmlns:r="http://schemas.openxmlformats.org/officeDocument/2006/relationships" xmlns:p="http://schemas.openxmlformats.org/presentationml/2006/main">
   <p:cSld>
     <p:spTree>
@@ -991,14 +835,152 @@
               <a:defRPr/>
             </a:pPr>
             <a:r>
-              <a:rPr lang="en-US" dirty="0" smtClean="0"/>
+              <a:rPr lang="en-US" dirty="0"/>
+              <a:t>Browser reads the text,</a:t>
+            </a:r>
+            <a:r>
+              <a:rPr lang="en-US" baseline="0" dirty="0"/>
+              <a:t> interprets it, and shows it to the user. HTML is behind every user interface on the web.</a:t>
+            </a:r>
+          </a:p>
+          <a:p>
+            <a:pPr marL="0" marR="0" lvl="0" indent="0" algn="l" defTabSz="914400" rtl="0" eaLnBrk="1" fontAlgn="auto" latinLnBrk="0" hangingPunct="1">
+              <a:lnSpc>
+                <a:spcPct val="100000"/>
+              </a:lnSpc>
+              <a:spcBef>
+                <a:spcPts val="0"/>
+              </a:spcBef>
+              <a:spcAft>
+                <a:spcPts val="0"/>
+              </a:spcAft>
+              <a:buClrTx/>
+              <a:buSzTx/>
+              <a:buFontTx/>
+              <a:buNone/>
+              <a:tabLst/>
+              <a:defRPr/>
+            </a:pPr>
+            <a:endParaRPr lang="en-US" baseline="0" dirty="0"/>
+          </a:p>
+          <a:p>
+            <a:pPr marL="0" marR="0" lvl="0" indent="0" algn="l" defTabSz="914400" rtl="0" eaLnBrk="1" fontAlgn="auto" latinLnBrk="0" hangingPunct="1">
+              <a:lnSpc>
+                <a:spcPct val="100000"/>
+              </a:lnSpc>
+              <a:spcBef>
+                <a:spcPts val="0"/>
+              </a:spcBef>
+              <a:spcAft>
+                <a:spcPts val="0"/>
+              </a:spcAft>
+              <a:buClrTx/>
+              <a:buSzTx/>
+              <a:buFontTx/>
+              <a:buNone/>
+              <a:tabLst/>
+              <a:defRPr/>
+            </a:pPr>
+            <a:r>
+              <a:rPr lang="en-US" baseline="0" dirty="0"/>
+              <a:t>It can be helpful to view a popular Wikipedia page in the web, and then view the source to see how the web browser renders it into a viewable page.</a:t>
+            </a:r>
+            <a:endParaRPr lang="en-US" dirty="0"/>
+          </a:p>
+          <a:p>
+            <a:endParaRPr lang="en-US" dirty="0"/>
+          </a:p>
+        </p:txBody>
+      </p:sp>
+      <p:sp>
+        <p:nvSpPr>
+          <p:cNvPr id="4" name="Slide Number Placeholder 3"/>
+          <p:cNvSpPr>
+            <a:spLocks noGrp="1"/>
+          </p:cNvSpPr>
+          <p:nvPr>
+            <p:ph type="sldNum" sz="quarter" idx="10"/>
+          </p:nvPr>
+        </p:nvSpPr>
+        <p:spPr/>
+        <p:txBody>
+          <a:bodyPr/>
+          <a:lstStyle/>
+          <a:p>
+            <a:fld id="{DEC8F7F9-57EC-49CF-9FCD-2B781E4B449F}" type="slidenum">
+              <a:rPr lang="en-US" smtClean="0"/>
+              <a:t>5</a:t>
+            </a:fld>
+            <a:endParaRPr lang="en-US"/>
+          </a:p>
+        </p:txBody>
+      </p:sp>
+    </p:spTree>
+    <p:extLst>
+      <p:ext uri="{BB962C8B-B14F-4D97-AF65-F5344CB8AC3E}">
+        <p14:creationId xmlns:p14="http://schemas.microsoft.com/office/powerpoint/2010/main" val="15641035"/>
+      </p:ext>
+    </p:extLst>
+  </p:cSld>
+  <p:clrMapOvr>
+    <a:masterClrMapping/>
+  </p:clrMapOvr>
+</p:notes>
+</file>
+
+<file path=ppt/notesSlides/notesSlide4.xml><?xml version="1.0" encoding="utf-8"?>
+<p:notes xmlns:a="http://schemas.openxmlformats.org/drawingml/2006/main" xmlns:r="http://schemas.openxmlformats.org/officeDocument/2006/relationships" xmlns:p="http://schemas.openxmlformats.org/presentationml/2006/main">
+  <p:cSld>
+    <p:spTree>
+      <p:nvGrpSpPr>
+        <p:cNvPr id="1" name=""/>
+        <p:cNvGrpSpPr/>
+        <p:nvPr/>
+      </p:nvGrpSpPr>
+      <p:grpSpPr>
+        <a:xfrm>
+          <a:off x="0" y="0"/>
+          <a:ext cx="0" cy="0"/>
+          <a:chOff x="0" y="0"/>
+          <a:chExt cx="0" cy="0"/>
+        </a:xfrm>
+      </p:grpSpPr>
+      <p:sp>
+        <p:nvSpPr>
+          <p:cNvPr id="2" name="Slide Image Placeholder 1"/>
+          <p:cNvSpPr>
+            <a:spLocks noGrp="1" noRot="1" noChangeAspect="1"/>
+          </p:cNvSpPr>
+          <p:nvPr>
+            <p:ph type="sldImg"/>
+          </p:nvPr>
+        </p:nvSpPr>
+        <p:spPr/>
+      </p:sp>
+      <p:sp>
+        <p:nvSpPr>
+          <p:cNvPr id="3" name="Notes Placeholder 2"/>
+          <p:cNvSpPr>
+            <a:spLocks noGrp="1"/>
+          </p:cNvSpPr>
+          <p:nvPr>
+            <p:ph type="body" idx="1"/>
+          </p:nvPr>
+        </p:nvSpPr>
+        <p:spPr/>
+        <p:txBody>
+          <a:bodyPr/>
+          <a:lstStyle/>
+          <a:p>
+            <a:r>
+              <a:rPr lang="en-US" dirty="0"/>
               <a:t>This </a:t>
             </a:r>
             <a:r>
-              <a:rPr lang="en-US" baseline="0" dirty="0" smtClean="0"/>
-              <a:t>may seem abstract, but it should make more sense after some examples. Seeing the code in action and working with it makes it clearer!</a:t>
+              <a:rPr lang="en-US" baseline="0" dirty="0"/>
+              <a:t>may seem abstract, but it should make more sense after some examples</a:t>
             </a:r>
-            <a:endParaRPr lang="en-US" dirty="0" smtClean="0"/>
+            <a:endParaRPr lang="en-US" dirty="0"/>
           </a:p>
         </p:txBody>
       </p:sp>
@@ -1028,7 +1010,493 @@
     </p:spTree>
     <p:extLst>
       <p:ext uri="{BB962C8B-B14F-4D97-AF65-F5344CB8AC3E}">
-        <p14:creationId xmlns:p14="http://schemas.microsoft.com/office/powerpoint/2010/main" val="554829179"/>
+        <p14:creationId xmlns:p14="http://schemas.microsoft.com/office/powerpoint/2010/main" val="693446327"/>
+      </p:ext>
+    </p:extLst>
+  </p:cSld>
+  <p:clrMapOvr>
+    <a:masterClrMapping/>
+  </p:clrMapOvr>
+</p:notes>
+</file>
+
+<file path=ppt/notesSlides/notesSlide5.xml><?xml version="1.0" encoding="utf-8"?>
+<p:notes xmlns:a="http://schemas.openxmlformats.org/drawingml/2006/main" xmlns:r="http://schemas.openxmlformats.org/officeDocument/2006/relationships" xmlns:p="http://schemas.openxmlformats.org/presentationml/2006/main">
+  <p:cSld>
+    <p:spTree>
+      <p:nvGrpSpPr>
+        <p:cNvPr id="1" name=""/>
+        <p:cNvGrpSpPr/>
+        <p:nvPr/>
+      </p:nvGrpSpPr>
+      <p:grpSpPr>
+        <a:xfrm>
+          <a:off x="0" y="0"/>
+          <a:ext cx="0" cy="0"/>
+          <a:chOff x="0" y="0"/>
+          <a:chExt cx="0" cy="0"/>
+        </a:xfrm>
+      </p:grpSpPr>
+      <p:sp>
+        <p:nvSpPr>
+          <p:cNvPr id="2" name="Slide Image Placeholder 1"/>
+          <p:cNvSpPr>
+            <a:spLocks noGrp="1" noRot="1" noChangeAspect="1"/>
+          </p:cNvSpPr>
+          <p:nvPr>
+            <p:ph type="sldImg"/>
+          </p:nvPr>
+        </p:nvSpPr>
+        <p:spPr/>
+      </p:sp>
+      <p:sp>
+        <p:nvSpPr>
+          <p:cNvPr id="3" name="Notes Placeholder 2"/>
+          <p:cNvSpPr>
+            <a:spLocks noGrp="1"/>
+          </p:cNvSpPr>
+          <p:nvPr>
+            <p:ph type="body" idx="1"/>
+          </p:nvPr>
+        </p:nvSpPr>
+        <p:spPr/>
+        <p:txBody>
+          <a:bodyPr/>
+          <a:lstStyle/>
+          <a:p>
+            <a:r>
+              <a:rPr lang="en-US" dirty="0"/>
+              <a:t>These are the elements this lesson covers. There are so many elements out there, but this is a good place to start.</a:t>
+            </a:r>
+          </a:p>
+        </p:txBody>
+      </p:sp>
+      <p:sp>
+        <p:nvSpPr>
+          <p:cNvPr id="4" name="Slide Number Placeholder 3"/>
+          <p:cNvSpPr>
+            <a:spLocks noGrp="1"/>
+          </p:cNvSpPr>
+          <p:nvPr>
+            <p:ph type="sldNum" sz="quarter" idx="5"/>
+          </p:nvPr>
+        </p:nvSpPr>
+        <p:spPr/>
+        <p:txBody>
+          <a:bodyPr/>
+          <a:lstStyle/>
+          <a:p>
+            <a:fld id="{DEC8F7F9-57EC-49CF-9FCD-2B781E4B449F}" type="slidenum">
+              <a:rPr lang="en-US" smtClean="0"/>
+              <a:t>8</a:t>
+            </a:fld>
+            <a:endParaRPr lang="en-US"/>
+          </a:p>
+        </p:txBody>
+      </p:sp>
+    </p:spTree>
+    <p:extLst>
+      <p:ext uri="{BB962C8B-B14F-4D97-AF65-F5344CB8AC3E}">
+        <p14:creationId xmlns:p14="http://schemas.microsoft.com/office/powerpoint/2010/main" val="3791240935"/>
+      </p:ext>
+    </p:extLst>
+  </p:cSld>
+  <p:clrMapOvr>
+    <a:masterClrMapping/>
+  </p:clrMapOvr>
+</p:notes>
+</file>
+
+<file path=ppt/notesSlides/notesSlide6.xml><?xml version="1.0" encoding="utf-8"?>
+<p:notes xmlns:a="http://schemas.openxmlformats.org/drawingml/2006/main" xmlns:r="http://schemas.openxmlformats.org/officeDocument/2006/relationships" xmlns:p="http://schemas.openxmlformats.org/presentationml/2006/main">
+  <p:cSld>
+    <p:spTree>
+      <p:nvGrpSpPr>
+        <p:cNvPr id="1" name=""/>
+        <p:cNvGrpSpPr/>
+        <p:nvPr/>
+      </p:nvGrpSpPr>
+      <p:grpSpPr>
+        <a:xfrm>
+          <a:off x="0" y="0"/>
+          <a:ext cx="0" cy="0"/>
+          <a:chOff x="0" y="0"/>
+          <a:chExt cx="0" cy="0"/>
+        </a:xfrm>
+      </p:grpSpPr>
+      <p:sp>
+        <p:nvSpPr>
+          <p:cNvPr id="2" name="Slide Image Placeholder 1"/>
+          <p:cNvSpPr>
+            <a:spLocks noGrp="1" noRot="1" noChangeAspect="1"/>
+          </p:cNvSpPr>
+          <p:nvPr>
+            <p:ph type="sldImg"/>
+          </p:nvPr>
+        </p:nvSpPr>
+        <p:spPr/>
+      </p:sp>
+      <p:sp>
+        <p:nvSpPr>
+          <p:cNvPr id="3" name="Notes Placeholder 2"/>
+          <p:cNvSpPr>
+            <a:spLocks noGrp="1"/>
+          </p:cNvSpPr>
+          <p:nvPr>
+            <p:ph type="body" idx="1"/>
+          </p:nvPr>
+        </p:nvSpPr>
+        <p:spPr/>
+        <p:txBody>
+          <a:bodyPr/>
+          <a:lstStyle/>
+          <a:p>
+            <a:r>
+              <a:rPr lang="en-US" dirty="0"/>
+              <a:t>Ask the students if they recognize these symbols. They may have seen them in math – less than sign and greater than sign. In HTML, we also call these “angle brackets”. They will be necessary when writing the code for tags.</a:t>
+            </a:r>
+          </a:p>
+        </p:txBody>
+      </p:sp>
+      <p:sp>
+        <p:nvSpPr>
+          <p:cNvPr id="4" name="Slide Number Placeholder 3"/>
+          <p:cNvSpPr>
+            <a:spLocks noGrp="1"/>
+          </p:cNvSpPr>
+          <p:nvPr>
+            <p:ph type="sldNum" sz="quarter" idx="5"/>
+          </p:nvPr>
+        </p:nvSpPr>
+        <p:spPr/>
+        <p:txBody>
+          <a:bodyPr/>
+          <a:lstStyle/>
+          <a:p>
+            <a:fld id="{DEC8F7F9-57EC-49CF-9FCD-2B781E4B449F}" type="slidenum">
+              <a:rPr lang="en-US" smtClean="0"/>
+              <a:t>9</a:t>
+            </a:fld>
+            <a:endParaRPr lang="en-US"/>
+          </a:p>
+        </p:txBody>
+      </p:sp>
+    </p:spTree>
+    <p:extLst>
+      <p:ext uri="{BB962C8B-B14F-4D97-AF65-F5344CB8AC3E}">
+        <p14:creationId xmlns:p14="http://schemas.microsoft.com/office/powerpoint/2010/main" val="3323970728"/>
+      </p:ext>
+    </p:extLst>
+  </p:cSld>
+  <p:clrMapOvr>
+    <a:masterClrMapping/>
+  </p:clrMapOvr>
+</p:notes>
+</file>
+
+<file path=ppt/notesSlides/notesSlide7.xml><?xml version="1.0" encoding="utf-8"?>
+<p:notes xmlns:a="http://schemas.openxmlformats.org/drawingml/2006/main" xmlns:r="http://schemas.openxmlformats.org/officeDocument/2006/relationships" xmlns:p="http://schemas.openxmlformats.org/presentationml/2006/main">
+  <p:cSld>
+    <p:spTree>
+      <p:nvGrpSpPr>
+        <p:cNvPr id="1" name=""/>
+        <p:cNvGrpSpPr/>
+        <p:nvPr/>
+      </p:nvGrpSpPr>
+      <p:grpSpPr>
+        <a:xfrm>
+          <a:off x="0" y="0"/>
+          <a:ext cx="0" cy="0"/>
+          <a:chOff x="0" y="0"/>
+          <a:chExt cx="0" cy="0"/>
+        </a:xfrm>
+      </p:grpSpPr>
+      <p:sp>
+        <p:nvSpPr>
+          <p:cNvPr id="2" name="Slide Image Placeholder 1"/>
+          <p:cNvSpPr>
+            <a:spLocks noGrp="1" noRot="1" noChangeAspect="1"/>
+          </p:cNvSpPr>
+          <p:nvPr>
+            <p:ph type="sldImg"/>
+          </p:nvPr>
+        </p:nvSpPr>
+        <p:spPr/>
+      </p:sp>
+      <p:sp>
+        <p:nvSpPr>
+          <p:cNvPr id="3" name="Notes Placeholder 2"/>
+          <p:cNvSpPr>
+            <a:spLocks noGrp="1"/>
+          </p:cNvSpPr>
+          <p:nvPr>
+            <p:ph type="body" idx="1"/>
+          </p:nvPr>
+        </p:nvSpPr>
+        <p:spPr/>
+        <p:txBody>
+          <a:bodyPr/>
+          <a:lstStyle/>
+          <a:p>
+            <a:r>
+              <a:rPr lang="en-US" dirty="0"/>
+              <a:t>Go over the syntax for making a tag. It starts with a less-than sign, then the element name, then a greater-than sign.</a:t>
+            </a:r>
+          </a:p>
+          <a:p>
+            <a:endParaRPr lang="en-US" dirty="0"/>
+          </a:p>
+          <a:p>
+            <a:r>
+              <a:rPr lang="en-US" dirty="0"/>
+              <a:t>A closing tag starts with a less-than sign and a slash, then the element name, then a greater-than sign.</a:t>
+            </a:r>
+          </a:p>
+        </p:txBody>
+      </p:sp>
+      <p:sp>
+        <p:nvSpPr>
+          <p:cNvPr id="4" name="Slide Number Placeholder 3"/>
+          <p:cNvSpPr>
+            <a:spLocks noGrp="1"/>
+          </p:cNvSpPr>
+          <p:nvPr>
+            <p:ph type="sldNum" sz="quarter" idx="5"/>
+          </p:nvPr>
+        </p:nvSpPr>
+        <p:spPr/>
+        <p:txBody>
+          <a:bodyPr/>
+          <a:lstStyle/>
+          <a:p>
+            <a:fld id="{DEC8F7F9-57EC-49CF-9FCD-2B781E4B449F}" type="slidenum">
+              <a:rPr lang="en-US" smtClean="0"/>
+              <a:t>10</a:t>
+            </a:fld>
+            <a:endParaRPr lang="en-US"/>
+          </a:p>
+        </p:txBody>
+      </p:sp>
+    </p:spTree>
+    <p:extLst>
+      <p:ext uri="{BB962C8B-B14F-4D97-AF65-F5344CB8AC3E}">
+        <p14:creationId xmlns:p14="http://schemas.microsoft.com/office/powerpoint/2010/main" val="1328069994"/>
+      </p:ext>
+    </p:extLst>
+  </p:cSld>
+  <p:clrMapOvr>
+    <a:masterClrMapping/>
+  </p:clrMapOvr>
+</p:notes>
+</file>
+
+<file path=ppt/notesSlides/notesSlide8.xml><?xml version="1.0" encoding="utf-8"?>
+<p:notes xmlns:a="http://schemas.openxmlformats.org/drawingml/2006/main" xmlns:r="http://schemas.openxmlformats.org/officeDocument/2006/relationships" xmlns:p="http://schemas.openxmlformats.org/presentationml/2006/main">
+  <p:cSld>
+    <p:spTree>
+      <p:nvGrpSpPr>
+        <p:cNvPr id="1" name=""/>
+        <p:cNvGrpSpPr/>
+        <p:nvPr/>
+      </p:nvGrpSpPr>
+      <p:grpSpPr>
+        <a:xfrm>
+          <a:off x="0" y="0"/>
+          <a:ext cx="0" cy="0"/>
+          <a:chOff x="0" y="0"/>
+          <a:chExt cx="0" cy="0"/>
+        </a:xfrm>
+      </p:grpSpPr>
+      <p:sp>
+        <p:nvSpPr>
+          <p:cNvPr id="2" name="Slide Image Placeholder 1"/>
+          <p:cNvSpPr>
+            <a:spLocks noGrp="1" noRot="1" noChangeAspect="1"/>
+          </p:cNvSpPr>
+          <p:nvPr>
+            <p:ph type="sldImg"/>
+          </p:nvPr>
+        </p:nvSpPr>
+        <p:spPr/>
+      </p:sp>
+      <p:sp>
+        <p:nvSpPr>
+          <p:cNvPr id="3" name="Notes Placeholder 2"/>
+          <p:cNvSpPr>
+            <a:spLocks noGrp="1"/>
+          </p:cNvSpPr>
+          <p:nvPr>
+            <p:ph type="body" idx="1"/>
+          </p:nvPr>
+        </p:nvSpPr>
+        <p:spPr/>
+        <p:txBody>
+          <a:bodyPr/>
+          <a:lstStyle/>
+          <a:p>
+            <a:r>
+              <a:rPr lang="en-US" dirty="0"/>
+              <a:t>Note the </a:t>
+            </a:r>
+            <a:r>
+              <a:rPr lang="en-US" b="1" dirty="0"/>
+              <a:t>&lt;</a:t>
+            </a:r>
+            <a:r>
+              <a:rPr lang="en-US" b="0" dirty="0"/>
+              <a:t> and &gt; (greater than/less than, or angle brackets).</a:t>
+            </a:r>
+            <a:endParaRPr lang="en-US" dirty="0"/>
+          </a:p>
+        </p:txBody>
+      </p:sp>
+      <p:sp>
+        <p:nvSpPr>
+          <p:cNvPr id="4" name="Slide Number Placeholder 3"/>
+          <p:cNvSpPr>
+            <a:spLocks noGrp="1"/>
+          </p:cNvSpPr>
+          <p:nvPr>
+            <p:ph type="sldNum" sz="quarter" idx="5"/>
+          </p:nvPr>
+        </p:nvSpPr>
+        <p:spPr/>
+        <p:txBody>
+          <a:bodyPr/>
+          <a:lstStyle/>
+          <a:p>
+            <a:fld id="{DEC8F7F9-57EC-49CF-9FCD-2B781E4B449F}" type="slidenum">
+              <a:rPr lang="en-US" smtClean="0"/>
+              <a:t>11</a:t>
+            </a:fld>
+            <a:endParaRPr lang="en-US"/>
+          </a:p>
+        </p:txBody>
+      </p:sp>
+    </p:spTree>
+    <p:extLst>
+      <p:ext uri="{BB962C8B-B14F-4D97-AF65-F5344CB8AC3E}">
+        <p14:creationId xmlns:p14="http://schemas.microsoft.com/office/powerpoint/2010/main" val="1295008311"/>
+      </p:ext>
+    </p:extLst>
+  </p:cSld>
+  <p:clrMapOvr>
+    <a:masterClrMapping/>
+  </p:clrMapOvr>
+</p:notes>
+</file>
+
+<file path=ppt/notesSlides/notesSlide9.xml><?xml version="1.0" encoding="utf-8"?>
+<p:notes xmlns:a="http://schemas.openxmlformats.org/drawingml/2006/main" xmlns:r="http://schemas.openxmlformats.org/officeDocument/2006/relationships" xmlns:p="http://schemas.openxmlformats.org/presentationml/2006/main">
+  <p:cSld>
+    <p:spTree>
+      <p:nvGrpSpPr>
+        <p:cNvPr id="1" name=""/>
+        <p:cNvGrpSpPr/>
+        <p:nvPr/>
+      </p:nvGrpSpPr>
+      <p:grpSpPr>
+        <a:xfrm>
+          <a:off x="0" y="0"/>
+          <a:ext cx="0" cy="0"/>
+          <a:chOff x="0" y="0"/>
+          <a:chExt cx="0" cy="0"/>
+        </a:xfrm>
+      </p:grpSpPr>
+      <p:sp>
+        <p:nvSpPr>
+          <p:cNvPr id="2" name="Slide Image Placeholder 1"/>
+          <p:cNvSpPr>
+            <a:spLocks noGrp="1" noRot="1" noChangeAspect="1"/>
+          </p:cNvSpPr>
+          <p:nvPr>
+            <p:ph type="sldImg"/>
+          </p:nvPr>
+        </p:nvSpPr>
+        <p:spPr/>
+      </p:sp>
+      <p:sp>
+        <p:nvSpPr>
+          <p:cNvPr id="3" name="Notes Placeholder 2"/>
+          <p:cNvSpPr>
+            <a:spLocks noGrp="1"/>
+          </p:cNvSpPr>
+          <p:nvPr>
+            <p:ph type="body" idx="1"/>
+          </p:nvPr>
+        </p:nvSpPr>
+        <p:spPr/>
+        <p:txBody>
+          <a:bodyPr/>
+          <a:lstStyle/>
+          <a:p>
+            <a:r>
+              <a:rPr lang="en-US" dirty="0"/>
+              <a:t>This is an example of a full HTML document. There is a lot of code here, but it’s not too big of a deal. This is how the </a:t>
+            </a:r>
+            <a:r>
+              <a:rPr lang="en-US" b="1" dirty="0"/>
+              <a:t>html</a:t>
+            </a:r>
+            <a:r>
+              <a:rPr lang="en-US" b="0" dirty="0"/>
+              <a:t> and </a:t>
+            </a:r>
+            <a:r>
+              <a:rPr lang="en-US" b="1" dirty="0"/>
+              <a:t>body</a:t>
+            </a:r>
+            <a:r>
+              <a:rPr lang="en-US" b="0" dirty="0"/>
+              <a:t> elements are used. The </a:t>
+            </a:r>
+            <a:r>
+              <a:rPr lang="en-US" b="1" dirty="0"/>
+              <a:t>p</a:t>
+            </a:r>
+            <a:r>
+              <a:rPr lang="en-US" b="0" dirty="0"/>
+              <a:t> element goes within the </a:t>
+            </a:r>
+            <a:r>
+              <a:rPr lang="en-US" b="1" dirty="0"/>
+              <a:t>body</a:t>
+            </a:r>
+            <a:r>
+              <a:rPr lang="en-US" b="0" dirty="0"/>
+              <a:t> element, as its content.</a:t>
+            </a:r>
+            <a:endParaRPr lang="en-US" dirty="0"/>
+          </a:p>
+        </p:txBody>
+      </p:sp>
+      <p:sp>
+        <p:nvSpPr>
+          <p:cNvPr id="4" name="Slide Number Placeholder 3"/>
+          <p:cNvSpPr>
+            <a:spLocks noGrp="1"/>
+          </p:cNvSpPr>
+          <p:nvPr>
+            <p:ph type="sldNum" sz="quarter" idx="5"/>
+          </p:nvPr>
+        </p:nvSpPr>
+        <p:spPr/>
+        <p:txBody>
+          <a:bodyPr/>
+          <a:lstStyle/>
+          <a:p>
+            <a:fld id="{DEC8F7F9-57EC-49CF-9FCD-2B781E4B449F}" type="slidenum">
+              <a:rPr lang="en-US" smtClean="0"/>
+              <a:t>16</a:t>
+            </a:fld>
+            <a:endParaRPr lang="en-US"/>
+          </a:p>
+        </p:txBody>
+      </p:sp>
+    </p:spTree>
+    <p:extLst>
+      <p:ext uri="{BB962C8B-B14F-4D97-AF65-F5344CB8AC3E}">
+        <p14:creationId xmlns:p14="http://schemas.microsoft.com/office/powerpoint/2010/main" val="72995234"/>
       </p:ext>
     </p:extLst>
   </p:cSld>
@@ -1178,15 +1646,7 @@
           <a:p>
             <a:r>
               <a:rPr lang="en-US" dirty="0"/>
-              <a:t>Click to edit Master </a:t>
-            </a:r>
-            <a:r>
-              <a:rPr lang="en-US" dirty="0" smtClean="0"/>
-              <a:t>subtitle </a:t>
-            </a:r>
-            <a:r>
-              <a:rPr lang="en-US" dirty="0"/>
-              <a:t>style</a:t>
+              <a:t>Click to edit Master subtitle style</a:t>
             </a:r>
           </a:p>
         </p:txBody>
@@ -1228,7 +1688,7 @@
             <a:fld id="{1C2D31DE-C454-491C-B5C3-F097855E3DF7}" type="datetime4">
               <a:rPr lang="en-US" smtClean="0"/>
               <a:pPr/>
-              <a:t>March 19, 2020</a:t>
+              <a:t>June 24, 2021</a:t>
             </a:fld>
             <a:endParaRPr lang="en-US" dirty="0"/>
           </a:p>
@@ -4302,17 +4762,16 @@
           <a:p>
             <a:pPr lvl="0"/>
             <a:r>
-              <a:rPr lang="en-US" dirty="0" smtClean="0"/>
+              <a:rPr lang="en-US" dirty="0"/>
               <a:t>Presenter Name</a:t>
             </a:r>
             <a:br>
-              <a:rPr lang="en-US" dirty="0" smtClean="0"/>
+              <a:rPr lang="en-US" dirty="0"/>
             </a:br>
             <a:r>
-              <a:rPr lang="en-US" dirty="0" smtClean="0"/>
+              <a:rPr lang="en-US" dirty="0"/>
               <a:t>Presenter Title</a:t>
             </a:r>
-            <a:endParaRPr lang="en-US" dirty="0"/>
           </a:p>
         </p:txBody>
       </p:sp>
@@ -4329,13 +4788,6 @@
   <p:transition>
     <p:fade/>
   </p:transition>
-  <p:timing>
-    <p:tnLst>
-      <p:par>
-        <p:cTn id="1" dur="indefinite" restart="never" nodeType="tmRoot"/>
-      </p:par>
-    </p:tnLst>
-  </p:timing>
   <p:hf sldNum="0" hdr="0" ftr="0"/>
 </p:sldLayout>
 </file>
@@ -4628,7 +5080,7 @@
           <a:p>
             <a:fld id="{5958763E-B898-436D-883D-03711491D54A}" type="datetimeFigureOut">
               <a:rPr lang="en-US" smtClean="0"/>
-              <a:t>3/19/2020</a:t>
+              <a:t>6/24/2021</a:t>
             </a:fld>
             <a:endParaRPr lang="en-US"/>
           </a:p>
@@ -4701,13 +5153,6 @@
   <p:transition>
     <p:fade/>
   </p:transition>
-  <p:timing>
-    <p:tnLst>
-      <p:par>
-        <p:cTn id="1" dur="indefinite" restart="never" nodeType="tmRoot"/>
-      </p:par>
-    </p:tnLst>
-  </p:timing>
 </p:sldLayout>
 </file>
 
@@ -4756,10 +5201,9 @@
           </a:lstStyle>
           <a:p>
             <a:r>
-              <a:rPr lang="en-US" dirty="0" smtClean="0"/>
+              <a:rPr lang="en-US" dirty="0"/>
               <a:t>Click icon to add picture</a:t>
             </a:r>
-            <a:endParaRPr lang="en-US" dirty="0"/>
           </a:p>
         </p:txBody>
       </p:sp>
@@ -4829,7 +5273,7 @@
           <a:p>
             <a:fld id="{5958763E-B898-436D-883D-03711491D54A}" type="datetimeFigureOut">
               <a:rPr lang="en-US" smtClean="0"/>
-              <a:t>3/19/2020</a:t>
+              <a:t>6/24/2021</a:t>
             </a:fld>
             <a:endParaRPr lang="en-US"/>
           </a:p>
@@ -4902,13 +5346,6 @@
   <p:transition>
     <p:fade/>
   </p:transition>
-  <p:timing>
-    <p:tnLst>
-      <p:par>
-        <p:cTn id="1" dur="indefinite" restart="never" nodeType="tmRoot"/>
-      </p:par>
-    </p:tnLst>
-  </p:timing>
 </p:sldLayout>
 </file>
 
@@ -5086,7 +5523,7 @@
           <a:p>
             <a:fld id="{5958763E-B898-436D-883D-03711491D54A}" type="datetimeFigureOut">
               <a:rPr lang="en-US" smtClean="0"/>
-              <a:t>3/19/2020</a:t>
+              <a:t>6/24/2021</a:t>
             </a:fld>
             <a:endParaRPr lang="en-US"/>
           </a:p>
@@ -5159,13 +5596,6 @@
   <p:transition>
     <p:fade/>
   </p:transition>
-  <p:timing>
-    <p:tnLst>
-      <p:par>
-        <p:cTn id="1" dur="indefinite" restart="never" nodeType="tmRoot"/>
-      </p:par>
-    </p:tnLst>
-  </p:timing>
 </p:sldLayout>
 </file>
 
@@ -5441,7 +5871,7 @@
           <a:p>
             <a:fld id="{5958763E-B898-436D-883D-03711491D54A}" type="datetimeFigureOut">
               <a:rPr lang="en-US" smtClean="0"/>
-              <a:t>3/19/2020</a:t>
+              <a:t>6/24/2021</a:t>
             </a:fld>
             <a:endParaRPr lang="en-US"/>
           </a:p>
@@ -5502,13 +5932,6 @@
   <p:transition>
     <p:fade/>
   </p:transition>
-  <p:timing>
-    <p:tnLst>
-      <p:par>
-        <p:cTn id="1" dur="indefinite" restart="never" nodeType="tmRoot"/>
-      </p:par>
-    </p:tnLst>
-  </p:timing>
 </p:sldLayout>
 </file>
 
@@ -5864,7 +6287,7 @@
           <a:p>
             <a:fld id="{5958763E-B898-436D-883D-03711491D54A}" type="datetimeFigureOut">
               <a:rPr lang="en-US" smtClean="0"/>
-              <a:t>3/19/2020</a:t>
+              <a:t>6/24/2021</a:t>
             </a:fld>
             <a:endParaRPr lang="en-US"/>
           </a:p>
@@ -5925,13 +6348,6 @@
   <p:transition>
     <p:fade/>
   </p:transition>
-  <p:timing>
-    <p:tnLst>
-      <p:par>
-        <p:cTn id="1" dur="indefinite" restart="never" nodeType="tmRoot"/>
-      </p:par>
-    </p:tnLst>
-  </p:timing>
 </p:sldLayout>
 </file>
 
@@ -6372,7 +6788,7 @@
           <a:p>
             <a:fld id="{5958763E-B898-436D-883D-03711491D54A}" type="datetimeFigureOut">
               <a:rPr lang="en-US" smtClean="0"/>
-              <a:t>3/19/2020</a:t>
+              <a:t>6/24/2021</a:t>
             </a:fld>
             <a:endParaRPr lang="en-US"/>
           </a:p>
@@ -6433,13 +6849,6 @@
   <p:transition>
     <p:fade/>
   </p:transition>
-  <p:timing>
-    <p:tnLst>
-      <p:par>
-        <p:cTn id="1" dur="indefinite" restart="never" nodeType="tmRoot"/>
-      </p:par>
-    </p:tnLst>
-  </p:timing>
 </p:sldLayout>
 </file>
 
@@ -6830,7 +7239,7 @@
           <a:p>
             <a:fld id="{5958763E-B898-436D-883D-03711491D54A}" type="datetimeFigureOut">
               <a:rPr lang="en-US" smtClean="0"/>
-              <a:t>3/19/2020</a:t>
+              <a:t>6/24/2021</a:t>
             </a:fld>
             <a:endParaRPr lang="en-US"/>
           </a:p>
@@ -6891,13 +7300,6 @@
   <p:transition>
     <p:fade/>
   </p:transition>
-  <p:timing>
-    <p:tnLst>
-      <p:par>
-        <p:cTn id="1" dur="indefinite" restart="never" nodeType="tmRoot"/>
-      </p:par>
-    </p:tnLst>
-  </p:timing>
 </p:sldLayout>
 </file>
 
@@ -7448,7 +7850,7 @@
           <a:p>
             <a:fld id="{5958763E-B898-436D-883D-03711491D54A}" type="datetimeFigureOut">
               <a:rPr lang="en-US" smtClean="0"/>
-              <a:t>3/19/2020</a:t>
+              <a:t>6/24/2021</a:t>
             </a:fld>
             <a:endParaRPr lang="en-US"/>
           </a:p>
@@ -7509,13 +7911,6 @@
   <p:transition>
     <p:fade/>
   </p:transition>
-  <p:timing>
-    <p:tnLst>
-      <p:par>
-        <p:cTn id="1" dur="indefinite" restart="never" nodeType="tmRoot"/>
-      </p:par>
-    </p:tnLst>
-  </p:timing>
 </p:sldLayout>
 </file>
 
@@ -8226,7 +8621,7 @@
           <a:p>
             <a:fld id="{5958763E-B898-436D-883D-03711491D54A}" type="datetimeFigureOut">
               <a:rPr lang="en-US" smtClean="0"/>
-              <a:t>3/19/2020</a:t>
+              <a:t>6/24/2021</a:t>
             </a:fld>
             <a:endParaRPr lang="en-US"/>
           </a:p>
@@ -8287,13 +8682,6 @@
   <p:transition>
     <p:fade/>
   </p:transition>
-  <p:timing>
-    <p:tnLst>
-      <p:par>
-        <p:cTn id="1" dur="indefinite" restart="never" nodeType="tmRoot"/>
-      </p:par>
-    </p:tnLst>
-  </p:timing>
 </p:sldLayout>
 </file>
 
@@ -8337,7 +8725,7 @@
           <a:p>
             <a:fld id="{5958763E-B898-436D-883D-03711491D54A}" type="datetimeFigureOut">
               <a:rPr lang="en-US" smtClean="0"/>
-              <a:t>3/19/2020</a:t>
+              <a:t>6/24/2021</a:t>
             </a:fld>
             <a:endParaRPr lang="en-US"/>
           </a:p>
@@ -8410,13 +8798,6 @@
   <p:transition>
     <p:fade/>
   </p:transition>
-  <p:timing>
-    <p:tnLst>
-      <p:par>
-        <p:cTn id="1" dur="indefinite" restart="never" nodeType="tmRoot"/>
-      </p:par>
-    </p:tnLst>
-  </p:timing>
 </p:sldLayout>
 </file>
 
@@ -8496,7 +8877,7 @@
                 <a:spcPct val="0"/>
               </a:spcAft>
             </a:pPr>
-            <a:endParaRPr lang="en-US" sz="2400" dirty="0" err="1" smtClean="0">
+            <a:endParaRPr lang="en-US" sz="2400" dirty="0" err="1">
               <a:gradFill>
                 <a:gsLst>
                   <a:gs pos="0">
@@ -8629,15 +9010,7 @@
           <a:p>
             <a:r>
               <a:rPr lang="en-US" dirty="0"/>
-              <a:t>Click to edit Master </a:t>
-            </a:r>
-            <a:r>
-              <a:rPr lang="en-US" dirty="0" smtClean="0"/>
-              <a:t>subtitle </a:t>
-            </a:r>
-            <a:r>
-              <a:rPr lang="en-US" dirty="0"/>
-              <a:t>style</a:t>
+              <a:t>Click to edit Master subtitle style</a:t>
             </a:r>
           </a:p>
         </p:txBody>
@@ -8679,7 +9052,7 @@
             <a:fld id="{1C2D31DE-C454-491C-B5C3-F097855E3DF7}" type="datetime4">
               <a:rPr lang="en-US" smtClean="0"/>
               <a:pPr/>
-              <a:t>March 19, 2020</a:t>
+              <a:t>June 24, 2021</a:t>
             </a:fld>
             <a:endParaRPr lang="en-US" dirty="0"/>
           </a:p>
@@ -11753,17 +12126,16 @@
           <a:p>
             <a:pPr lvl="0"/>
             <a:r>
-              <a:rPr lang="en-US" dirty="0" smtClean="0"/>
+              <a:rPr lang="en-US" dirty="0"/>
               <a:t>Presenter Name</a:t>
             </a:r>
             <a:br>
-              <a:rPr lang="en-US" dirty="0" smtClean="0"/>
+              <a:rPr lang="en-US" dirty="0"/>
             </a:br>
             <a:r>
-              <a:rPr lang="en-US" dirty="0" smtClean="0"/>
+              <a:rPr lang="en-US" dirty="0"/>
               <a:t>Presenter Title</a:t>
             </a:r>
-            <a:endParaRPr lang="en-US" dirty="0"/>
           </a:p>
         </p:txBody>
       </p:sp>
@@ -11780,13 +12152,6 @@
   <p:transition>
     <p:fade/>
   </p:transition>
-  <p:timing>
-    <p:tnLst>
-      <p:par>
-        <p:cTn id="1" dur="indefinite" restart="never" nodeType="tmRoot"/>
-      </p:par>
-    </p:tnLst>
-  </p:timing>
   <p:hf sldNum="0" hdr="0" ftr="0"/>
 </p:sldLayout>
 </file>
@@ -11839,7 +12204,7 @@
           <a:p>
             <a:fld id="{5958763E-B898-436D-883D-03711491D54A}" type="datetimeFigureOut">
               <a:rPr lang="en-US" smtClean="0"/>
-              <a:t>3/19/2020</a:t>
+              <a:t>6/24/2021</a:t>
             </a:fld>
             <a:endParaRPr lang="en-US"/>
           </a:p>
@@ -11912,13 +12277,6 @@
   <p:transition>
     <p:fade/>
   </p:transition>
-  <p:timing>
-    <p:tnLst>
-      <p:par>
-        <p:cTn id="1" dur="indefinite" restart="never" nodeType="tmRoot"/>
-      </p:par>
-    </p:tnLst>
-  </p:timing>
 </p:sldLayout>
 </file>
 
@@ -11970,7 +12328,7 @@
           <a:p>
             <a:fld id="{5958763E-B898-436D-883D-03711491D54A}" type="datetimeFigureOut">
               <a:rPr lang="en-US" smtClean="0"/>
-              <a:t>3/19/2020</a:t>
+              <a:t>6/24/2021</a:t>
             </a:fld>
             <a:endParaRPr lang="en-US"/>
           </a:p>
@@ -12043,13 +12401,6 @@
   <p:transition>
     <p:fade/>
   </p:transition>
-  <p:timing>
-    <p:tnLst>
-      <p:par>
-        <p:cTn id="1" dur="indefinite" restart="never" nodeType="tmRoot"/>
-      </p:par>
-    </p:tnLst>
-  </p:timing>
 </p:sldLayout>
 </file>
 
@@ -12101,7 +12452,7 @@
           <a:p>
             <a:fld id="{5958763E-B898-436D-883D-03711491D54A}" type="datetimeFigureOut">
               <a:rPr lang="en-US" smtClean="0"/>
-              <a:t>3/19/2020</a:t>
+              <a:t>6/24/2021</a:t>
             </a:fld>
             <a:endParaRPr lang="en-US"/>
           </a:p>
@@ -12174,13 +12525,6 @@
   <p:transition>
     <p:fade/>
   </p:transition>
-  <p:timing>
-    <p:tnLst>
-      <p:par>
-        <p:cTn id="1" dur="indefinite" restart="never" nodeType="tmRoot"/>
-      </p:par>
-    </p:tnLst>
-  </p:timing>
 </p:sldLayout>
 </file>
 
@@ -12232,7 +12576,7 @@
           <a:p>
             <a:fld id="{5958763E-B898-436D-883D-03711491D54A}" type="datetimeFigureOut">
               <a:rPr lang="en-US" smtClean="0"/>
-              <a:t>3/19/2020</a:t>
+              <a:t>6/24/2021</a:t>
             </a:fld>
             <a:endParaRPr lang="en-US"/>
           </a:p>
@@ -12305,13 +12649,6 @@
   <p:transition>
     <p:fade/>
   </p:transition>
-  <p:timing>
-    <p:tnLst>
-      <p:par>
-        <p:cTn id="1" dur="indefinite" restart="never" nodeType="tmRoot"/>
-      </p:par>
-    </p:tnLst>
-  </p:timing>
 </p:sldLayout>
 </file>
 
@@ -12363,7 +12700,7 @@
           <a:p>
             <a:fld id="{5958763E-B898-436D-883D-03711491D54A}" type="datetimeFigureOut">
               <a:rPr lang="en-US" smtClean="0"/>
-              <a:t>3/19/2020</a:t>
+              <a:t>6/24/2021</a:t>
             </a:fld>
             <a:endParaRPr lang="en-US"/>
           </a:p>
@@ -12436,13 +12773,6 @@
   <p:transition>
     <p:fade/>
   </p:transition>
-  <p:timing>
-    <p:tnLst>
-      <p:par>
-        <p:cTn id="1" dur="indefinite" restart="never" nodeType="tmRoot"/>
-      </p:par>
-    </p:tnLst>
-  </p:timing>
 </p:sldLayout>
 </file>
 
@@ -12494,7 +12824,7 @@
           <a:p>
             <a:fld id="{5958763E-B898-436D-883D-03711491D54A}" type="datetimeFigureOut">
               <a:rPr lang="en-US" smtClean="0"/>
-              <a:t>3/19/2020</a:t>
+              <a:t>6/24/2021</a:t>
             </a:fld>
             <a:endParaRPr lang="en-US"/>
           </a:p>
@@ -12567,13 +12897,6 @@
   <p:transition>
     <p:fade/>
   </p:transition>
-  <p:timing>
-    <p:tnLst>
-      <p:par>
-        <p:cTn id="1" dur="indefinite" restart="never" nodeType="tmRoot"/>
-      </p:par>
-    </p:tnLst>
-  </p:timing>
 </p:sldLayout>
 </file>
 
@@ -12625,7 +12948,7 @@
           <a:p>
             <a:fld id="{5958763E-B898-436D-883D-03711491D54A}" type="datetimeFigureOut">
               <a:rPr lang="en-US" smtClean="0"/>
-              <a:t>3/19/2020</a:t>
+              <a:t>6/24/2021</a:t>
             </a:fld>
             <a:endParaRPr lang="en-US"/>
           </a:p>
@@ -12698,13 +13021,6 @@
   <p:transition>
     <p:fade/>
   </p:transition>
-  <p:timing>
-    <p:tnLst>
-      <p:par>
-        <p:cTn id="1" dur="indefinite" restart="never" nodeType="tmRoot"/>
-      </p:par>
-    </p:tnLst>
-  </p:timing>
 </p:sldLayout>
 </file>
 
@@ -12756,7 +13072,7 @@
           <a:p>
             <a:fld id="{5958763E-B898-436D-883D-03711491D54A}" type="datetimeFigureOut">
               <a:rPr lang="en-US" smtClean="0"/>
-              <a:t>3/19/2020</a:t>
+              <a:t>6/24/2021</a:t>
             </a:fld>
             <a:endParaRPr lang="en-US"/>
           </a:p>
@@ -12829,13 +13145,6 @@
   <p:transition>
     <p:fade/>
   </p:transition>
-  <p:timing>
-    <p:tnLst>
-      <p:par>
-        <p:cTn id="1" dur="indefinite" restart="never" nodeType="tmRoot"/>
-      </p:par>
-    </p:tnLst>
-  </p:timing>
 </p:sldLayout>
 </file>
 
@@ -12896,7 +13205,7 @@
           <a:p>
             <a:fld id="{5958763E-B898-436D-883D-03711491D54A}" type="datetimeFigureOut">
               <a:rPr lang="en-US" smtClean="0"/>
-              <a:t>3/19/2020</a:t>
+              <a:t>6/24/2021</a:t>
             </a:fld>
             <a:endParaRPr lang="en-US"/>
           </a:p>
@@ -12969,13 +13278,6 @@
   <p:transition>
     <p:fade/>
   </p:transition>
-  <p:timing>
-    <p:tnLst>
-      <p:par>
-        <p:cTn id="1" dur="indefinite" restart="never" nodeType="tmRoot"/>
-      </p:par>
-    </p:tnLst>
-  </p:timing>
 </p:sldLayout>
 </file>
 
@@ -15977,13 +16279,6 @@
   <p:transition>
     <p:fade/>
   </p:transition>
-  <p:timing>
-    <p:tnLst>
-      <p:par>
-        <p:cTn id="1" dur="indefinite" restart="never" nodeType="tmRoot"/>
-      </p:par>
-    </p:tnLst>
-  </p:timing>
 </p:sldLayout>
 </file>
 
@@ -16071,7 +16366,7 @@
                 <a:spcPct val="0"/>
               </a:spcAft>
             </a:pPr>
-            <a:endParaRPr lang="en-US" sz="2400" dirty="0" err="1" smtClean="0">
+            <a:endParaRPr lang="en-US" sz="2400" dirty="0" err="1">
               <a:gradFill>
                 <a:gsLst>
                   <a:gs pos="0">
@@ -16207,15 +16502,7 @@
           <a:p>
             <a:r>
               <a:rPr lang="en-US" dirty="0"/>
-              <a:t>Click to edit Master </a:t>
-            </a:r>
-            <a:r>
-              <a:rPr lang="en-US" dirty="0" smtClean="0"/>
-              <a:t>subtitle </a:t>
-            </a:r>
-            <a:r>
-              <a:rPr lang="en-US" dirty="0"/>
-              <a:t>style</a:t>
+              <a:t>Click to edit Master subtitle style</a:t>
             </a:r>
           </a:p>
         </p:txBody>
@@ -16257,7 +16544,7 @@
             <a:fld id="{1C2D31DE-C454-491C-B5C3-F097855E3DF7}" type="datetime4">
               <a:rPr lang="en-US" smtClean="0"/>
               <a:pPr/>
-              <a:t>March 19, 2020</a:t>
+              <a:t>June 24, 2021</a:t>
             </a:fld>
             <a:endParaRPr lang="en-US" dirty="0"/>
           </a:p>
@@ -19339,17 +19626,16 @@
           <a:p>
             <a:pPr lvl="0"/>
             <a:r>
-              <a:rPr lang="en-US" dirty="0" smtClean="0"/>
+              <a:rPr lang="en-US" dirty="0"/>
               <a:t>Presenter Name</a:t>
             </a:r>
             <a:br>
-              <a:rPr lang="en-US" dirty="0" smtClean="0"/>
+              <a:rPr lang="en-US" dirty="0"/>
             </a:br>
             <a:r>
-              <a:rPr lang="en-US" dirty="0" smtClean="0"/>
+              <a:rPr lang="en-US" dirty="0"/>
               <a:t>Presenter Title</a:t>
             </a:r>
-            <a:endParaRPr lang="en-US" dirty="0"/>
           </a:p>
         </p:txBody>
       </p:sp>
@@ -19366,13 +19652,6 @@
   <p:transition>
     <p:fade/>
   </p:transition>
-  <p:timing>
-    <p:tnLst>
-      <p:par>
-        <p:cTn id="1" dur="indefinite" restart="never" nodeType="tmRoot"/>
-      </p:par>
-    </p:tnLst>
-  </p:timing>
   <p:hf sldNum="0" hdr="0" ftr="0"/>
 </p:sldLayout>
 </file>
@@ -26882,10 +27161,9 @@
           <a:p>
             <a:pPr lvl="0"/>
             <a:r>
-              <a:rPr lang="en-US" dirty="0" smtClean="0"/>
+              <a:rPr lang="en-US" dirty="0"/>
               <a:t>&lt;Call to action&gt;</a:t>
             </a:r>
-            <a:endParaRPr lang="en-US" dirty="0"/>
           </a:p>
         </p:txBody>
       </p:sp>
@@ -28502,7 +28780,7 @@
           <a:p>
             <a:fld id="{5958763E-B898-436D-883D-03711491D54A}" type="datetimeFigureOut">
               <a:rPr lang="en-US" smtClean="0"/>
-              <a:t>3/19/2020</a:t>
+              <a:t>6/24/2021</a:t>
             </a:fld>
             <a:endParaRPr lang="en-US"/>
           </a:p>
@@ -28629,7 +28907,7 @@
                 <a:spcPct val="0"/>
               </a:spcAft>
             </a:pPr>
-            <a:endParaRPr lang="en-US" sz="2400" dirty="0" err="1" smtClean="0">
+            <a:endParaRPr lang="en-US" sz="2400" dirty="0" err="1">
               <a:gradFill>
                 <a:gsLst>
                   <a:gs pos="0">
@@ -28660,13 +28938,6 @@
   <p:transition>
     <p:fade/>
   </p:transition>
-  <p:timing>
-    <p:tnLst>
-      <p:par>
-        <p:cTn id="1" dur="indefinite" restart="never" nodeType="tmRoot"/>
-      </p:par>
-    </p:tnLst>
-  </p:timing>
 </p:sldLayout>
 </file>
 
@@ -28911,7 +29182,7 @@
           <a:p>
             <a:fld id="{5958763E-B898-436D-883D-03711491D54A}" type="datetimeFigureOut">
               <a:rPr lang="en-US" smtClean="0"/>
-              <a:t>3/19/2020</a:t>
+              <a:t>6/24/2021</a:t>
             </a:fld>
             <a:endParaRPr lang="en-US"/>
           </a:p>
@@ -28984,13 +29255,6 @@
   <p:transition>
     <p:fade/>
   </p:transition>
-  <p:timing>
-    <p:tnLst>
-      <p:par>
-        <p:cTn id="1" dur="indefinite" restart="never" nodeType="tmRoot"/>
-      </p:par>
-    </p:tnLst>
-  </p:timing>
 </p:sldLayout>
 </file>
 
@@ -29212,7 +29476,7 @@
           <a:p>
             <a:fld id="{5958763E-B898-436D-883D-03711491D54A}" type="datetimeFigureOut">
               <a:rPr lang="en-US" smtClean="0"/>
-              <a:t>3/19/2020</a:t>
+              <a:t>6/24/2021</a:t>
             </a:fld>
             <a:endParaRPr lang="en-US"/>
           </a:p>
@@ -29285,13 +29549,6 @@
   <p:transition>
     <p:fade/>
   </p:transition>
-  <p:timing>
-    <p:tnLst>
-      <p:par>
-        <p:cTn id="1" dur="indefinite" restart="never" nodeType="tmRoot"/>
-      </p:par>
-    </p:tnLst>
-  </p:timing>
 </p:sldLayout>
 </file>
 
@@ -29420,7 +29677,7 @@
           <a:p>
             <a:fld id="{5958763E-B898-436D-883D-03711491D54A}" type="datetimeFigureOut">
               <a:rPr lang="en-US" smtClean="0"/>
-              <a:t>3/19/2020</a:t>
+              <a:t>6/24/2021</a:t>
             </a:fld>
             <a:endParaRPr lang="en-US"/>
           </a:p>
@@ -29543,13 +29800,6 @@
   <p:transition>
     <p:fade/>
   </p:transition>
-  <p:timing>
-    <p:tnLst>
-      <p:par>
-        <p:cTn id="1" dur="indefinite" restart="never" nodeType="tmRoot"/>
-      </p:par>
-    </p:tnLst>
-  </p:timing>
 </p:sldLayout>
 </file>
 
@@ -29688,7 +29938,7 @@
           <a:p>
             <a:fld id="{5958763E-B898-436D-883D-03711491D54A}" type="datetimeFigureOut">
               <a:rPr lang="en-US" smtClean="0"/>
-              <a:t>3/19/2020</a:t>
+              <a:t>6/24/2021</a:t>
             </a:fld>
             <a:endParaRPr lang="en-US"/>
           </a:p>
@@ -29815,13 +30065,6 @@
   <p:transition>
     <p:fade/>
   </p:transition>
-  <p:timing>
-    <p:tnLst>
-      <p:par>
-        <p:cTn id="1" dur="indefinite" restart="never" nodeType="tmRoot"/>
-      </p:par>
-    </p:tnLst>
-  </p:timing>
 </p:sldLayout>
 </file>
 
@@ -29983,7 +30226,7 @@
                 <a:spcPct val="0"/>
               </a:spcAft>
             </a:pPr>
-            <a:endParaRPr lang="en-US" sz="2400" dirty="0" err="1" smtClean="0">
+            <a:endParaRPr lang="en-US" sz="2400" dirty="0" err="1">
               <a:gradFill>
                 <a:gsLst>
                   <a:gs pos="0">
@@ -30034,10 +30277,9 @@
           </a:lstStyle>
           <a:p>
             <a:r>
-              <a:rPr lang="en-US" dirty="0" smtClean="0"/>
+              <a:rPr lang="en-US" dirty="0"/>
               <a:t>Type “Agenda”</a:t>
             </a:r>
-            <a:endParaRPr lang="en-US" dirty="0"/>
           </a:p>
         </p:txBody>
       </p:sp>
@@ -30161,24 +30403,23 @@
           <a:p>
             <a:pPr lvl="0"/>
             <a:r>
-              <a:rPr lang="en-US" dirty="0" smtClean="0"/>
+              <a:rPr lang="en-US" dirty="0"/>
               <a:t>Item 1</a:t>
             </a:r>
           </a:p>
           <a:p>
             <a:pPr lvl="0"/>
             <a:r>
-              <a:rPr lang="en-US" dirty="0" smtClean="0"/>
+              <a:rPr lang="en-US" dirty="0"/>
               <a:t>Item 2</a:t>
             </a:r>
           </a:p>
           <a:p>
             <a:pPr lvl="0"/>
             <a:r>
-              <a:rPr lang="en-US" dirty="0" smtClean="0"/>
+              <a:rPr lang="en-US" dirty="0"/>
               <a:t>Item 3</a:t>
             </a:r>
-            <a:endParaRPr lang="en-US" dirty="0"/>
           </a:p>
         </p:txBody>
       </p:sp>
@@ -30205,7 +30446,7 @@
           <a:p>
             <a:fld id="{5958763E-B898-436D-883D-03711491D54A}" type="datetimeFigureOut">
               <a:rPr lang="en-US" smtClean="0"/>
-              <a:t>3/19/2020</a:t>
+              <a:t>6/24/2021</a:t>
             </a:fld>
             <a:endParaRPr lang="en-US"/>
           </a:p>
@@ -30312,13 +30553,6 @@
   <p:transition>
     <p:fade/>
   </p:transition>
-  <p:timing>
-    <p:tnLst>
-      <p:par>
-        <p:cTn id="1" dur="indefinite" restart="never" nodeType="tmRoot"/>
-      </p:par>
-    </p:tnLst>
-  </p:timing>
 </p:sldLayout>
 </file>
 
@@ -30480,7 +30714,7 @@
                 <a:spcPct val="0"/>
               </a:spcAft>
             </a:pPr>
-            <a:endParaRPr lang="en-US" sz="2400" dirty="0" err="1" smtClean="0">
+            <a:endParaRPr lang="en-US" sz="2400" dirty="0" err="1">
               <a:gradFill>
                 <a:gsLst>
                   <a:gs pos="0">
@@ -30533,10 +30767,9 @@
           </a:lstStyle>
           <a:p>
             <a:r>
-              <a:rPr lang="en-US" dirty="0" smtClean="0"/>
+              <a:rPr lang="en-US" dirty="0"/>
               <a:t>Notable Quote</a:t>
             </a:r>
-            <a:endParaRPr lang="en-US" dirty="0"/>
           </a:p>
         </p:txBody>
       </p:sp>
@@ -30663,10 +30896,9 @@
           <a:p>
             <a:pPr lvl="0"/>
             <a:r>
-              <a:rPr lang="en-US" dirty="0" smtClean="0"/>
+              <a:rPr lang="en-US" dirty="0"/>
               <a:t>– Attribution</a:t>
             </a:r>
-            <a:endParaRPr lang="en-US" dirty="0"/>
           </a:p>
         </p:txBody>
       </p:sp>
@@ -30693,7 +30925,7 @@
           <a:p>
             <a:fld id="{5958763E-B898-436D-883D-03711491D54A}" type="datetimeFigureOut">
               <a:rPr lang="en-US" smtClean="0"/>
-              <a:t>3/19/2020</a:t>
+              <a:t>6/24/2021</a:t>
             </a:fld>
             <a:endParaRPr lang="en-US"/>
           </a:p>
@@ -31441,13 +31673,6 @@
   <p:transition>
     <p:fade/>
   </p:transition>
-  <p:timing>
-    <p:tnLst>
-      <p:par>
-        <p:cTn id="1" dur="indefinite" restart="never" nodeType="tmRoot"/>
-      </p:par>
-    </p:tnLst>
-  </p:timing>
 </p:sldLayout>
 </file>
 
@@ -31519,7 +31744,7 @@
           <a:p>
             <a:fld id="{5958763E-B898-436D-883D-03711491D54A}" type="datetimeFigureOut">
               <a:rPr lang="en-US" smtClean="0"/>
-              <a:t>3/19/2020</a:t>
+              <a:t>6/24/2021</a:t>
             </a:fld>
             <a:endParaRPr lang="en-US"/>
           </a:p>
@@ -31592,13 +31817,6 @@
   <p:transition>
     <p:fade/>
   </p:transition>
-  <p:timing>
-    <p:tnLst>
-      <p:par>
-        <p:cTn id="1" dur="indefinite" restart="never" nodeType="tmRoot"/>
-      </p:par>
-    </p:tnLst>
-  </p:timing>
 </p:sldLayout>
 </file>
 
@@ -31727,7 +31945,7 @@
           <a:p>
             <a:fld id="{5958763E-B898-436D-883D-03711491D54A}" type="datetimeFigureOut">
               <a:rPr lang="en-US" smtClean="0"/>
-              <a:t>3/19/2020</a:t>
+              <a:t>6/24/2021</a:t>
             </a:fld>
             <a:endParaRPr lang="en-US"/>
           </a:p>
@@ -31850,13 +32068,6 @@
   <p:transition>
     <p:fade/>
   </p:transition>
-  <p:timing>
-    <p:tnLst>
-      <p:par>
-        <p:cTn id="1" dur="indefinite" restart="never" nodeType="tmRoot"/>
-      </p:par>
-    </p:tnLst>
-  </p:timing>
 </p:sldLayout>
 </file>
 
@@ -32069,7 +32280,7 @@
           <a:p>
             <a:fld id="{5958763E-B898-436D-883D-03711491D54A}" type="datetimeFigureOut">
               <a:rPr lang="en-US" smtClean="0"/>
-              <a:t>3/19/2020</a:t>
+              <a:t>6/24/2021</a:t>
             </a:fld>
             <a:endParaRPr lang="en-US"/>
           </a:p>
@@ -32142,13 +32353,6 @@
   <p:transition>
     <p:fade/>
   </p:transition>
-  <p:timing>
-    <p:tnLst>
-      <p:par>
-        <p:cTn id="1" dur="indefinite" restart="never" nodeType="tmRoot"/>
-      </p:par>
-    </p:tnLst>
-  </p:timing>
 </p:sldLayout>
 </file>
 
@@ -32306,7 +32510,7 @@
           <a:p>
             <a:fld id="{5958763E-B898-436D-883D-03711491D54A}" type="datetimeFigureOut">
               <a:rPr lang="en-US" smtClean="0"/>
-              <a:t>3/19/2020</a:t>
+              <a:t>6/24/2021</a:t>
             </a:fld>
             <a:endParaRPr lang="en-US"/>
           </a:p>
@@ -32379,13 +32583,6 @@
   <p:transition>
     <p:fade/>
   </p:transition>
-  <p:timing>
-    <p:tnLst>
-      <p:par>
-        <p:cTn id="1" dur="indefinite" restart="never" nodeType="tmRoot"/>
-      </p:par>
-    </p:tnLst>
-  </p:timing>
 </p:sldLayout>
 </file>
 
@@ -32557,7 +32754,7 @@
           <a:p>
             <a:fld id="{5958763E-B898-436D-883D-03711491D54A}" type="datetimeFigureOut">
               <a:rPr lang="en-US" smtClean="0"/>
-              <a:t>3/19/2020</a:t>
+              <a:t>6/24/2021</a:t>
             </a:fld>
             <a:endParaRPr lang="en-US"/>
           </a:p>
@@ -32703,13 +32900,6 @@
   <p:transition>
     <p:fade/>
   </p:transition>
-  <p:timing>
-    <p:tnLst>
-      <p:par>
-        <p:cTn id="1" dur="indefinite" restart="never" nodeType="tmRoot"/>
-      </p:par>
-    </p:tnLst>
-  </p:timing>
   <p:txStyles>
     <p:titleStyle>
       <a:lvl1pPr algn="l" defTabSz="914400" rtl="0" eaLnBrk="1" latinLnBrk="0" hangingPunct="1">
@@ -33014,7 +33204,7 @@
       </a:lvl9pPr>
     </p:otherStyle>
   </p:txStyles>
-  <p:extLst mod="1">
+  <p:extLst>
     <p:ext uri="{27BBF7A9-308A-43DC-89C8-2F10F3537804}">
       <p15:sldGuideLst xmlns:p15="http://schemas.microsoft.com/office/powerpoint/2012/main">
         <p15:guide id="1" orient="horz" pos="2160" userDrawn="1">
@@ -33093,10 +33283,9 @@
           <a:lstStyle/>
           <a:p>
             <a:r>
-              <a:rPr lang="en-US" sz="6600" dirty="0" smtClean="0"/>
-              <a:t>HTML Basics</a:t>
+              <a:rPr lang="en-US" sz="6600" dirty="0"/>
+              <a:t>Hello HTML!</a:t>
             </a:r>
-            <a:endParaRPr lang="en-US" sz="6600" dirty="0"/>
           </a:p>
         </p:txBody>
       </p:sp>
@@ -33121,14 +33310,9 @@
           <a:lstStyle/>
           <a:p>
             <a:r>
-              <a:rPr lang="en-US" dirty="0" smtClean="0"/>
-              <a:t>Hy-Tech Club: Web </a:t>
+              <a:rPr lang="en-US" dirty="0"/>
+              <a:t>Hy-Tech Club: Web 101</a:t>
             </a:r>
-            <a:r>
-              <a:rPr lang="en-US" dirty="0" smtClean="0"/>
-              <a:t>101</a:t>
-            </a:r>
-            <a:endParaRPr lang="en-US" dirty="0"/>
           </a:p>
         </p:txBody>
       </p:sp>
@@ -36103,7 +36287,184 @@
     </p:spTree>
     <p:extLst>
       <p:ext uri="{BB962C8B-B14F-4D97-AF65-F5344CB8AC3E}">
-        <p14:creationId xmlns:p14="http://schemas.microsoft.com/office/powerpoint/2010/main" val="1399880830"/>
+        <p14:creationId xmlns:p14="http://schemas.microsoft.com/office/powerpoint/2010/main" val="3427218119"/>
+      </p:ext>
+    </p:extLst>
+  </p:cSld>
+  <p:clrMapOvr>
+    <a:masterClrMapping/>
+  </p:clrMapOvr>
+  <p:transition>
+    <p:fade/>
+  </p:transition>
+</p:sld>
+</file>
+
+<file path=ppt/slides/slide10.xml><?xml version="1.0" encoding="utf-8"?>
+<p:sld xmlns:a="http://schemas.openxmlformats.org/drawingml/2006/main" xmlns:r="http://schemas.openxmlformats.org/officeDocument/2006/relationships" xmlns:p="http://schemas.openxmlformats.org/presentationml/2006/main">
+  <p:cSld>
+    <p:spTree>
+      <p:nvGrpSpPr>
+        <p:cNvPr id="1" name=""/>
+        <p:cNvGrpSpPr/>
+        <p:nvPr/>
+      </p:nvGrpSpPr>
+      <p:grpSpPr>
+        <a:xfrm>
+          <a:off x="0" y="0"/>
+          <a:ext cx="0" cy="0"/>
+          <a:chOff x="0" y="0"/>
+          <a:chExt cx="0" cy="0"/>
+        </a:xfrm>
+      </p:grpSpPr>
+      <p:sp>
+        <p:nvSpPr>
+          <p:cNvPr id="2" name="Title 1">
+            <a:extLst>
+              <a:ext uri="{FF2B5EF4-FFF2-40B4-BE49-F238E27FC236}">
+                <a16:creationId xmlns:a16="http://schemas.microsoft.com/office/drawing/2014/main" id="{68DF5E7C-FB43-4A3B-9336-718C89B46CB2}"/>
+              </a:ext>
+            </a:extLst>
+          </p:cNvPr>
+          <p:cNvSpPr>
+            <a:spLocks noGrp="1"/>
+          </p:cNvSpPr>
+          <p:nvPr>
+            <p:ph type="title"/>
+          </p:nvPr>
+        </p:nvSpPr>
+        <p:spPr/>
+        <p:txBody>
+          <a:bodyPr/>
+          <a:lstStyle/>
+          <a:p>
+            <a:r>
+              <a:rPr lang="en-US" dirty="0"/>
+              <a:t>HTML TAGS</a:t>
+            </a:r>
+          </a:p>
+        </p:txBody>
+      </p:sp>
+      <p:sp>
+        <p:nvSpPr>
+          <p:cNvPr id="3" name="Content Placeholder 2">
+            <a:extLst>
+              <a:ext uri="{FF2B5EF4-FFF2-40B4-BE49-F238E27FC236}">
+                <a16:creationId xmlns:a16="http://schemas.microsoft.com/office/drawing/2014/main" id="{3585141B-35F9-47DC-A516-03DD68179114}"/>
+              </a:ext>
+            </a:extLst>
+          </p:cNvPr>
+          <p:cNvSpPr>
+            <a:spLocks noGrp="1"/>
+          </p:cNvSpPr>
+          <p:nvPr>
+            <p:ph idx="1"/>
+          </p:nvPr>
+        </p:nvSpPr>
+        <p:spPr/>
+        <p:txBody>
+          <a:bodyPr>
+            <a:normAutofit fontScale="92500" lnSpcReduction="20000"/>
+          </a:bodyPr>
+          <a:lstStyle/>
+          <a:p>
+            <a:pPr marL="57150" indent="0">
+              <a:buNone/>
+            </a:pPr>
+            <a:r>
+              <a:rPr lang="en-US" sz="6600" dirty="0">
+                <a:solidFill>
+                  <a:schemeClr val="accent1"/>
+                </a:solidFill>
+                <a:latin typeface="+mj-lt"/>
+              </a:rPr>
+              <a:t>opening tag</a:t>
+            </a:r>
+          </a:p>
+          <a:p>
+            <a:pPr marL="57150" indent="0">
+              <a:buNone/>
+            </a:pPr>
+            <a:r>
+              <a:rPr lang="en-US" sz="8800" b="1" dirty="0">
+                <a:latin typeface="Consolas" panose="020B0609020204030204" pitchFamily="49" charset="0"/>
+              </a:rPr>
+              <a:t>&lt;</a:t>
+            </a:r>
+            <a:r>
+              <a:rPr lang="en-US" sz="8800" i="1" dirty="0">
+                <a:solidFill>
+                  <a:schemeClr val="bg2">
+                    <a:lumMod val="90000"/>
+                  </a:schemeClr>
+                </a:solidFill>
+                <a:latin typeface="Consolas" panose="020B0609020204030204" pitchFamily="49" charset="0"/>
+              </a:rPr>
+              <a:t>element-name</a:t>
+            </a:r>
+            <a:r>
+              <a:rPr lang="en-US" sz="8800" b="1" dirty="0">
+                <a:latin typeface="Consolas" panose="020B0609020204030204" pitchFamily="49" charset="0"/>
+              </a:rPr>
+              <a:t>&gt;</a:t>
+            </a:r>
+          </a:p>
+          <a:p>
+            <a:pPr marL="57150" indent="0">
+              <a:buNone/>
+            </a:pPr>
+            <a:endParaRPr lang="en-US" sz="8800" b="1" dirty="0">
+              <a:latin typeface="Consolas" panose="020B0609020204030204" pitchFamily="49" charset="0"/>
+            </a:endParaRPr>
+          </a:p>
+          <a:p>
+            <a:pPr marL="57150" indent="0">
+              <a:buNone/>
+            </a:pPr>
+            <a:r>
+              <a:rPr lang="en-US" sz="6600" dirty="0">
+                <a:solidFill>
+                  <a:schemeClr val="accent2"/>
+                </a:solidFill>
+                <a:latin typeface="+mj-lt"/>
+              </a:rPr>
+              <a:t>closing tag</a:t>
+            </a:r>
+          </a:p>
+          <a:p>
+            <a:pPr marL="57150" indent="0">
+              <a:buNone/>
+            </a:pPr>
+            <a:r>
+              <a:rPr lang="en-US" sz="8800" b="1" dirty="0">
+                <a:latin typeface="Consolas" panose="020B0609020204030204" pitchFamily="49" charset="0"/>
+              </a:rPr>
+              <a:t>&lt;/</a:t>
+            </a:r>
+            <a:r>
+              <a:rPr lang="en-US" sz="8800" i="1" dirty="0">
+                <a:solidFill>
+                  <a:schemeClr val="bg2">
+                    <a:lumMod val="90000"/>
+                  </a:schemeClr>
+                </a:solidFill>
+                <a:latin typeface="Consolas" panose="020B0609020204030204" pitchFamily="49" charset="0"/>
+              </a:rPr>
+              <a:t>element-name</a:t>
+            </a:r>
+            <a:r>
+              <a:rPr lang="en-US" sz="8800" b="1" dirty="0">
+                <a:latin typeface="Consolas" panose="020B0609020204030204" pitchFamily="49" charset="0"/>
+              </a:rPr>
+              <a:t>&gt;</a:t>
+            </a:r>
+          </a:p>
+        </p:txBody>
+      </p:sp>
+    </p:spTree>
+    <p:extLst>
+      <p:ext uri="{BB962C8B-B14F-4D97-AF65-F5344CB8AC3E}">
+        <p14:creationId xmlns:p14="http://schemas.microsoft.com/office/powerpoint/2010/main" val="3810331950"/>
       </p:ext>
     </p:extLst>
   </p:cSld>
@@ -36116,14 +36477,1437 @@
   <p:timing>
     <p:tnLst>
       <p:par>
-        <p:cTn id="1" dur="indefinite" restart="never" nodeType="tmRoot"/>
+        <p:cTn id="1" dur="indefinite" restart="never" nodeType="tmRoot">
+          <p:childTnLst>
+            <p:seq concurrent="1" nextAc="seek">
+              <p:cTn id="2" dur="indefinite" nodeType="mainSeq">
+                <p:childTnLst>
+                  <p:par>
+                    <p:cTn id="3" fill="hold">
+                      <p:stCondLst>
+                        <p:cond delay="indefinite"/>
+                      </p:stCondLst>
+                      <p:childTnLst>
+                        <p:par>
+                          <p:cTn id="4" fill="hold">
+                            <p:stCondLst>
+                              <p:cond delay="0"/>
+                            </p:stCondLst>
+                            <p:childTnLst>
+                              <p:par>
+                                <p:cTn id="5" presetID="10" presetClass="entr" presetSubtype="0" fill="hold" nodeType="clickEffect">
+                                  <p:stCondLst>
+                                    <p:cond delay="0"/>
+                                  </p:stCondLst>
+                                  <p:childTnLst>
+                                    <p:set>
+                                      <p:cBhvr>
+                                        <p:cTn id="6" dur="1" fill="hold">
+                                          <p:stCondLst>
+                                            <p:cond delay="0"/>
+                                          </p:stCondLst>
+                                        </p:cTn>
+                                        <p:tgtEl>
+                                          <p:spTgt spid="3">
+                                            <p:txEl>
+                                              <p:pRg st="0" end="0"/>
+                                            </p:txEl>
+                                          </p:spTgt>
+                                        </p:tgtEl>
+                                        <p:attrNameLst>
+                                          <p:attrName>style.visibility</p:attrName>
+                                        </p:attrNameLst>
+                                      </p:cBhvr>
+                                      <p:to>
+                                        <p:strVal val="visible"/>
+                                      </p:to>
+                                    </p:set>
+                                    <p:animEffect transition="in" filter="fade">
+                                      <p:cBhvr>
+                                        <p:cTn id="7" dur="500"/>
+                                        <p:tgtEl>
+                                          <p:spTgt spid="3">
+                                            <p:txEl>
+                                              <p:pRg st="0" end="0"/>
+                                            </p:txEl>
+                                          </p:spTgt>
+                                        </p:tgtEl>
+                                      </p:cBhvr>
+                                    </p:animEffect>
+                                  </p:childTnLst>
+                                </p:cTn>
+                              </p:par>
+                            </p:childTnLst>
+                          </p:cTn>
+                        </p:par>
+                      </p:childTnLst>
+                    </p:cTn>
+                  </p:par>
+                  <p:par>
+                    <p:cTn id="8" fill="hold">
+                      <p:stCondLst>
+                        <p:cond delay="indefinite"/>
+                      </p:stCondLst>
+                      <p:childTnLst>
+                        <p:par>
+                          <p:cTn id="9" fill="hold">
+                            <p:stCondLst>
+                              <p:cond delay="0"/>
+                            </p:stCondLst>
+                            <p:childTnLst>
+                              <p:par>
+                                <p:cTn id="10" presetID="10" presetClass="entr" presetSubtype="0" fill="hold" nodeType="clickEffect">
+                                  <p:stCondLst>
+                                    <p:cond delay="0"/>
+                                  </p:stCondLst>
+                                  <p:childTnLst>
+                                    <p:set>
+                                      <p:cBhvr>
+                                        <p:cTn id="11" dur="1" fill="hold">
+                                          <p:stCondLst>
+                                            <p:cond delay="0"/>
+                                          </p:stCondLst>
+                                        </p:cTn>
+                                        <p:tgtEl>
+                                          <p:spTgt spid="3">
+                                            <p:txEl>
+                                              <p:pRg st="1" end="1"/>
+                                            </p:txEl>
+                                          </p:spTgt>
+                                        </p:tgtEl>
+                                        <p:attrNameLst>
+                                          <p:attrName>style.visibility</p:attrName>
+                                        </p:attrNameLst>
+                                      </p:cBhvr>
+                                      <p:to>
+                                        <p:strVal val="visible"/>
+                                      </p:to>
+                                    </p:set>
+                                    <p:animEffect transition="in" filter="fade">
+                                      <p:cBhvr>
+                                        <p:cTn id="12" dur="500"/>
+                                        <p:tgtEl>
+                                          <p:spTgt spid="3">
+                                            <p:txEl>
+                                              <p:pRg st="1" end="1"/>
+                                            </p:txEl>
+                                          </p:spTgt>
+                                        </p:tgtEl>
+                                      </p:cBhvr>
+                                    </p:animEffect>
+                                  </p:childTnLst>
+                                </p:cTn>
+                              </p:par>
+                            </p:childTnLst>
+                          </p:cTn>
+                        </p:par>
+                      </p:childTnLst>
+                    </p:cTn>
+                  </p:par>
+                  <p:par>
+                    <p:cTn id="13" fill="hold">
+                      <p:stCondLst>
+                        <p:cond delay="indefinite"/>
+                      </p:stCondLst>
+                      <p:childTnLst>
+                        <p:par>
+                          <p:cTn id="14" fill="hold">
+                            <p:stCondLst>
+                              <p:cond delay="0"/>
+                            </p:stCondLst>
+                            <p:childTnLst>
+                              <p:par>
+                                <p:cTn id="15" presetID="10" presetClass="entr" presetSubtype="0" fill="hold" nodeType="clickEffect">
+                                  <p:stCondLst>
+                                    <p:cond delay="0"/>
+                                  </p:stCondLst>
+                                  <p:childTnLst>
+                                    <p:set>
+                                      <p:cBhvr>
+                                        <p:cTn id="16" dur="1" fill="hold">
+                                          <p:stCondLst>
+                                            <p:cond delay="0"/>
+                                          </p:stCondLst>
+                                        </p:cTn>
+                                        <p:tgtEl>
+                                          <p:spTgt spid="3">
+                                            <p:txEl>
+                                              <p:pRg st="3" end="3"/>
+                                            </p:txEl>
+                                          </p:spTgt>
+                                        </p:tgtEl>
+                                        <p:attrNameLst>
+                                          <p:attrName>style.visibility</p:attrName>
+                                        </p:attrNameLst>
+                                      </p:cBhvr>
+                                      <p:to>
+                                        <p:strVal val="visible"/>
+                                      </p:to>
+                                    </p:set>
+                                    <p:animEffect transition="in" filter="fade">
+                                      <p:cBhvr>
+                                        <p:cTn id="17" dur="500"/>
+                                        <p:tgtEl>
+                                          <p:spTgt spid="3">
+                                            <p:txEl>
+                                              <p:pRg st="3" end="3"/>
+                                            </p:txEl>
+                                          </p:spTgt>
+                                        </p:tgtEl>
+                                      </p:cBhvr>
+                                    </p:animEffect>
+                                  </p:childTnLst>
+                                </p:cTn>
+                              </p:par>
+                            </p:childTnLst>
+                          </p:cTn>
+                        </p:par>
+                      </p:childTnLst>
+                    </p:cTn>
+                  </p:par>
+                  <p:par>
+                    <p:cTn id="18" fill="hold">
+                      <p:stCondLst>
+                        <p:cond delay="indefinite"/>
+                      </p:stCondLst>
+                      <p:childTnLst>
+                        <p:par>
+                          <p:cTn id="19" fill="hold">
+                            <p:stCondLst>
+                              <p:cond delay="0"/>
+                            </p:stCondLst>
+                            <p:childTnLst>
+                              <p:par>
+                                <p:cTn id="20" presetID="10" presetClass="entr" presetSubtype="0" fill="hold" nodeType="clickEffect">
+                                  <p:stCondLst>
+                                    <p:cond delay="0"/>
+                                  </p:stCondLst>
+                                  <p:childTnLst>
+                                    <p:set>
+                                      <p:cBhvr>
+                                        <p:cTn id="21" dur="1" fill="hold">
+                                          <p:stCondLst>
+                                            <p:cond delay="0"/>
+                                          </p:stCondLst>
+                                        </p:cTn>
+                                        <p:tgtEl>
+                                          <p:spTgt spid="3">
+                                            <p:txEl>
+                                              <p:pRg st="4" end="4"/>
+                                            </p:txEl>
+                                          </p:spTgt>
+                                        </p:tgtEl>
+                                        <p:attrNameLst>
+                                          <p:attrName>style.visibility</p:attrName>
+                                        </p:attrNameLst>
+                                      </p:cBhvr>
+                                      <p:to>
+                                        <p:strVal val="visible"/>
+                                      </p:to>
+                                    </p:set>
+                                    <p:animEffect transition="in" filter="fade">
+                                      <p:cBhvr>
+                                        <p:cTn id="22" dur="500"/>
+                                        <p:tgtEl>
+                                          <p:spTgt spid="3">
+                                            <p:txEl>
+                                              <p:pRg st="4" end="4"/>
+                                            </p:txEl>
+                                          </p:spTgt>
+                                        </p:tgtEl>
+                                      </p:cBhvr>
+                                    </p:animEffect>
+                                  </p:childTnLst>
+                                </p:cTn>
+                              </p:par>
+                            </p:childTnLst>
+                          </p:cTn>
+                        </p:par>
+                      </p:childTnLst>
+                    </p:cTn>
+                  </p:par>
+                </p:childTnLst>
+              </p:cTn>
+              <p:prevCondLst>
+                <p:cond evt="onPrev" delay="0">
+                  <p:tgtEl>
+                    <p:sldTgt/>
+                  </p:tgtEl>
+                </p:cond>
+              </p:prevCondLst>
+              <p:nextCondLst>
+                <p:cond evt="onNext" delay="0">
+                  <p:tgtEl>
+                    <p:sldTgt/>
+                  </p:tgtEl>
+                </p:cond>
+              </p:nextCondLst>
+            </p:seq>
+          </p:childTnLst>
+        </p:cTn>
       </p:par>
     </p:tnLst>
   </p:timing>
 </p:sld>
 </file>
 
-<file path=ppt/slides/slide10.xml><?xml version="1.0" encoding="utf-8"?>
+<file path=ppt/slides/slide11.xml><?xml version="1.0" encoding="utf-8"?>
+<p:sld xmlns:a="http://schemas.openxmlformats.org/drawingml/2006/main" xmlns:r="http://schemas.openxmlformats.org/officeDocument/2006/relationships" xmlns:p="http://schemas.openxmlformats.org/presentationml/2006/main">
+  <p:cSld>
+    <p:spTree>
+      <p:nvGrpSpPr>
+        <p:cNvPr id="1" name=""/>
+        <p:cNvGrpSpPr/>
+        <p:nvPr/>
+      </p:nvGrpSpPr>
+      <p:grpSpPr>
+        <a:xfrm>
+          <a:off x="0" y="0"/>
+          <a:ext cx="0" cy="0"/>
+          <a:chOff x="0" y="0"/>
+          <a:chExt cx="0" cy="0"/>
+        </a:xfrm>
+      </p:grpSpPr>
+      <p:sp>
+        <p:nvSpPr>
+          <p:cNvPr id="2" name="Title 1">
+            <a:extLst>
+              <a:ext uri="{FF2B5EF4-FFF2-40B4-BE49-F238E27FC236}">
+                <a16:creationId xmlns:a16="http://schemas.microsoft.com/office/drawing/2014/main" id="{C3201FD9-2621-4228-97D9-F629DF082152}"/>
+              </a:ext>
+            </a:extLst>
+          </p:cNvPr>
+          <p:cNvSpPr>
+            <a:spLocks noGrp="1"/>
+          </p:cNvSpPr>
+          <p:nvPr>
+            <p:ph type="title"/>
+          </p:nvPr>
+        </p:nvSpPr>
+        <p:spPr/>
+        <p:txBody>
+          <a:bodyPr/>
+          <a:lstStyle/>
+          <a:p>
+            <a:r>
+              <a:rPr lang="en-US" dirty="0"/>
+              <a:t>HTML Element Example – paragraph element</a:t>
+            </a:r>
+          </a:p>
+        </p:txBody>
+      </p:sp>
+      <p:sp>
+        <p:nvSpPr>
+          <p:cNvPr id="3" name="Content Placeholder 2">
+            <a:extLst>
+              <a:ext uri="{FF2B5EF4-FFF2-40B4-BE49-F238E27FC236}">
+                <a16:creationId xmlns:a16="http://schemas.microsoft.com/office/drawing/2014/main" id="{282B4D6B-7229-40D1-B7C0-3979E563D0A2}"/>
+              </a:ext>
+            </a:extLst>
+          </p:cNvPr>
+          <p:cNvSpPr>
+            <a:spLocks noGrp="1"/>
+          </p:cNvSpPr>
+          <p:nvPr>
+            <p:ph idx="1"/>
+          </p:nvPr>
+        </p:nvSpPr>
+        <p:spPr>
+          <a:xfrm>
+            <a:off x="381000" y="1143000"/>
+            <a:ext cx="11430000" cy="2857500"/>
+          </a:xfrm>
+        </p:spPr>
+        <p:txBody>
+          <a:bodyPr anchor="ctr">
+            <a:normAutofit/>
+          </a:bodyPr>
+          <a:lstStyle/>
+          <a:p>
+            <a:pPr marL="57150" marR="0" lvl="0" indent="0" algn="ctr" defTabSz="914400" rtl="0" eaLnBrk="1" fontAlgn="auto" latinLnBrk="0" hangingPunct="1">
+              <a:lnSpc>
+                <a:spcPct val="100000"/>
+              </a:lnSpc>
+              <a:spcBef>
+                <a:spcPts val="0"/>
+              </a:spcBef>
+              <a:spcAft>
+                <a:spcPts val="1200"/>
+              </a:spcAft>
+              <a:buClr>
+                <a:srgbClr val="98989A"/>
+              </a:buClr>
+              <a:buSzTx/>
+              <a:buFont typeface="Wingdings" panose="05000000000000000000" pitchFamily="2" charset="2"/>
+              <a:buNone/>
+              <a:tabLst/>
+              <a:defRPr/>
+            </a:pPr>
+            <a:r>
+              <a:rPr kumimoji="0" lang="en-US" sz="8000" b="0" i="0" u="none" strike="noStrike" kern="1200" cap="none" spc="0" normalizeH="0" baseline="0" noProof="0" dirty="0">
+                <a:ln>
+                  <a:noFill/>
+                </a:ln>
+                <a:solidFill>
+                  <a:srgbClr val="800000"/>
+                </a:solidFill>
+                <a:effectLst/>
+                <a:uLnTx/>
+                <a:uFillTx/>
+                <a:latin typeface="Consolas" panose="020B0609020204030204" pitchFamily="49" charset="0"/>
+                <a:ea typeface="+mn-ea"/>
+                <a:cs typeface="+mn-cs"/>
+              </a:rPr>
+              <a:t>&lt;p&gt;</a:t>
+            </a:r>
+            <a:r>
+              <a:rPr kumimoji="0" lang="en-US" sz="8000" b="0" i="0" u="none" strike="noStrike" kern="1200" cap="none" spc="0" normalizeH="0" baseline="0" noProof="0" dirty="0">
+                <a:ln>
+                  <a:noFill/>
+                </a:ln>
+                <a:solidFill>
+                  <a:srgbClr val="000000"/>
+                </a:solidFill>
+                <a:effectLst/>
+                <a:uLnTx/>
+                <a:uFillTx/>
+                <a:latin typeface="Consolas" panose="020B0609020204030204" pitchFamily="49" charset="0"/>
+                <a:ea typeface="+mn-ea"/>
+                <a:cs typeface="+mn-cs"/>
+              </a:rPr>
+              <a:t>Hello World</a:t>
+            </a:r>
+            <a:r>
+              <a:rPr kumimoji="0" lang="en-US" sz="8000" b="0" i="0" u="none" strike="noStrike" kern="1200" cap="none" spc="0" normalizeH="0" baseline="0" noProof="0" dirty="0">
+                <a:ln>
+                  <a:noFill/>
+                </a:ln>
+                <a:solidFill>
+                  <a:srgbClr val="800000"/>
+                </a:solidFill>
+                <a:effectLst/>
+                <a:uLnTx/>
+                <a:uFillTx/>
+                <a:latin typeface="Consolas" panose="020B0609020204030204" pitchFamily="49" charset="0"/>
+                <a:ea typeface="+mn-ea"/>
+                <a:cs typeface="+mn-cs"/>
+              </a:rPr>
+              <a:t>&lt;/p&gt;</a:t>
+            </a:r>
+            <a:endParaRPr kumimoji="0" lang="en-US" sz="8000" b="0" i="0" u="none" strike="noStrike" kern="1200" cap="none" spc="0" normalizeH="0" baseline="0" noProof="0" dirty="0">
+              <a:ln>
+                <a:noFill/>
+              </a:ln>
+              <a:solidFill>
+                <a:srgbClr val="000000"/>
+              </a:solidFill>
+              <a:effectLst/>
+              <a:uLnTx/>
+              <a:uFillTx/>
+              <a:latin typeface="Consolas" panose="020B0609020204030204" pitchFamily="49" charset="0"/>
+              <a:ea typeface="+mn-ea"/>
+              <a:cs typeface="+mn-cs"/>
+            </a:endParaRPr>
+          </a:p>
+        </p:txBody>
+      </p:sp>
+      <p:sp>
+        <p:nvSpPr>
+          <p:cNvPr id="4" name="Rectangle 3">
+            <a:extLst>
+              <a:ext uri="{FF2B5EF4-FFF2-40B4-BE49-F238E27FC236}">
+                <a16:creationId xmlns:a16="http://schemas.microsoft.com/office/drawing/2014/main" id="{C36D6D3E-5959-4BF8-9100-9D755D03D1E9}"/>
+              </a:ext>
+            </a:extLst>
+          </p:cNvPr>
+          <p:cNvSpPr/>
+          <p:nvPr/>
+        </p:nvSpPr>
+        <p:spPr bwMode="auto">
+          <a:xfrm>
+            <a:off x="1066800" y="1828800"/>
+            <a:ext cx="1714500" cy="1485900"/>
+          </a:xfrm>
+          <a:prstGeom prst="rect">
+            <a:avLst/>
+          </a:prstGeom>
+          <a:noFill/>
+          <a:ln w="57150">
+            <a:solidFill>
+              <a:schemeClr val="accent1"/>
+            </a:solidFill>
+            <a:miter lim="800000"/>
+            <a:headEnd type="none" w="med" len="med"/>
+            <a:tailEnd type="none" w="med" len="med"/>
+          </a:ln>
+          <a:effectLst/>
+        </p:spPr>
+        <p:style>
+          <a:lnRef idx="1">
+            <a:schemeClr val="accent2"/>
+          </a:lnRef>
+          <a:fillRef idx="3">
+            <a:schemeClr val="accent2"/>
+          </a:fillRef>
+          <a:effectRef idx="2">
+            <a:schemeClr val="accent2"/>
+          </a:effectRef>
+          <a:fontRef idx="minor">
+            <a:schemeClr val="lt1"/>
+          </a:fontRef>
+        </p:style>
+        <p:txBody>
+          <a:bodyPr rot="0" spcFirstLastPara="0" vertOverflow="overflow" horzOverflow="overflow" vert="horz" wrap="square" lIns="182880" tIns="146304" rIns="182880" bIns="146304" numCol="1" spcCol="0" rtlCol="0" fromWordArt="0" anchor="t" anchorCtr="0" forceAA="0" compatLnSpc="1">
+            <a:prstTxWarp prst="textNoShape">
+              <a:avLst/>
+            </a:prstTxWarp>
+            <a:noAutofit/>
+          </a:bodyPr>
+          <a:lstStyle/>
+          <a:p>
+            <a:pPr algn="ctr" defTabSz="932472" fontAlgn="base">
+              <a:lnSpc>
+                <a:spcPct val="90000"/>
+              </a:lnSpc>
+              <a:spcBef>
+                <a:spcPct val="0"/>
+              </a:spcBef>
+              <a:spcAft>
+                <a:spcPct val="0"/>
+              </a:spcAft>
+            </a:pPr>
+            <a:endParaRPr lang="en-US" sz="2400" dirty="0" err="1">
+              <a:gradFill>
+                <a:gsLst>
+                  <a:gs pos="0">
+                    <a:srgbClr val="FFFFFF"/>
+                  </a:gs>
+                  <a:gs pos="100000">
+                    <a:srgbClr val="FFFFFF"/>
+                  </a:gs>
+                </a:gsLst>
+                <a:lin ang="5400000" scaled="0"/>
+              </a:gradFill>
+              <a:ea typeface="Segoe UI" pitchFamily="34" charset="0"/>
+              <a:cs typeface="Segoe UI" pitchFamily="34" charset="0"/>
+            </a:endParaRPr>
+          </a:p>
+        </p:txBody>
+      </p:sp>
+      <p:sp>
+        <p:nvSpPr>
+          <p:cNvPr id="5" name="Rectangle 4">
+            <a:extLst>
+              <a:ext uri="{FF2B5EF4-FFF2-40B4-BE49-F238E27FC236}">
+                <a16:creationId xmlns:a16="http://schemas.microsoft.com/office/drawing/2014/main" id="{DBB97970-E757-4662-BF33-8D3D2AA0E092}"/>
+              </a:ext>
+            </a:extLst>
+          </p:cNvPr>
+          <p:cNvSpPr/>
+          <p:nvPr/>
+        </p:nvSpPr>
+        <p:spPr bwMode="auto">
+          <a:xfrm>
+            <a:off x="8953500" y="1847022"/>
+            <a:ext cx="2171700" cy="1485900"/>
+          </a:xfrm>
+          <a:prstGeom prst="rect">
+            <a:avLst/>
+          </a:prstGeom>
+          <a:noFill/>
+          <a:ln w="57150">
+            <a:solidFill>
+              <a:schemeClr val="accent2"/>
+            </a:solidFill>
+            <a:miter lim="800000"/>
+            <a:headEnd type="none" w="med" len="med"/>
+            <a:tailEnd type="none" w="med" len="med"/>
+          </a:ln>
+          <a:effectLst/>
+        </p:spPr>
+        <p:style>
+          <a:lnRef idx="1">
+            <a:schemeClr val="accent2"/>
+          </a:lnRef>
+          <a:fillRef idx="3">
+            <a:schemeClr val="accent2"/>
+          </a:fillRef>
+          <a:effectRef idx="2">
+            <a:schemeClr val="accent2"/>
+          </a:effectRef>
+          <a:fontRef idx="minor">
+            <a:schemeClr val="lt1"/>
+          </a:fontRef>
+        </p:style>
+        <p:txBody>
+          <a:bodyPr rot="0" spcFirstLastPara="0" vertOverflow="overflow" horzOverflow="overflow" vert="horz" wrap="square" lIns="182880" tIns="146304" rIns="182880" bIns="146304" numCol="1" spcCol="0" rtlCol="0" fromWordArt="0" anchor="t" anchorCtr="0" forceAA="0" compatLnSpc="1">
+            <a:prstTxWarp prst="textNoShape">
+              <a:avLst/>
+            </a:prstTxWarp>
+            <a:noAutofit/>
+          </a:bodyPr>
+          <a:lstStyle/>
+          <a:p>
+            <a:pPr algn="ctr" defTabSz="932472" fontAlgn="base">
+              <a:lnSpc>
+                <a:spcPct val="90000"/>
+              </a:lnSpc>
+              <a:spcBef>
+                <a:spcPct val="0"/>
+              </a:spcBef>
+              <a:spcAft>
+                <a:spcPct val="0"/>
+              </a:spcAft>
+            </a:pPr>
+            <a:endParaRPr lang="en-US" sz="2400" dirty="0" err="1">
+              <a:gradFill>
+                <a:gsLst>
+                  <a:gs pos="0">
+                    <a:srgbClr val="FFFFFF"/>
+                  </a:gs>
+                  <a:gs pos="100000">
+                    <a:srgbClr val="FFFFFF"/>
+                  </a:gs>
+                </a:gsLst>
+                <a:lin ang="5400000" scaled="0"/>
+              </a:gradFill>
+              <a:ea typeface="Segoe UI" pitchFamily="34" charset="0"/>
+              <a:cs typeface="Segoe UI" pitchFamily="34" charset="0"/>
+            </a:endParaRPr>
+          </a:p>
+        </p:txBody>
+      </p:sp>
+      <p:sp>
+        <p:nvSpPr>
+          <p:cNvPr id="6" name="Rectangle 5">
+            <a:extLst>
+              <a:ext uri="{FF2B5EF4-FFF2-40B4-BE49-F238E27FC236}">
+                <a16:creationId xmlns:a16="http://schemas.microsoft.com/office/drawing/2014/main" id="{455AAAAB-D08F-447A-82B1-16CF8983C8D7}"/>
+              </a:ext>
+            </a:extLst>
+          </p:cNvPr>
+          <p:cNvSpPr/>
+          <p:nvPr/>
+        </p:nvSpPr>
+        <p:spPr bwMode="auto">
+          <a:xfrm>
+            <a:off x="2781300" y="1828800"/>
+            <a:ext cx="6172200" cy="1485900"/>
+          </a:xfrm>
+          <a:prstGeom prst="rect">
+            <a:avLst/>
+          </a:prstGeom>
+          <a:noFill/>
+          <a:ln w="57150">
+            <a:solidFill>
+              <a:srgbClr val="FFC000"/>
+            </a:solidFill>
+            <a:miter lim="800000"/>
+            <a:headEnd type="none" w="med" len="med"/>
+            <a:tailEnd type="none" w="med" len="med"/>
+          </a:ln>
+          <a:effectLst/>
+        </p:spPr>
+        <p:style>
+          <a:lnRef idx="1">
+            <a:schemeClr val="accent2"/>
+          </a:lnRef>
+          <a:fillRef idx="3">
+            <a:schemeClr val="accent2"/>
+          </a:fillRef>
+          <a:effectRef idx="2">
+            <a:schemeClr val="accent2"/>
+          </a:effectRef>
+          <a:fontRef idx="minor">
+            <a:schemeClr val="lt1"/>
+          </a:fontRef>
+        </p:style>
+        <p:txBody>
+          <a:bodyPr rot="0" spcFirstLastPara="0" vertOverflow="overflow" horzOverflow="overflow" vert="horz" wrap="square" lIns="182880" tIns="146304" rIns="182880" bIns="146304" numCol="1" spcCol="0" rtlCol="0" fromWordArt="0" anchor="t" anchorCtr="0" forceAA="0" compatLnSpc="1">
+            <a:prstTxWarp prst="textNoShape">
+              <a:avLst/>
+            </a:prstTxWarp>
+            <a:noAutofit/>
+          </a:bodyPr>
+          <a:lstStyle/>
+          <a:p>
+            <a:pPr algn="ctr" defTabSz="932472" fontAlgn="base">
+              <a:lnSpc>
+                <a:spcPct val="90000"/>
+              </a:lnSpc>
+              <a:spcBef>
+                <a:spcPct val="0"/>
+              </a:spcBef>
+              <a:spcAft>
+                <a:spcPct val="0"/>
+              </a:spcAft>
+            </a:pPr>
+            <a:endParaRPr lang="en-US" sz="2400" dirty="0" err="1">
+              <a:gradFill>
+                <a:gsLst>
+                  <a:gs pos="0">
+                    <a:srgbClr val="FFFFFF"/>
+                  </a:gs>
+                  <a:gs pos="100000">
+                    <a:srgbClr val="FFFFFF"/>
+                  </a:gs>
+                </a:gsLst>
+                <a:lin ang="5400000" scaled="0"/>
+              </a:gradFill>
+              <a:ea typeface="Segoe UI" pitchFamily="34" charset="0"/>
+              <a:cs typeface="Segoe UI" pitchFamily="34" charset="0"/>
+            </a:endParaRPr>
+          </a:p>
+        </p:txBody>
+      </p:sp>
+      <p:sp>
+        <p:nvSpPr>
+          <p:cNvPr id="7" name="Rectangle 6">
+            <a:extLst>
+              <a:ext uri="{FF2B5EF4-FFF2-40B4-BE49-F238E27FC236}">
+                <a16:creationId xmlns:a16="http://schemas.microsoft.com/office/drawing/2014/main" id="{FBBA6919-1193-4B0B-9AA1-E15699D685E7}"/>
+              </a:ext>
+            </a:extLst>
+          </p:cNvPr>
+          <p:cNvSpPr/>
+          <p:nvPr/>
+        </p:nvSpPr>
+        <p:spPr bwMode="auto">
+          <a:xfrm>
+            <a:off x="804240" y="1600200"/>
+            <a:ext cx="10549559" cy="1943100"/>
+          </a:xfrm>
+          <a:prstGeom prst="rect">
+            <a:avLst/>
+          </a:prstGeom>
+          <a:noFill/>
+          <a:ln w="57150">
+            <a:solidFill>
+              <a:srgbClr val="E95EBE"/>
+            </a:solidFill>
+            <a:miter lim="800000"/>
+            <a:headEnd type="none" w="med" len="med"/>
+            <a:tailEnd type="none" w="med" len="med"/>
+          </a:ln>
+          <a:effectLst/>
+        </p:spPr>
+        <p:style>
+          <a:lnRef idx="1">
+            <a:schemeClr val="accent2"/>
+          </a:lnRef>
+          <a:fillRef idx="3">
+            <a:schemeClr val="accent2"/>
+          </a:fillRef>
+          <a:effectRef idx="2">
+            <a:schemeClr val="accent2"/>
+          </a:effectRef>
+          <a:fontRef idx="minor">
+            <a:schemeClr val="lt1"/>
+          </a:fontRef>
+        </p:style>
+        <p:txBody>
+          <a:bodyPr rot="0" spcFirstLastPara="0" vertOverflow="overflow" horzOverflow="overflow" vert="horz" wrap="square" lIns="182880" tIns="146304" rIns="182880" bIns="146304" numCol="1" spcCol="0" rtlCol="0" fromWordArt="0" anchor="t" anchorCtr="0" forceAA="0" compatLnSpc="1">
+            <a:prstTxWarp prst="textNoShape">
+              <a:avLst/>
+            </a:prstTxWarp>
+            <a:noAutofit/>
+          </a:bodyPr>
+          <a:lstStyle/>
+          <a:p>
+            <a:pPr algn="ctr" defTabSz="932472" fontAlgn="base">
+              <a:lnSpc>
+                <a:spcPct val="90000"/>
+              </a:lnSpc>
+              <a:spcBef>
+                <a:spcPct val="0"/>
+              </a:spcBef>
+              <a:spcAft>
+                <a:spcPct val="0"/>
+              </a:spcAft>
+            </a:pPr>
+            <a:endParaRPr lang="en-US" sz="2400" dirty="0" err="1">
+              <a:gradFill>
+                <a:gsLst>
+                  <a:gs pos="0">
+                    <a:srgbClr val="FFFFFF"/>
+                  </a:gs>
+                  <a:gs pos="100000">
+                    <a:srgbClr val="FFFFFF"/>
+                  </a:gs>
+                </a:gsLst>
+                <a:lin ang="5400000" scaled="0"/>
+              </a:gradFill>
+              <a:ea typeface="Segoe UI" pitchFamily="34" charset="0"/>
+              <a:cs typeface="Segoe UI" pitchFamily="34" charset="0"/>
+            </a:endParaRPr>
+          </a:p>
+        </p:txBody>
+      </p:sp>
+      <p:sp>
+        <p:nvSpPr>
+          <p:cNvPr id="8" name="TextBox 7">
+            <a:extLst>
+              <a:ext uri="{FF2B5EF4-FFF2-40B4-BE49-F238E27FC236}">
+                <a16:creationId xmlns:a16="http://schemas.microsoft.com/office/drawing/2014/main" id="{CD7A2F98-894E-4A33-AFC5-C06EB9829D23}"/>
+              </a:ext>
+            </a:extLst>
+          </p:cNvPr>
+          <p:cNvSpPr txBox="1"/>
+          <p:nvPr/>
+        </p:nvSpPr>
+        <p:spPr>
+          <a:xfrm>
+            <a:off x="804240" y="4054901"/>
+            <a:ext cx="5291760" cy="1868204"/>
+          </a:xfrm>
+          <a:prstGeom prst="rect">
+            <a:avLst/>
+          </a:prstGeom>
+          <a:noFill/>
+        </p:spPr>
+        <p:txBody>
+          <a:bodyPr wrap="square" lIns="182880" tIns="146304" rIns="182880" bIns="146304" rtlCol="0">
+            <a:spAutoFit/>
+          </a:bodyPr>
+          <a:lstStyle/>
+          <a:p>
+            <a:pPr marL="342900" indent="-342900">
+              <a:lnSpc>
+                <a:spcPct val="90000"/>
+              </a:lnSpc>
+              <a:spcAft>
+                <a:spcPts val="600"/>
+              </a:spcAft>
+              <a:buFont typeface="Arial" panose="020B0604020202020204" pitchFamily="34" charset="0"/>
+              <a:buChar char="•"/>
+            </a:pPr>
+            <a:r>
+              <a:rPr lang="en-US" sz="5400" dirty="0">
+                <a:solidFill>
+                  <a:schemeClr val="accent1"/>
+                </a:solidFill>
+              </a:rPr>
+              <a:t>Opening Tag</a:t>
+            </a:r>
+          </a:p>
+          <a:p>
+            <a:pPr marL="342900" indent="-342900">
+              <a:lnSpc>
+                <a:spcPct val="90000"/>
+              </a:lnSpc>
+              <a:spcAft>
+                <a:spcPts val="600"/>
+              </a:spcAft>
+              <a:buFont typeface="Arial" panose="020B0604020202020204" pitchFamily="34" charset="0"/>
+              <a:buChar char="•"/>
+            </a:pPr>
+            <a:r>
+              <a:rPr lang="en-US" sz="5400" dirty="0">
+                <a:solidFill>
+                  <a:schemeClr val="accent2"/>
+                </a:solidFill>
+              </a:rPr>
+              <a:t>Closing Tag</a:t>
+            </a:r>
+          </a:p>
+        </p:txBody>
+      </p:sp>
+      <p:sp>
+        <p:nvSpPr>
+          <p:cNvPr id="9" name="TextBox 8">
+            <a:extLst>
+              <a:ext uri="{FF2B5EF4-FFF2-40B4-BE49-F238E27FC236}">
+                <a16:creationId xmlns:a16="http://schemas.microsoft.com/office/drawing/2014/main" id="{CEDB87FF-7DE7-4C61-8F22-3661E06C886E}"/>
+              </a:ext>
+            </a:extLst>
+          </p:cNvPr>
+          <p:cNvSpPr txBox="1"/>
+          <p:nvPr/>
+        </p:nvSpPr>
+        <p:spPr>
+          <a:xfrm>
+            <a:off x="5867400" y="4054901"/>
+            <a:ext cx="5291760" cy="1868204"/>
+          </a:xfrm>
+          <a:prstGeom prst="rect">
+            <a:avLst/>
+          </a:prstGeom>
+          <a:noFill/>
+        </p:spPr>
+        <p:txBody>
+          <a:bodyPr wrap="square" lIns="182880" tIns="146304" rIns="182880" bIns="146304" rtlCol="0">
+            <a:spAutoFit/>
+          </a:bodyPr>
+          <a:lstStyle/>
+          <a:p>
+            <a:pPr marL="342900" indent="-342900">
+              <a:lnSpc>
+                <a:spcPct val="90000"/>
+              </a:lnSpc>
+              <a:spcAft>
+                <a:spcPts val="600"/>
+              </a:spcAft>
+              <a:buFont typeface="Arial" panose="020B0604020202020204" pitchFamily="34" charset="0"/>
+              <a:buChar char="•"/>
+            </a:pPr>
+            <a:r>
+              <a:rPr lang="en-US" sz="5400" dirty="0">
+                <a:solidFill>
+                  <a:srgbClr val="FFC000"/>
+                </a:solidFill>
+              </a:rPr>
+              <a:t>Content</a:t>
+            </a:r>
+          </a:p>
+          <a:p>
+            <a:pPr marL="342900" indent="-342900">
+              <a:lnSpc>
+                <a:spcPct val="90000"/>
+              </a:lnSpc>
+              <a:spcAft>
+                <a:spcPts val="600"/>
+              </a:spcAft>
+              <a:buFont typeface="Arial" panose="020B0604020202020204" pitchFamily="34" charset="0"/>
+              <a:buChar char="•"/>
+            </a:pPr>
+            <a:r>
+              <a:rPr lang="en-US" sz="5400" dirty="0">
+                <a:solidFill>
+                  <a:srgbClr val="E95EBE"/>
+                </a:solidFill>
+              </a:rPr>
+              <a:t>HTML Element</a:t>
+            </a:r>
+          </a:p>
+        </p:txBody>
+      </p:sp>
+    </p:spTree>
+    <p:extLst>
+      <p:ext uri="{BB962C8B-B14F-4D97-AF65-F5344CB8AC3E}">
+        <p14:creationId xmlns:p14="http://schemas.microsoft.com/office/powerpoint/2010/main" val="3814298912"/>
+      </p:ext>
+    </p:extLst>
+  </p:cSld>
+  <p:clrMapOvr>
+    <a:masterClrMapping/>
+  </p:clrMapOvr>
+  <p:transition>
+    <p:fade/>
+  </p:transition>
+  <p:timing>
+    <p:tnLst>
+      <p:par>
+        <p:cTn id="1" dur="indefinite" restart="never" nodeType="tmRoot">
+          <p:childTnLst>
+            <p:seq concurrent="1" nextAc="seek">
+              <p:cTn id="2" dur="indefinite" nodeType="mainSeq">
+                <p:childTnLst>
+                  <p:par>
+                    <p:cTn id="3" fill="hold">
+                      <p:stCondLst>
+                        <p:cond delay="indefinite"/>
+                      </p:stCondLst>
+                      <p:childTnLst>
+                        <p:par>
+                          <p:cTn id="4" fill="hold">
+                            <p:stCondLst>
+                              <p:cond delay="0"/>
+                            </p:stCondLst>
+                            <p:childTnLst>
+                              <p:par>
+                                <p:cTn id="5" presetID="10" presetClass="entr" presetSubtype="0" fill="hold" grpId="0" nodeType="clickEffect">
+                                  <p:stCondLst>
+                                    <p:cond delay="0"/>
+                                  </p:stCondLst>
+                                  <p:childTnLst>
+                                    <p:set>
+                                      <p:cBhvr>
+                                        <p:cTn id="6" dur="1" fill="hold">
+                                          <p:stCondLst>
+                                            <p:cond delay="0"/>
+                                          </p:stCondLst>
+                                        </p:cTn>
+                                        <p:tgtEl>
+                                          <p:spTgt spid="4"/>
+                                        </p:tgtEl>
+                                        <p:attrNameLst>
+                                          <p:attrName>style.visibility</p:attrName>
+                                        </p:attrNameLst>
+                                      </p:cBhvr>
+                                      <p:to>
+                                        <p:strVal val="visible"/>
+                                      </p:to>
+                                    </p:set>
+                                    <p:animEffect transition="in" filter="fade">
+                                      <p:cBhvr>
+                                        <p:cTn id="7" dur="500"/>
+                                        <p:tgtEl>
+                                          <p:spTgt spid="4"/>
+                                        </p:tgtEl>
+                                      </p:cBhvr>
+                                    </p:animEffect>
+                                  </p:childTnLst>
+                                </p:cTn>
+                              </p:par>
+                              <p:par>
+                                <p:cTn id="8" presetID="10" presetClass="entr" presetSubtype="0" fill="hold" nodeType="withEffect">
+                                  <p:stCondLst>
+                                    <p:cond delay="0"/>
+                                  </p:stCondLst>
+                                  <p:childTnLst>
+                                    <p:set>
+                                      <p:cBhvr>
+                                        <p:cTn id="9" dur="1" fill="hold">
+                                          <p:stCondLst>
+                                            <p:cond delay="0"/>
+                                          </p:stCondLst>
+                                        </p:cTn>
+                                        <p:tgtEl>
+                                          <p:spTgt spid="8">
+                                            <p:txEl>
+                                              <p:pRg st="0" end="0"/>
+                                            </p:txEl>
+                                          </p:spTgt>
+                                        </p:tgtEl>
+                                        <p:attrNameLst>
+                                          <p:attrName>style.visibility</p:attrName>
+                                        </p:attrNameLst>
+                                      </p:cBhvr>
+                                      <p:to>
+                                        <p:strVal val="visible"/>
+                                      </p:to>
+                                    </p:set>
+                                    <p:animEffect transition="in" filter="fade">
+                                      <p:cBhvr>
+                                        <p:cTn id="10" dur="500"/>
+                                        <p:tgtEl>
+                                          <p:spTgt spid="8">
+                                            <p:txEl>
+                                              <p:pRg st="0" end="0"/>
+                                            </p:txEl>
+                                          </p:spTgt>
+                                        </p:tgtEl>
+                                      </p:cBhvr>
+                                    </p:animEffect>
+                                  </p:childTnLst>
+                                </p:cTn>
+                              </p:par>
+                            </p:childTnLst>
+                          </p:cTn>
+                        </p:par>
+                      </p:childTnLst>
+                    </p:cTn>
+                  </p:par>
+                  <p:par>
+                    <p:cTn id="11" fill="hold">
+                      <p:stCondLst>
+                        <p:cond delay="indefinite"/>
+                      </p:stCondLst>
+                      <p:childTnLst>
+                        <p:par>
+                          <p:cTn id="12" fill="hold">
+                            <p:stCondLst>
+                              <p:cond delay="0"/>
+                            </p:stCondLst>
+                            <p:childTnLst>
+                              <p:par>
+                                <p:cTn id="13" presetID="10" presetClass="entr" presetSubtype="0" fill="hold" grpId="0" nodeType="clickEffect">
+                                  <p:stCondLst>
+                                    <p:cond delay="0"/>
+                                  </p:stCondLst>
+                                  <p:childTnLst>
+                                    <p:set>
+                                      <p:cBhvr>
+                                        <p:cTn id="14" dur="1" fill="hold">
+                                          <p:stCondLst>
+                                            <p:cond delay="0"/>
+                                          </p:stCondLst>
+                                        </p:cTn>
+                                        <p:tgtEl>
+                                          <p:spTgt spid="5"/>
+                                        </p:tgtEl>
+                                        <p:attrNameLst>
+                                          <p:attrName>style.visibility</p:attrName>
+                                        </p:attrNameLst>
+                                      </p:cBhvr>
+                                      <p:to>
+                                        <p:strVal val="visible"/>
+                                      </p:to>
+                                    </p:set>
+                                    <p:animEffect transition="in" filter="fade">
+                                      <p:cBhvr>
+                                        <p:cTn id="15" dur="500"/>
+                                        <p:tgtEl>
+                                          <p:spTgt spid="5"/>
+                                        </p:tgtEl>
+                                      </p:cBhvr>
+                                    </p:animEffect>
+                                  </p:childTnLst>
+                                </p:cTn>
+                              </p:par>
+                              <p:par>
+                                <p:cTn id="16" presetID="10" presetClass="entr" presetSubtype="0" fill="hold" nodeType="withEffect">
+                                  <p:stCondLst>
+                                    <p:cond delay="0"/>
+                                  </p:stCondLst>
+                                  <p:childTnLst>
+                                    <p:set>
+                                      <p:cBhvr>
+                                        <p:cTn id="17" dur="1" fill="hold">
+                                          <p:stCondLst>
+                                            <p:cond delay="0"/>
+                                          </p:stCondLst>
+                                        </p:cTn>
+                                        <p:tgtEl>
+                                          <p:spTgt spid="8">
+                                            <p:txEl>
+                                              <p:pRg st="1" end="1"/>
+                                            </p:txEl>
+                                          </p:spTgt>
+                                        </p:tgtEl>
+                                        <p:attrNameLst>
+                                          <p:attrName>style.visibility</p:attrName>
+                                        </p:attrNameLst>
+                                      </p:cBhvr>
+                                      <p:to>
+                                        <p:strVal val="visible"/>
+                                      </p:to>
+                                    </p:set>
+                                    <p:animEffect transition="in" filter="fade">
+                                      <p:cBhvr>
+                                        <p:cTn id="18" dur="500"/>
+                                        <p:tgtEl>
+                                          <p:spTgt spid="8">
+                                            <p:txEl>
+                                              <p:pRg st="1" end="1"/>
+                                            </p:txEl>
+                                          </p:spTgt>
+                                        </p:tgtEl>
+                                      </p:cBhvr>
+                                    </p:animEffect>
+                                  </p:childTnLst>
+                                </p:cTn>
+                              </p:par>
+                            </p:childTnLst>
+                          </p:cTn>
+                        </p:par>
+                      </p:childTnLst>
+                    </p:cTn>
+                  </p:par>
+                  <p:par>
+                    <p:cTn id="19" fill="hold">
+                      <p:stCondLst>
+                        <p:cond delay="indefinite"/>
+                      </p:stCondLst>
+                      <p:childTnLst>
+                        <p:par>
+                          <p:cTn id="20" fill="hold">
+                            <p:stCondLst>
+                              <p:cond delay="0"/>
+                            </p:stCondLst>
+                            <p:childTnLst>
+                              <p:par>
+                                <p:cTn id="21" presetID="10" presetClass="entr" presetSubtype="0" fill="hold" grpId="0" nodeType="clickEffect">
+                                  <p:stCondLst>
+                                    <p:cond delay="0"/>
+                                  </p:stCondLst>
+                                  <p:childTnLst>
+                                    <p:set>
+                                      <p:cBhvr>
+                                        <p:cTn id="22" dur="1" fill="hold">
+                                          <p:stCondLst>
+                                            <p:cond delay="0"/>
+                                          </p:stCondLst>
+                                        </p:cTn>
+                                        <p:tgtEl>
+                                          <p:spTgt spid="6"/>
+                                        </p:tgtEl>
+                                        <p:attrNameLst>
+                                          <p:attrName>style.visibility</p:attrName>
+                                        </p:attrNameLst>
+                                      </p:cBhvr>
+                                      <p:to>
+                                        <p:strVal val="visible"/>
+                                      </p:to>
+                                    </p:set>
+                                    <p:animEffect transition="in" filter="fade">
+                                      <p:cBhvr>
+                                        <p:cTn id="23" dur="500"/>
+                                        <p:tgtEl>
+                                          <p:spTgt spid="6"/>
+                                        </p:tgtEl>
+                                      </p:cBhvr>
+                                    </p:animEffect>
+                                  </p:childTnLst>
+                                </p:cTn>
+                              </p:par>
+                              <p:par>
+                                <p:cTn id="24" presetID="10" presetClass="entr" presetSubtype="0" fill="hold" nodeType="withEffect">
+                                  <p:stCondLst>
+                                    <p:cond delay="0"/>
+                                  </p:stCondLst>
+                                  <p:childTnLst>
+                                    <p:set>
+                                      <p:cBhvr>
+                                        <p:cTn id="25" dur="1" fill="hold">
+                                          <p:stCondLst>
+                                            <p:cond delay="0"/>
+                                          </p:stCondLst>
+                                        </p:cTn>
+                                        <p:tgtEl>
+                                          <p:spTgt spid="9">
+                                            <p:txEl>
+                                              <p:pRg st="0" end="0"/>
+                                            </p:txEl>
+                                          </p:spTgt>
+                                        </p:tgtEl>
+                                        <p:attrNameLst>
+                                          <p:attrName>style.visibility</p:attrName>
+                                        </p:attrNameLst>
+                                      </p:cBhvr>
+                                      <p:to>
+                                        <p:strVal val="visible"/>
+                                      </p:to>
+                                    </p:set>
+                                    <p:animEffect transition="in" filter="fade">
+                                      <p:cBhvr>
+                                        <p:cTn id="26" dur="500"/>
+                                        <p:tgtEl>
+                                          <p:spTgt spid="9">
+                                            <p:txEl>
+                                              <p:pRg st="0" end="0"/>
+                                            </p:txEl>
+                                          </p:spTgt>
+                                        </p:tgtEl>
+                                      </p:cBhvr>
+                                    </p:animEffect>
+                                  </p:childTnLst>
+                                </p:cTn>
+                              </p:par>
+                            </p:childTnLst>
+                          </p:cTn>
+                        </p:par>
+                      </p:childTnLst>
+                    </p:cTn>
+                  </p:par>
+                  <p:par>
+                    <p:cTn id="27" fill="hold">
+                      <p:stCondLst>
+                        <p:cond delay="indefinite"/>
+                      </p:stCondLst>
+                      <p:childTnLst>
+                        <p:par>
+                          <p:cTn id="28" fill="hold">
+                            <p:stCondLst>
+                              <p:cond delay="0"/>
+                            </p:stCondLst>
+                            <p:childTnLst>
+                              <p:par>
+                                <p:cTn id="29" presetID="10" presetClass="entr" presetSubtype="0" fill="hold" grpId="0" nodeType="clickEffect">
+                                  <p:stCondLst>
+                                    <p:cond delay="0"/>
+                                  </p:stCondLst>
+                                  <p:childTnLst>
+                                    <p:set>
+                                      <p:cBhvr>
+                                        <p:cTn id="30" dur="1" fill="hold">
+                                          <p:stCondLst>
+                                            <p:cond delay="0"/>
+                                          </p:stCondLst>
+                                        </p:cTn>
+                                        <p:tgtEl>
+                                          <p:spTgt spid="7"/>
+                                        </p:tgtEl>
+                                        <p:attrNameLst>
+                                          <p:attrName>style.visibility</p:attrName>
+                                        </p:attrNameLst>
+                                      </p:cBhvr>
+                                      <p:to>
+                                        <p:strVal val="visible"/>
+                                      </p:to>
+                                    </p:set>
+                                    <p:animEffect transition="in" filter="fade">
+                                      <p:cBhvr>
+                                        <p:cTn id="31" dur="500"/>
+                                        <p:tgtEl>
+                                          <p:spTgt spid="7"/>
+                                        </p:tgtEl>
+                                      </p:cBhvr>
+                                    </p:animEffect>
+                                  </p:childTnLst>
+                                </p:cTn>
+                              </p:par>
+                              <p:par>
+                                <p:cTn id="32" presetID="10" presetClass="entr" presetSubtype="0" fill="hold" nodeType="withEffect">
+                                  <p:stCondLst>
+                                    <p:cond delay="0"/>
+                                  </p:stCondLst>
+                                  <p:childTnLst>
+                                    <p:set>
+                                      <p:cBhvr>
+                                        <p:cTn id="33" dur="1" fill="hold">
+                                          <p:stCondLst>
+                                            <p:cond delay="0"/>
+                                          </p:stCondLst>
+                                        </p:cTn>
+                                        <p:tgtEl>
+                                          <p:spTgt spid="9">
+                                            <p:txEl>
+                                              <p:pRg st="1" end="1"/>
+                                            </p:txEl>
+                                          </p:spTgt>
+                                        </p:tgtEl>
+                                        <p:attrNameLst>
+                                          <p:attrName>style.visibility</p:attrName>
+                                        </p:attrNameLst>
+                                      </p:cBhvr>
+                                      <p:to>
+                                        <p:strVal val="visible"/>
+                                      </p:to>
+                                    </p:set>
+                                    <p:animEffect transition="in" filter="fade">
+                                      <p:cBhvr>
+                                        <p:cTn id="34" dur="500"/>
+                                        <p:tgtEl>
+                                          <p:spTgt spid="9">
+                                            <p:txEl>
+                                              <p:pRg st="1" end="1"/>
+                                            </p:txEl>
+                                          </p:spTgt>
+                                        </p:tgtEl>
+                                      </p:cBhvr>
+                                    </p:animEffect>
+                                  </p:childTnLst>
+                                </p:cTn>
+                              </p:par>
+                            </p:childTnLst>
+                          </p:cTn>
+                        </p:par>
+                      </p:childTnLst>
+                    </p:cTn>
+                  </p:par>
+                </p:childTnLst>
+              </p:cTn>
+              <p:prevCondLst>
+                <p:cond evt="onPrev" delay="0">
+                  <p:tgtEl>
+                    <p:sldTgt/>
+                  </p:tgtEl>
+                </p:cond>
+              </p:prevCondLst>
+              <p:nextCondLst>
+                <p:cond evt="onNext" delay="0">
+                  <p:tgtEl>
+                    <p:sldTgt/>
+                  </p:tgtEl>
+                </p:cond>
+              </p:nextCondLst>
+            </p:seq>
+          </p:childTnLst>
+        </p:cTn>
+      </p:par>
+    </p:tnLst>
+    <p:bldLst>
+      <p:bldP spid="4" grpId="0" animBg="1"/>
+      <p:bldP spid="5" grpId="0" animBg="1"/>
+      <p:bldP spid="6" grpId="0" animBg="1"/>
+      <p:bldP spid="7" grpId="0" animBg="1"/>
+    </p:bldLst>
+  </p:timing>
+</p:sld>
+</file>
+
+<file path=ppt/slides/slide12.xml><?xml version="1.0" encoding="utf-8"?>
+<p:sld xmlns:a="http://schemas.openxmlformats.org/drawingml/2006/main" xmlns:r="http://schemas.openxmlformats.org/officeDocument/2006/relationships" xmlns:p="http://schemas.openxmlformats.org/presentationml/2006/main">
+  <p:cSld>
+    <p:spTree>
+      <p:nvGrpSpPr>
+        <p:cNvPr id="1" name=""/>
+        <p:cNvGrpSpPr/>
+        <p:nvPr/>
+      </p:nvGrpSpPr>
+      <p:grpSpPr>
+        <a:xfrm>
+          <a:off x="0" y="0"/>
+          <a:ext cx="0" cy="0"/>
+          <a:chOff x="0" y="0"/>
+          <a:chExt cx="0" cy="0"/>
+        </a:xfrm>
+      </p:grpSpPr>
+      <p:sp>
+        <p:nvSpPr>
+          <p:cNvPr id="2" name="Title 1"/>
+          <p:cNvSpPr>
+            <a:spLocks noGrp="1"/>
+          </p:cNvSpPr>
+          <p:nvPr>
+            <p:ph type="title"/>
+          </p:nvPr>
+        </p:nvSpPr>
+        <p:spPr>
+          <a:xfrm>
+            <a:off x="381000" y="2062162"/>
+            <a:ext cx="4572000" cy="2738438"/>
+          </a:xfrm>
+        </p:spPr>
+        <p:txBody>
+          <a:bodyPr/>
+          <a:lstStyle/>
+          <a:p>
+            <a:r>
+              <a:rPr lang="en-US" dirty="0"/>
+              <a:t>Basic HTML Elements</a:t>
+            </a:r>
+          </a:p>
+        </p:txBody>
+      </p:sp>
+      <p:pic>
+        <p:nvPicPr>
+          <p:cNvPr id="3" name="Picture 2"/>
+          <p:cNvPicPr>
+            <a:picLocks noChangeAspect="1"/>
+          </p:cNvPicPr>
+          <p:nvPr/>
+        </p:nvPicPr>
+        <p:blipFill>
+          <a:blip r:embed="rId2">
+            <a:extLst>
+              <a:ext uri="{28A0092B-C50C-407E-A947-70E740481C1C}">
+                <a14:useLocalDpi xmlns:a14="http://schemas.microsoft.com/office/drawing/2010/main" val="0"/>
+              </a:ext>
+            </a:extLst>
+          </a:blip>
+          <a:stretch>
+            <a:fillRect/>
+          </a:stretch>
+        </p:blipFill>
+        <p:spPr>
+          <a:xfrm>
+            <a:off x="6553200" y="1121246"/>
+            <a:ext cx="4372585" cy="4620270"/>
+          </a:xfrm>
+          <a:prstGeom prst="rect">
+            <a:avLst/>
+          </a:prstGeom>
+        </p:spPr>
+      </p:pic>
+    </p:spTree>
+    <p:extLst>
+      <p:ext uri="{BB962C8B-B14F-4D97-AF65-F5344CB8AC3E}">
+        <p14:creationId xmlns:p14="http://schemas.microsoft.com/office/powerpoint/2010/main" val="1365620667"/>
+      </p:ext>
+    </p:extLst>
+  </p:cSld>
+  <p:clrMapOvr>
+    <a:masterClrMapping/>
+  </p:clrMapOvr>
+  <p:transition>
+    <p:fade/>
+  </p:transition>
+</p:sld>
+</file>
+
+<file path=ppt/slides/slide13.xml><?xml version="1.0" encoding="utf-8"?>
 <p:sld xmlns:a="http://schemas.openxmlformats.org/drawingml/2006/main" xmlns:r="http://schemas.openxmlformats.org/officeDocument/2006/relationships" xmlns:p="http://schemas.openxmlformats.org/presentationml/2006/main">
   <p:cSld>
     <p:bg>
@@ -36166,11 +37950,11 @@
           <a:lstStyle/>
           <a:p>
             <a:r>
-              <a:rPr lang="en-US" dirty="0" smtClean="0"/>
+              <a:rPr lang="en-US" dirty="0"/>
               <a:t>The </a:t>
             </a:r>
             <a:r>
-              <a:rPr lang="en-US" sz="4000" cap="none" dirty="0" smtClean="0">
+              <a:rPr lang="en-US" sz="4000" cap="none" dirty="0">
                 <a:solidFill>
                   <a:schemeClr val="accent1">
                     <a:lumMod val="20000"/>
@@ -36179,13 +37963,12 @@
                 </a:solidFill>
                 <a:latin typeface="Consolas" panose="020B0609020204030204" pitchFamily="49" charset="0"/>
               </a:rPr>
-              <a:t>body</a:t>
+              <a:t>html</a:t>
             </a:r>
             <a:r>
-              <a:rPr lang="en-US" dirty="0" smtClean="0"/>
+              <a:rPr lang="en-US" dirty="0"/>
               <a:t> Element</a:t>
             </a:r>
-            <a:endParaRPr lang="en-US" dirty="0"/>
           </a:p>
         </p:txBody>
       </p:sp>
@@ -36205,7 +37988,362 @@
           <a:lstStyle/>
           <a:p>
             <a:r>
-              <a:rPr lang="en-US" dirty="0" smtClean="0">
+              <a:rPr lang="en-US" dirty="0">
+                <a:solidFill>
+                  <a:schemeClr val="bg1"/>
+                </a:solidFill>
+              </a:rPr>
+              <a:t>The foundation for every HTML document</a:t>
+            </a:r>
+          </a:p>
+          <a:p>
+            <a:r>
+              <a:rPr lang="en-US" dirty="0">
+                <a:solidFill>
+                  <a:schemeClr val="bg1"/>
+                </a:solidFill>
+              </a:rPr>
+              <a:t>Starts and ends the entire file</a:t>
+            </a:r>
+          </a:p>
+          <a:p>
+            <a:r>
+              <a:rPr lang="en-US" dirty="0">
+                <a:solidFill>
+                  <a:schemeClr val="bg1"/>
+                </a:solidFill>
+              </a:rPr>
+              <a:t>All the other HTML is the content in between these tags</a:t>
+            </a:r>
+          </a:p>
+        </p:txBody>
+      </p:sp>
+      <p:sp>
+        <p:nvSpPr>
+          <p:cNvPr id="4" name="TextBox 3"/>
+          <p:cNvSpPr txBox="1"/>
+          <p:nvPr/>
+        </p:nvSpPr>
+        <p:spPr>
+          <a:xfrm>
+            <a:off x="2528998" y="3556945"/>
+            <a:ext cx="7134004" cy="2843855"/>
+          </a:xfrm>
+          <a:prstGeom prst="rect">
+            <a:avLst/>
+          </a:prstGeom>
+          <a:noFill/>
+        </p:spPr>
+        <p:txBody>
+          <a:bodyPr wrap="none" lIns="182880" tIns="146304" rIns="182880" bIns="146304" rtlCol="0">
+            <a:spAutoFit/>
+          </a:bodyPr>
+          <a:lstStyle/>
+          <a:p>
+            <a:r>
+              <a:rPr lang="en-US" sz="4800" dirty="0">
+                <a:solidFill>
+                  <a:srgbClr val="808080"/>
+                </a:solidFill>
+                <a:latin typeface="Consolas" panose="020B0609020204030204" pitchFamily="49" charset="0"/>
+              </a:rPr>
+              <a:t>&lt;</a:t>
+            </a:r>
+            <a:r>
+              <a:rPr lang="en-US" sz="4800" dirty="0">
+                <a:solidFill>
+                  <a:srgbClr val="569CD6"/>
+                </a:solidFill>
+                <a:latin typeface="Consolas" panose="020B0609020204030204" pitchFamily="49" charset="0"/>
+              </a:rPr>
+              <a:t>html</a:t>
+            </a:r>
+            <a:r>
+              <a:rPr lang="en-US" sz="4800" dirty="0">
+                <a:solidFill>
+                  <a:srgbClr val="808080"/>
+                </a:solidFill>
+                <a:latin typeface="Consolas" panose="020B0609020204030204" pitchFamily="49" charset="0"/>
+              </a:rPr>
+              <a:t>&gt;</a:t>
+            </a:r>
+            <a:endParaRPr lang="en-US" sz="4800" dirty="0">
+              <a:solidFill>
+                <a:srgbClr val="D4D4D4"/>
+              </a:solidFill>
+              <a:latin typeface="Consolas" panose="020B0609020204030204" pitchFamily="49" charset="0"/>
+            </a:endParaRPr>
+          </a:p>
+          <a:p>
+            <a:r>
+              <a:rPr lang="en-US" sz="4800" dirty="0">
+                <a:solidFill>
+                  <a:srgbClr val="D4D4D4"/>
+                </a:solidFill>
+                <a:latin typeface="Consolas" panose="020B0609020204030204" pitchFamily="49" charset="0"/>
+              </a:rPr>
+              <a:t>    </a:t>
+            </a:r>
+            <a:r>
+              <a:rPr lang="en-US" sz="4800" dirty="0">
+                <a:solidFill>
+                  <a:srgbClr val="6A9955"/>
+                </a:solidFill>
+                <a:latin typeface="Consolas" panose="020B0609020204030204" pitchFamily="49" charset="0"/>
+              </a:rPr>
+              <a:t>&lt;!-- content --&gt;</a:t>
+            </a:r>
+            <a:endParaRPr lang="en-US" sz="4800" dirty="0">
+              <a:solidFill>
+                <a:srgbClr val="D4D4D4"/>
+              </a:solidFill>
+              <a:latin typeface="Consolas" panose="020B0609020204030204" pitchFamily="49" charset="0"/>
+            </a:endParaRPr>
+          </a:p>
+          <a:p>
+            <a:r>
+              <a:rPr lang="en-US" sz="4800" dirty="0">
+                <a:solidFill>
+                  <a:srgbClr val="808080"/>
+                </a:solidFill>
+                <a:latin typeface="Consolas" panose="020B0609020204030204" pitchFamily="49" charset="0"/>
+              </a:rPr>
+              <a:t>&lt;/</a:t>
+            </a:r>
+            <a:r>
+              <a:rPr lang="en-US" sz="4800" dirty="0">
+                <a:solidFill>
+                  <a:srgbClr val="569CD6"/>
+                </a:solidFill>
+                <a:latin typeface="Consolas" panose="020B0609020204030204" pitchFamily="49" charset="0"/>
+              </a:rPr>
+              <a:t>html</a:t>
+            </a:r>
+            <a:r>
+              <a:rPr lang="en-US" sz="4800" dirty="0">
+                <a:solidFill>
+                  <a:srgbClr val="808080"/>
+                </a:solidFill>
+                <a:latin typeface="Consolas" panose="020B0609020204030204" pitchFamily="49" charset="0"/>
+              </a:rPr>
+              <a:t>&gt;</a:t>
+            </a:r>
+            <a:endParaRPr lang="en-US" sz="4800" dirty="0">
+              <a:solidFill>
+                <a:srgbClr val="D4D4D4"/>
+              </a:solidFill>
+              <a:latin typeface="Consolas" panose="020B0609020204030204" pitchFamily="49" charset="0"/>
+            </a:endParaRPr>
+          </a:p>
+          <a:p>
+            <a:pPr>
+              <a:lnSpc>
+                <a:spcPct val="90000"/>
+              </a:lnSpc>
+              <a:spcAft>
+                <a:spcPts val="600"/>
+              </a:spcAft>
+            </a:pPr>
+            <a:endParaRPr lang="en-US" sz="2400" dirty="0" err="1">
+              <a:gradFill>
+                <a:gsLst>
+                  <a:gs pos="2917">
+                    <a:schemeClr val="tx1"/>
+                  </a:gs>
+                  <a:gs pos="30000">
+                    <a:schemeClr val="tx1"/>
+                  </a:gs>
+                </a:gsLst>
+                <a:lin ang="5400000" scaled="0"/>
+              </a:gradFill>
+            </a:endParaRPr>
+          </a:p>
+        </p:txBody>
+      </p:sp>
+    </p:spTree>
+    <p:extLst>
+      <p:ext uri="{BB962C8B-B14F-4D97-AF65-F5344CB8AC3E}">
+        <p14:creationId xmlns:p14="http://schemas.microsoft.com/office/powerpoint/2010/main" val="2606552347"/>
+      </p:ext>
+    </p:extLst>
+  </p:cSld>
+  <p:clrMapOvr>
+    <a:masterClrMapping/>
+  </p:clrMapOvr>
+  <p:transition>
+    <p:fade/>
+  </p:transition>
+  <p:timing>
+    <p:tnLst>
+      <p:par>
+        <p:cTn id="1" dur="indefinite" restart="never" nodeType="tmRoot">
+          <p:childTnLst>
+            <p:seq concurrent="1" nextAc="seek">
+              <p:cTn id="2" dur="indefinite" nodeType="mainSeq">
+                <p:childTnLst>
+                  <p:par>
+                    <p:cTn id="3" fill="hold">
+                      <p:stCondLst>
+                        <p:cond delay="indefinite"/>
+                      </p:stCondLst>
+                      <p:childTnLst>
+                        <p:par>
+                          <p:cTn id="4" fill="hold">
+                            <p:stCondLst>
+                              <p:cond delay="0"/>
+                            </p:stCondLst>
+                            <p:childTnLst>
+                              <p:par>
+                                <p:cTn id="5" presetID="10" presetClass="entr" presetSubtype="0" fill="hold" grpId="0" nodeType="clickEffect">
+                                  <p:stCondLst>
+                                    <p:cond delay="0"/>
+                                  </p:stCondLst>
+                                  <p:childTnLst>
+                                    <p:set>
+                                      <p:cBhvr>
+                                        <p:cTn id="6" dur="1" fill="hold">
+                                          <p:stCondLst>
+                                            <p:cond delay="0"/>
+                                          </p:stCondLst>
+                                        </p:cTn>
+                                        <p:tgtEl>
+                                          <p:spTgt spid="4"/>
+                                        </p:tgtEl>
+                                        <p:attrNameLst>
+                                          <p:attrName>style.visibility</p:attrName>
+                                        </p:attrNameLst>
+                                      </p:cBhvr>
+                                      <p:to>
+                                        <p:strVal val="visible"/>
+                                      </p:to>
+                                    </p:set>
+                                    <p:animEffect transition="in" filter="fade">
+                                      <p:cBhvr>
+                                        <p:cTn id="7" dur="500"/>
+                                        <p:tgtEl>
+                                          <p:spTgt spid="4"/>
+                                        </p:tgtEl>
+                                      </p:cBhvr>
+                                    </p:animEffect>
+                                  </p:childTnLst>
+                                </p:cTn>
+                              </p:par>
+                            </p:childTnLst>
+                          </p:cTn>
+                        </p:par>
+                      </p:childTnLst>
+                    </p:cTn>
+                  </p:par>
+                </p:childTnLst>
+              </p:cTn>
+              <p:prevCondLst>
+                <p:cond evt="onPrev" delay="0">
+                  <p:tgtEl>
+                    <p:sldTgt/>
+                  </p:tgtEl>
+                </p:cond>
+              </p:prevCondLst>
+              <p:nextCondLst>
+                <p:cond evt="onNext" delay="0">
+                  <p:tgtEl>
+                    <p:sldTgt/>
+                  </p:tgtEl>
+                </p:cond>
+              </p:nextCondLst>
+            </p:seq>
+          </p:childTnLst>
+        </p:cTn>
+      </p:par>
+    </p:tnLst>
+    <p:bldLst>
+      <p:bldP spid="4" grpId="0"/>
+    </p:bldLst>
+  </p:timing>
+</p:sld>
+</file>
+
+<file path=ppt/slides/slide14.xml><?xml version="1.0" encoding="utf-8"?>
+<p:sld xmlns:a="http://schemas.openxmlformats.org/drawingml/2006/main" xmlns:r="http://schemas.openxmlformats.org/officeDocument/2006/relationships" xmlns:p="http://schemas.openxmlformats.org/presentationml/2006/main">
+  <p:cSld>
+    <p:bg>
+      <p:bgPr>
+        <a:solidFill>
+          <a:schemeClr val="tx1">
+            <a:lumMod val="50000"/>
+          </a:schemeClr>
+        </a:solidFill>
+        <a:effectLst/>
+      </p:bgPr>
+    </p:bg>
+    <p:spTree>
+      <p:nvGrpSpPr>
+        <p:cNvPr id="1" name=""/>
+        <p:cNvGrpSpPr/>
+        <p:nvPr/>
+      </p:nvGrpSpPr>
+      <p:grpSpPr>
+        <a:xfrm>
+          <a:off x="0" y="0"/>
+          <a:ext cx="0" cy="0"/>
+          <a:chOff x="0" y="0"/>
+          <a:chExt cx="0" cy="0"/>
+        </a:xfrm>
+      </p:grpSpPr>
+      <p:sp>
+        <p:nvSpPr>
+          <p:cNvPr id="2" name="Title 1"/>
+          <p:cNvSpPr>
+            <a:spLocks noGrp="1"/>
+          </p:cNvSpPr>
+          <p:nvPr>
+            <p:ph type="title"/>
+          </p:nvPr>
+        </p:nvSpPr>
+        <p:spPr/>
+        <p:txBody>
+          <a:bodyPr/>
+          <a:lstStyle/>
+          <a:p>
+            <a:r>
+              <a:rPr lang="en-US" dirty="0"/>
+              <a:t>The </a:t>
+            </a:r>
+            <a:r>
+              <a:rPr lang="en-US" sz="4000" cap="none" dirty="0">
+                <a:solidFill>
+                  <a:schemeClr val="accent1">
+                    <a:lumMod val="20000"/>
+                    <a:lumOff val="80000"/>
+                  </a:schemeClr>
+                </a:solidFill>
+                <a:latin typeface="Consolas" panose="020B0609020204030204" pitchFamily="49" charset="0"/>
+              </a:rPr>
+              <a:t>body</a:t>
+            </a:r>
+            <a:r>
+              <a:rPr lang="en-US" dirty="0"/>
+              <a:t> Element</a:t>
+            </a:r>
+          </a:p>
+        </p:txBody>
+      </p:sp>
+      <p:sp>
+        <p:nvSpPr>
+          <p:cNvPr id="3" name="Content Placeholder 2"/>
+          <p:cNvSpPr>
+            <a:spLocks noGrp="1"/>
+          </p:cNvSpPr>
+          <p:nvPr>
+            <p:ph idx="1"/>
+          </p:nvPr>
+        </p:nvSpPr>
+        <p:spPr/>
+        <p:txBody>
+          <a:bodyPr/>
+          <a:lstStyle/>
+          <a:p>
+            <a:r>
+              <a:rPr lang="en-US" dirty="0">
                 <a:solidFill>
                   <a:schemeClr val="bg1"/>
                 </a:solidFill>
@@ -36213,7 +38351,7 @@
               <a:t>Goes within the </a:t>
             </a:r>
             <a:r>
-              <a:rPr lang="en-US" b="1" dirty="0" smtClean="0">
+              <a:rPr lang="en-US" b="1" dirty="0">
                 <a:solidFill>
                   <a:schemeClr val="accent1">
                     <a:lumMod val="60000"/>
@@ -36225,7 +38363,7 @@
               <a:t>&lt;html&gt;&lt;/html&gt;</a:t>
             </a:r>
             <a:r>
-              <a:rPr lang="en-US" dirty="0" smtClean="0">
+              <a:rPr lang="en-US" dirty="0">
                 <a:solidFill>
                   <a:schemeClr val="accent1">
                     <a:lumMod val="60000"/>
@@ -36236,7 +38374,7 @@
               <a:t> </a:t>
             </a:r>
             <a:r>
-              <a:rPr lang="en-US" dirty="0" smtClean="0">
+              <a:rPr lang="en-US" dirty="0">
                 <a:solidFill>
                   <a:schemeClr val="bg1"/>
                 </a:solidFill>
@@ -36246,7 +38384,7 @@
           </a:p>
           <a:p>
             <a:r>
-              <a:rPr lang="en-US" dirty="0" smtClean="0">
+              <a:rPr lang="en-US" dirty="0">
                 <a:solidFill>
                   <a:schemeClr val="bg1"/>
                 </a:solidFill>
@@ -36256,7 +38394,7 @@
           </a:p>
           <a:p>
             <a:r>
-              <a:rPr lang="en-US" dirty="0" smtClean="0">
+              <a:rPr lang="en-US" dirty="0">
                 <a:solidFill>
                   <a:schemeClr val="bg1"/>
                 </a:solidFill>
@@ -36264,7 +38402,7 @@
               <a:t>All of the visible HTML elements go within the </a:t>
             </a:r>
             <a:r>
-              <a:rPr lang="en-US" b="1" dirty="0" smtClean="0">
+              <a:rPr lang="en-US" b="1" dirty="0">
                 <a:solidFill>
                   <a:schemeClr val="accent1">
                     <a:lumMod val="60000"/>
@@ -36275,15 +38413,6 @@
               </a:rPr>
               <a:t>&lt;body&gt;</a:t>
             </a:r>
-            <a:endParaRPr lang="en-US" b="1" dirty="0">
-              <a:solidFill>
-                <a:schemeClr val="accent1">
-                  <a:lumMod val="60000"/>
-                  <a:lumOff val="40000"/>
-                </a:schemeClr>
-              </a:solidFill>
-              <a:latin typeface="Consolas" panose="020B0609020204030204" pitchFamily="49" charset="0"/>
-            </a:endParaRPr>
           </a:p>
         </p:txBody>
       </p:sp>
@@ -36501,7 +38630,7 @@
                 <a:spcPts val="600"/>
               </a:spcAft>
             </a:pPr>
-            <a:endParaRPr lang="en-US" sz="2400" dirty="0" err="1" smtClean="0">
+            <a:endParaRPr lang="en-US" sz="2400" dirty="0" err="1">
               <a:gradFill>
                 <a:gsLst>
                   <a:gs pos="2917">
@@ -36619,7 +38748,7 @@
 </p:sld>
 </file>
 
-<file path=ppt/slides/slide11.xml><?xml version="1.0" encoding="utf-8"?>
+<file path=ppt/slides/slide15.xml><?xml version="1.0" encoding="utf-8"?>
 <p:sld xmlns:a="http://schemas.openxmlformats.org/drawingml/2006/main" xmlns:r="http://schemas.openxmlformats.org/officeDocument/2006/relationships" xmlns:p="http://schemas.openxmlformats.org/presentationml/2006/main">
   <p:cSld>
     <p:bg>
@@ -36662,11 +38791,11 @@
           <a:lstStyle/>
           <a:p>
             <a:r>
-              <a:rPr lang="en-US" dirty="0" smtClean="0"/>
+              <a:rPr lang="en-US" dirty="0"/>
               <a:t>The </a:t>
             </a:r>
             <a:r>
-              <a:rPr lang="en-US" sz="4000" cap="none" dirty="0" smtClean="0">
+              <a:rPr lang="en-US" sz="4000" cap="none" dirty="0">
                 <a:solidFill>
                   <a:schemeClr val="accent1">
                     <a:lumMod val="20000"/>
@@ -36678,10 +38807,9 @@
               <a:t>p</a:t>
             </a:r>
             <a:r>
-              <a:rPr lang="en-US" dirty="0" smtClean="0"/>
+              <a:rPr lang="en-US" dirty="0"/>
               <a:t> (Paragraph) Element</a:t>
             </a:r>
-            <a:endParaRPr lang="en-US" dirty="0"/>
           </a:p>
         </p:txBody>
       </p:sp>
@@ -36701,7 +38829,7 @@
           <a:lstStyle/>
           <a:p>
             <a:r>
-              <a:rPr lang="en-US" dirty="0" smtClean="0">
+              <a:rPr lang="en-US" dirty="0">
                 <a:solidFill>
                   <a:schemeClr val="bg1"/>
                 </a:solidFill>
@@ -36711,7 +38839,7 @@
           </a:p>
           <a:p>
             <a:r>
-              <a:rPr lang="en-US" dirty="0" smtClean="0">
+              <a:rPr lang="en-US" dirty="0">
                 <a:solidFill>
                   <a:schemeClr val="bg1"/>
                 </a:solidFill>
@@ -36721,7 +38849,7 @@
           </a:p>
           <a:p>
             <a:r>
-              <a:rPr lang="en-US" dirty="0" smtClean="0">
+              <a:rPr lang="en-US" dirty="0">
                 <a:solidFill>
                   <a:schemeClr val="bg1"/>
                 </a:solidFill>
@@ -36729,7 +38857,7 @@
               <a:t>Each </a:t>
             </a:r>
             <a:r>
-              <a:rPr lang="en-US" b="1" dirty="0" smtClean="0">
+              <a:rPr lang="en-US" b="1" dirty="0">
                 <a:solidFill>
                   <a:schemeClr val="accent1">
                     <a:lumMod val="60000"/>
@@ -36741,7 +38869,7 @@
               <a:t>&lt;p&gt;&lt;/p&gt;</a:t>
             </a:r>
             <a:r>
-              <a:rPr lang="en-US" dirty="0" smtClean="0">
+              <a:rPr lang="en-US" dirty="0">
                 <a:solidFill>
                   <a:schemeClr val="bg1"/>
                 </a:solidFill>
@@ -36783,7 +38911,7 @@
           <a:lstStyle/>
           <a:p>
             <a:r>
-              <a:rPr lang="en-US" sz="4400" dirty="0" smtClean="0">
+              <a:rPr lang="en-US" sz="4400" dirty="0">
                 <a:solidFill>
                   <a:srgbClr val="808080"/>
                 </a:solidFill>
@@ -36792,7 +38920,7 @@
               <a:t>&lt;</a:t>
             </a:r>
             <a:r>
-              <a:rPr lang="en-US" sz="4400" dirty="0" smtClean="0">
+              <a:rPr lang="en-US" sz="4400" dirty="0">
                 <a:solidFill>
                   <a:srgbClr val="569CD6"/>
                 </a:solidFill>
@@ -36801,7 +38929,7 @@
               <a:t>p</a:t>
             </a:r>
             <a:r>
-              <a:rPr lang="en-US" sz="4400" dirty="0" smtClean="0">
+              <a:rPr lang="en-US" sz="4400" dirty="0">
                 <a:solidFill>
                   <a:srgbClr val="808080"/>
                 </a:solidFill>
@@ -36810,34 +38938,16 @@
               <a:t>&gt;</a:t>
             </a:r>
             <a:r>
-              <a:rPr lang="en-US" sz="4400" dirty="0" smtClean="0">
-                <a:solidFill>
-                  <a:srgbClr val="6A9955"/>
-                </a:solidFill>
-                <a:latin typeface="Consolas" panose="020B0609020204030204" pitchFamily="49" charset="0"/>
-              </a:rPr>
-              <a:t>&lt;!--</a:t>
-            </a:r>
-            <a:r>
               <a:rPr lang="en-US" sz="4400" dirty="0">
                 <a:solidFill>
                   <a:srgbClr val="6A9955"/>
                 </a:solidFill>
                 <a:latin typeface="Consolas" panose="020B0609020204030204" pitchFamily="49" charset="0"/>
               </a:rPr>
-              <a:t> content </a:t>
+              <a:t>&lt;!-- content --&gt;</a:t>
             </a:r>
             <a:r>
-              <a:rPr lang="en-US" sz="4400" dirty="0" smtClean="0">
-                <a:solidFill>
-                  <a:srgbClr val="6A9955"/>
-                </a:solidFill>
-                <a:latin typeface="Consolas" panose="020B0609020204030204" pitchFamily="49" charset="0"/>
-              </a:rPr>
-              <a:t>--&gt;</a:t>
-            </a:r>
-            <a:r>
-              <a:rPr lang="en-US" sz="4400" dirty="0" smtClean="0">
+              <a:rPr lang="en-US" sz="4400" dirty="0">
                 <a:solidFill>
                   <a:srgbClr val="808080"/>
                 </a:solidFill>
@@ -36846,7 +38956,7 @@
               <a:t>&lt;/</a:t>
             </a:r>
             <a:r>
-              <a:rPr lang="en-US" sz="4400" dirty="0" smtClean="0">
+              <a:rPr lang="en-US" sz="4400" dirty="0">
                 <a:solidFill>
                   <a:srgbClr val="569CD6"/>
                 </a:solidFill>
@@ -36855,7 +38965,7 @@
               <a:t>p</a:t>
             </a:r>
             <a:r>
-              <a:rPr lang="en-US" sz="4400" dirty="0" smtClean="0">
+              <a:rPr lang="en-US" sz="4400" dirty="0">
                 <a:solidFill>
                   <a:srgbClr val="808080"/>
                 </a:solidFill>
@@ -36863,7 +38973,7 @@
               </a:rPr>
               <a:t>&gt;</a:t>
             </a:r>
-            <a:endParaRPr lang="en-US" sz="2400" dirty="0" smtClean="0">
+            <a:endParaRPr lang="en-US" sz="2400" dirty="0">
               <a:gradFill>
                 <a:gsLst>
                   <a:gs pos="2917">
@@ -36981,7 +39091,7 @@
 </p:sld>
 </file>
 
-<file path=ppt/slides/slide12.xml><?xml version="1.0" encoding="utf-8"?>
+<file path=ppt/slides/slide16.xml><?xml version="1.0" encoding="utf-8"?>
 <p:sld xmlns:a="http://schemas.openxmlformats.org/drawingml/2006/main" xmlns:r="http://schemas.openxmlformats.org/officeDocument/2006/relationships" xmlns:p="http://schemas.openxmlformats.org/presentationml/2006/main">
   <p:cSld>
     <p:spTree>
@@ -37000,7 +39110,13 @@
       </p:grpSpPr>
       <p:sp>
         <p:nvSpPr>
-          <p:cNvPr id="2" name="Title 1"/>
+          <p:cNvPr id="2" name="Title 1">
+            <a:extLst>
+              <a:ext uri="{FF2B5EF4-FFF2-40B4-BE49-F238E27FC236}">
+                <a16:creationId xmlns:a16="http://schemas.microsoft.com/office/drawing/2014/main" id="{C3201FD9-2621-4228-97D9-F629DF082152}"/>
+              </a:ext>
+            </a:extLst>
+          </p:cNvPr>
           <p:cNvSpPr>
             <a:spLocks noGrp="1"/>
           </p:cNvSpPr>
@@ -37014,16 +39130,21 @@
           <a:lstStyle/>
           <a:p>
             <a:r>
-              <a:rPr lang="en-US" dirty="0" smtClean="0"/>
-              <a:t>Practice: Hello World</a:t>
+              <a:rPr lang="en-US" dirty="0"/>
+              <a:t>Basic HTML Document – full Example</a:t>
             </a:r>
-            <a:endParaRPr lang="en-US" dirty="0"/>
           </a:p>
         </p:txBody>
       </p:sp>
       <p:sp>
         <p:nvSpPr>
-          <p:cNvPr id="3" name="Content Placeholder 2"/>
+          <p:cNvPr id="3" name="Content Placeholder 2">
+            <a:extLst>
+              <a:ext uri="{FF2B5EF4-FFF2-40B4-BE49-F238E27FC236}">
+                <a16:creationId xmlns:a16="http://schemas.microsoft.com/office/drawing/2014/main" id="{282B4D6B-7229-40D1-B7C0-3979E563D0A2}"/>
+              </a:ext>
+            </a:extLst>
+          </p:cNvPr>
           <p:cNvSpPr>
             <a:spLocks noGrp="1"/>
           </p:cNvSpPr>
@@ -37033,177 +39154,361 @@
         </p:nvSpPr>
         <p:spPr/>
         <p:txBody>
-          <a:bodyPr/>
+          <a:bodyPr>
+            <a:normAutofit/>
+          </a:bodyPr>
           <a:lstStyle/>
           <a:p>
-            <a:r>
-              <a:rPr lang="en-US" dirty="0" smtClean="0"/>
-              <a:t>Create a new HTML file, and add a paragraph that says “Hello World”</a:t>
-            </a:r>
-          </a:p>
-          <a:p>
-            <a:pPr marL="57150" indent="0">
+            <a:pPr marL="57150" marR="0" lvl="0" indent="0" algn="l" defTabSz="914400" rtl="0" eaLnBrk="1" fontAlgn="auto" latinLnBrk="0" hangingPunct="1">
+              <a:lnSpc>
+                <a:spcPct val="100000"/>
+              </a:lnSpc>
+              <a:spcBef>
+                <a:spcPts val="0"/>
+              </a:spcBef>
+              <a:spcAft>
+                <a:spcPts val="1200"/>
+              </a:spcAft>
+              <a:buClr>
+                <a:srgbClr val="98989A"/>
+              </a:buClr>
+              <a:buSzTx/>
+              <a:buFont typeface="Wingdings" panose="05000000000000000000" pitchFamily="2" charset="2"/>
               <a:buNone/>
-            </a:pPr>
-            <a:endParaRPr lang="en-US" dirty="0" smtClean="0"/>
-          </a:p>
-          <a:p>
-            <a:pPr marL="57150" indent="0">
-              <a:buNone/>
+              <a:tabLst/>
+              <a:defRPr/>
             </a:pPr>
             <a:r>
-              <a:rPr lang="en-US" sz="4000" dirty="0">
+              <a:rPr kumimoji="0" lang="en-US" sz="6000" b="0" i="0" u="none" strike="noStrike" kern="1200" cap="none" spc="0" normalizeH="0" baseline="0" noProof="0" dirty="0">
+                <a:ln>
+                  <a:noFill/>
+                </a:ln>
                 <a:solidFill>
                   <a:srgbClr val="800000"/>
                 </a:solidFill>
+                <a:effectLst/>
+                <a:uLnTx/>
+                <a:uFillTx/>
                 <a:latin typeface="Consolas" panose="020B0609020204030204" pitchFamily="49" charset="0"/>
+                <a:ea typeface="+mn-ea"/>
+                <a:cs typeface="+mn-cs"/>
               </a:rPr>
               <a:t>&lt;html&gt;</a:t>
             </a:r>
-            <a:endParaRPr lang="en-US" sz="4000" dirty="0">
+            <a:endParaRPr kumimoji="0" lang="en-US" sz="6000" b="0" i="0" u="none" strike="noStrike" kern="1200" cap="none" spc="0" normalizeH="0" baseline="0" noProof="0" dirty="0">
+              <a:ln>
+                <a:noFill/>
+              </a:ln>
               <a:solidFill>
                 <a:srgbClr val="000000"/>
               </a:solidFill>
+              <a:effectLst/>
+              <a:uLnTx/>
+              <a:uFillTx/>
               <a:latin typeface="Consolas" panose="020B0609020204030204" pitchFamily="49" charset="0"/>
+              <a:ea typeface="+mn-ea"/>
+              <a:cs typeface="+mn-cs"/>
             </a:endParaRPr>
           </a:p>
           <a:p>
-            <a:pPr marL="57150" indent="0">
+            <a:pPr marL="57150" marR="0" lvl="0" indent="0" algn="l" defTabSz="914400" rtl="0" eaLnBrk="1" fontAlgn="auto" latinLnBrk="0" hangingPunct="1">
+              <a:lnSpc>
+                <a:spcPct val="100000"/>
+              </a:lnSpc>
+              <a:spcBef>
+                <a:spcPts val="0"/>
+              </a:spcBef>
+              <a:spcAft>
+                <a:spcPts val="1200"/>
+              </a:spcAft>
+              <a:buClr>
+                <a:srgbClr val="98989A"/>
+              </a:buClr>
+              <a:buSzTx/>
+              <a:buFont typeface="Wingdings" panose="05000000000000000000" pitchFamily="2" charset="2"/>
               <a:buNone/>
+              <a:tabLst/>
+              <a:defRPr/>
             </a:pPr>
             <a:r>
-              <a:rPr lang="en-US" sz="4000" dirty="0">
+              <a:rPr kumimoji="0" lang="en-US" sz="6000" b="0" i="0" u="none" strike="noStrike" kern="1200" cap="none" spc="0" normalizeH="0" baseline="0" noProof="0" dirty="0">
+                <a:ln>
+                  <a:noFill/>
+                </a:ln>
                 <a:solidFill>
                   <a:srgbClr val="000000"/>
                 </a:solidFill>
+                <a:effectLst/>
+                <a:uLnTx/>
+                <a:uFillTx/>
                 <a:latin typeface="Consolas" panose="020B0609020204030204" pitchFamily="49" charset="0"/>
+                <a:ea typeface="+mn-ea"/>
+                <a:cs typeface="+mn-cs"/>
               </a:rPr>
               <a:t>    </a:t>
             </a:r>
             <a:r>
-              <a:rPr lang="en-US" sz="4000" dirty="0">
+              <a:rPr kumimoji="0" lang="en-US" sz="6000" b="0" i="0" u="none" strike="noStrike" kern="1200" cap="none" spc="0" normalizeH="0" baseline="0" noProof="0" dirty="0">
+                <a:ln>
+                  <a:noFill/>
+                </a:ln>
                 <a:solidFill>
                   <a:srgbClr val="800000"/>
                 </a:solidFill>
+                <a:effectLst/>
+                <a:uLnTx/>
+                <a:uFillTx/>
                 <a:latin typeface="Consolas" panose="020B0609020204030204" pitchFamily="49" charset="0"/>
+                <a:ea typeface="+mn-ea"/>
+                <a:cs typeface="+mn-cs"/>
               </a:rPr>
               <a:t>&lt;body&gt;</a:t>
             </a:r>
-            <a:endParaRPr lang="en-US" sz="4000" dirty="0">
+            <a:endParaRPr kumimoji="0" lang="en-US" sz="6000" b="0" i="0" u="none" strike="noStrike" kern="1200" cap="none" spc="0" normalizeH="0" baseline="0" noProof="0" dirty="0">
+              <a:ln>
+                <a:noFill/>
+              </a:ln>
               <a:solidFill>
                 <a:srgbClr val="000000"/>
               </a:solidFill>
+              <a:effectLst/>
+              <a:uLnTx/>
+              <a:uFillTx/>
               <a:latin typeface="Consolas" panose="020B0609020204030204" pitchFamily="49" charset="0"/>
+              <a:ea typeface="+mn-ea"/>
+              <a:cs typeface="+mn-cs"/>
             </a:endParaRPr>
           </a:p>
           <a:p>
-            <a:pPr marL="57150" indent="0">
+            <a:pPr marL="57150" marR="0" lvl="0" indent="0" algn="l" defTabSz="914400" rtl="0" eaLnBrk="1" fontAlgn="auto" latinLnBrk="0" hangingPunct="1">
+              <a:lnSpc>
+                <a:spcPct val="100000"/>
+              </a:lnSpc>
+              <a:spcBef>
+                <a:spcPts val="0"/>
+              </a:spcBef>
+              <a:spcAft>
+                <a:spcPts val="1200"/>
+              </a:spcAft>
+              <a:buClr>
+                <a:srgbClr val="98989A"/>
+              </a:buClr>
+              <a:buSzTx/>
+              <a:buFont typeface="Wingdings" panose="05000000000000000000" pitchFamily="2" charset="2"/>
               <a:buNone/>
+              <a:tabLst/>
+              <a:defRPr/>
             </a:pPr>
             <a:r>
-              <a:rPr lang="en-US" sz="4000" dirty="0">
+              <a:rPr kumimoji="0" lang="en-US" sz="6000" b="0" i="0" u="none" strike="noStrike" kern="1200" cap="none" spc="0" normalizeH="0" baseline="0" noProof="0" dirty="0">
+                <a:ln>
+                  <a:noFill/>
+                </a:ln>
                 <a:solidFill>
                   <a:srgbClr val="000000"/>
                 </a:solidFill>
+                <a:effectLst/>
+                <a:uLnTx/>
+                <a:uFillTx/>
                 <a:latin typeface="Consolas" panose="020B0609020204030204" pitchFamily="49" charset="0"/>
+                <a:ea typeface="+mn-ea"/>
+                <a:cs typeface="+mn-cs"/>
               </a:rPr>
               <a:t>        </a:t>
             </a:r>
             <a:r>
-              <a:rPr lang="en-US" sz="4000" dirty="0">
+              <a:rPr kumimoji="0" lang="en-US" sz="6000" b="0" i="0" u="none" strike="noStrike" kern="1200" cap="none" spc="0" normalizeH="0" baseline="0" noProof="0" dirty="0">
+                <a:ln>
+                  <a:noFill/>
+                </a:ln>
                 <a:solidFill>
                   <a:srgbClr val="800000"/>
                 </a:solidFill>
+                <a:effectLst/>
+                <a:uLnTx/>
+                <a:uFillTx/>
                 <a:latin typeface="Consolas" panose="020B0609020204030204" pitchFamily="49" charset="0"/>
+                <a:ea typeface="+mn-ea"/>
+                <a:cs typeface="+mn-cs"/>
               </a:rPr>
               <a:t>&lt;p&gt;</a:t>
             </a:r>
             <a:r>
-              <a:rPr lang="en-US" sz="4000" dirty="0">
+              <a:rPr kumimoji="0" lang="en-US" sz="6000" b="0" i="0" u="none" strike="noStrike" kern="1200" cap="none" spc="0" normalizeH="0" baseline="0" noProof="0" dirty="0">
+                <a:ln>
+                  <a:noFill/>
+                </a:ln>
                 <a:solidFill>
                   <a:srgbClr val="000000"/>
                 </a:solidFill>
+                <a:effectLst/>
+                <a:uLnTx/>
+                <a:uFillTx/>
                 <a:latin typeface="Consolas" panose="020B0609020204030204" pitchFamily="49" charset="0"/>
+                <a:ea typeface="+mn-ea"/>
+                <a:cs typeface="+mn-cs"/>
               </a:rPr>
               <a:t>Hello World</a:t>
             </a:r>
             <a:r>
-              <a:rPr lang="en-US" sz="4000" dirty="0">
+              <a:rPr kumimoji="0" lang="en-US" sz="6000" b="0" i="0" u="none" strike="noStrike" kern="1200" cap="none" spc="0" normalizeH="0" baseline="0" noProof="0" dirty="0">
+                <a:ln>
+                  <a:noFill/>
+                </a:ln>
                 <a:solidFill>
                   <a:srgbClr val="800000"/>
                 </a:solidFill>
+                <a:effectLst/>
+                <a:uLnTx/>
+                <a:uFillTx/>
                 <a:latin typeface="Consolas" panose="020B0609020204030204" pitchFamily="49" charset="0"/>
+                <a:ea typeface="+mn-ea"/>
+                <a:cs typeface="+mn-cs"/>
               </a:rPr>
               <a:t>&lt;/p&gt;</a:t>
             </a:r>
-            <a:endParaRPr lang="en-US" sz="4000" dirty="0">
+            <a:endParaRPr kumimoji="0" lang="en-US" sz="6000" b="0" i="0" u="none" strike="noStrike" kern="1200" cap="none" spc="0" normalizeH="0" baseline="0" noProof="0" dirty="0">
+              <a:ln>
+                <a:noFill/>
+              </a:ln>
               <a:solidFill>
                 <a:srgbClr val="000000"/>
               </a:solidFill>
+              <a:effectLst/>
+              <a:uLnTx/>
+              <a:uFillTx/>
               <a:latin typeface="Consolas" panose="020B0609020204030204" pitchFamily="49" charset="0"/>
+              <a:ea typeface="+mn-ea"/>
+              <a:cs typeface="+mn-cs"/>
             </a:endParaRPr>
           </a:p>
           <a:p>
-            <a:pPr marL="57150" indent="0">
+            <a:pPr marL="57150" marR="0" lvl="0" indent="0" algn="l" defTabSz="914400" rtl="0" eaLnBrk="1" fontAlgn="auto" latinLnBrk="0" hangingPunct="1">
+              <a:lnSpc>
+                <a:spcPct val="100000"/>
+              </a:lnSpc>
+              <a:spcBef>
+                <a:spcPts val="0"/>
+              </a:spcBef>
+              <a:spcAft>
+                <a:spcPts val="1200"/>
+              </a:spcAft>
+              <a:buClr>
+                <a:srgbClr val="98989A"/>
+              </a:buClr>
+              <a:buSzTx/>
+              <a:buFont typeface="Wingdings" panose="05000000000000000000" pitchFamily="2" charset="2"/>
               <a:buNone/>
+              <a:tabLst/>
+              <a:defRPr/>
             </a:pPr>
             <a:r>
-              <a:rPr lang="en-US" sz="4000" dirty="0">
+              <a:rPr kumimoji="0" lang="en-US" sz="6000" b="0" i="0" u="none" strike="noStrike" kern="1200" cap="none" spc="0" normalizeH="0" baseline="0" noProof="0" dirty="0">
+                <a:ln>
+                  <a:noFill/>
+                </a:ln>
                 <a:solidFill>
                   <a:srgbClr val="000000"/>
                 </a:solidFill>
+                <a:effectLst/>
+                <a:uLnTx/>
+                <a:uFillTx/>
                 <a:latin typeface="Consolas" panose="020B0609020204030204" pitchFamily="49" charset="0"/>
+                <a:ea typeface="+mn-ea"/>
+                <a:cs typeface="+mn-cs"/>
               </a:rPr>
               <a:t>    </a:t>
             </a:r>
             <a:r>
-              <a:rPr lang="en-US" sz="4000" dirty="0">
+              <a:rPr kumimoji="0" lang="en-US" sz="6000" b="0" i="0" u="none" strike="noStrike" kern="1200" cap="none" spc="0" normalizeH="0" baseline="0" noProof="0" dirty="0">
+                <a:ln>
+                  <a:noFill/>
+                </a:ln>
                 <a:solidFill>
                   <a:srgbClr val="800000"/>
                 </a:solidFill>
+                <a:effectLst/>
+                <a:uLnTx/>
+                <a:uFillTx/>
                 <a:latin typeface="Consolas" panose="020B0609020204030204" pitchFamily="49" charset="0"/>
+                <a:ea typeface="+mn-ea"/>
+                <a:cs typeface="+mn-cs"/>
               </a:rPr>
               <a:t>&lt;/body&gt;</a:t>
             </a:r>
-            <a:endParaRPr lang="en-US" sz="4000" dirty="0">
+            <a:endParaRPr kumimoji="0" lang="en-US" sz="6000" b="0" i="0" u="none" strike="noStrike" kern="1200" cap="none" spc="0" normalizeH="0" baseline="0" noProof="0" dirty="0">
+              <a:ln>
+                <a:noFill/>
+              </a:ln>
               <a:solidFill>
                 <a:srgbClr val="000000"/>
               </a:solidFill>
+              <a:effectLst/>
+              <a:uLnTx/>
+              <a:uFillTx/>
               <a:latin typeface="Consolas" panose="020B0609020204030204" pitchFamily="49" charset="0"/>
+              <a:ea typeface="+mn-ea"/>
+              <a:cs typeface="+mn-cs"/>
             </a:endParaRPr>
           </a:p>
           <a:p>
-            <a:pPr marL="57150" indent="0">
+            <a:pPr marL="57150" marR="0" lvl="0" indent="0" algn="l" defTabSz="914400" rtl="0" eaLnBrk="1" fontAlgn="auto" latinLnBrk="0" hangingPunct="1">
+              <a:lnSpc>
+                <a:spcPct val="100000"/>
+              </a:lnSpc>
+              <a:spcBef>
+                <a:spcPts val="0"/>
+              </a:spcBef>
+              <a:spcAft>
+                <a:spcPts val="1200"/>
+              </a:spcAft>
+              <a:buClr>
+                <a:srgbClr val="98989A"/>
+              </a:buClr>
+              <a:buSzTx/>
+              <a:buFont typeface="Wingdings" panose="05000000000000000000" pitchFamily="2" charset="2"/>
               <a:buNone/>
+              <a:tabLst/>
+              <a:defRPr/>
             </a:pPr>
             <a:r>
-              <a:rPr lang="en-US" sz="4000" dirty="0">
+              <a:rPr kumimoji="0" lang="en-US" sz="6000" b="0" i="0" u="none" strike="noStrike" kern="1200" cap="none" spc="0" normalizeH="0" baseline="0" noProof="0" dirty="0">
+                <a:ln>
+                  <a:noFill/>
+                </a:ln>
                 <a:solidFill>
                   <a:srgbClr val="800000"/>
                 </a:solidFill>
+                <a:effectLst/>
+                <a:uLnTx/>
+                <a:uFillTx/>
                 <a:latin typeface="Consolas" panose="020B0609020204030204" pitchFamily="49" charset="0"/>
+                <a:ea typeface="+mn-ea"/>
+                <a:cs typeface="+mn-cs"/>
               </a:rPr>
               <a:t>&lt;/html&gt;</a:t>
             </a:r>
-            <a:endParaRPr lang="en-US" sz="4000" dirty="0">
+            <a:endParaRPr kumimoji="0" lang="en-US" sz="6000" b="0" i="0" u="none" strike="noStrike" kern="1200" cap="none" spc="0" normalizeH="0" baseline="0" noProof="0" dirty="0">
+              <a:ln>
+                <a:noFill/>
+              </a:ln>
               <a:solidFill>
                 <a:srgbClr val="000000"/>
               </a:solidFill>
+              <a:effectLst/>
+              <a:uLnTx/>
+              <a:uFillTx/>
               <a:latin typeface="Consolas" panose="020B0609020204030204" pitchFamily="49" charset="0"/>
+              <a:ea typeface="+mn-ea"/>
+              <a:cs typeface="+mn-cs"/>
             </a:endParaRPr>
-          </a:p>
-          <a:p>
-            <a:pPr marL="57150" indent="0">
-              <a:buNone/>
-            </a:pPr>
-            <a:endParaRPr lang="en-US" dirty="0"/>
           </a:p>
         </p:txBody>
       </p:sp>
     </p:spTree>
     <p:extLst>
       <p:ext uri="{BB962C8B-B14F-4D97-AF65-F5344CB8AC3E}">
-        <p14:creationId xmlns:p14="http://schemas.microsoft.com/office/powerpoint/2010/main" val="565477031"/>
+        <p14:creationId xmlns:p14="http://schemas.microsoft.com/office/powerpoint/2010/main" val="1690693164"/>
       </p:ext>
     </p:extLst>
   </p:cSld>
@@ -37213,13 +39518,67 @@
   <p:transition>
     <p:fade/>
   </p:transition>
-  <p:timing>
-    <p:tnLst>
-      <p:par>
-        <p:cTn id="1" dur="indefinite" restart="never" nodeType="tmRoot"/>
-      </p:par>
-    </p:tnLst>
-  </p:timing>
+</p:sld>
+</file>
+
+<file path=ppt/slides/slide17.xml><?xml version="1.0" encoding="utf-8"?>
+<p:sld xmlns:a="http://schemas.openxmlformats.org/drawingml/2006/main" xmlns:r="http://schemas.openxmlformats.org/officeDocument/2006/relationships" xmlns:p="http://schemas.openxmlformats.org/presentationml/2006/main">
+  <p:cSld>
+    <p:spTree>
+      <p:nvGrpSpPr>
+        <p:cNvPr id="1" name=""/>
+        <p:cNvGrpSpPr/>
+        <p:nvPr/>
+      </p:nvGrpSpPr>
+      <p:grpSpPr>
+        <a:xfrm>
+          <a:off x="0" y="0"/>
+          <a:ext cx="0" cy="0"/>
+          <a:chOff x="0" y="0"/>
+          <a:chExt cx="0" cy="0"/>
+        </a:xfrm>
+      </p:grpSpPr>
+      <p:sp>
+        <p:nvSpPr>
+          <p:cNvPr id="2" name="Text Placeholder 1">
+            <a:extLst>
+              <a:ext uri="{FF2B5EF4-FFF2-40B4-BE49-F238E27FC236}">
+                <a16:creationId xmlns:a16="http://schemas.microsoft.com/office/drawing/2014/main" id="{487BCC7E-CA85-4132-8DBC-08DC81714C56}"/>
+              </a:ext>
+            </a:extLst>
+          </p:cNvPr>
+          <p:cNvSpPr>
+            <a:spLocks noGrp="1"/>
+          </p:cNvSpPr>
+          <p:nvPr>
+            <p:ph type="body" sz="quarter" idx="10"/>
+          </p:nvPr>
+        </p:nvSpPr>
+        <p:spPr/>
+        <p:txBody>
+          <a:bodyPr/>
+          <a:lstStyle/>
+          <a:p>
+            <a:r>
+              <a:rPr lang="en-US" dirty="0"/>
+              <a:t>Questions?</a:t>
+            </a:r>
+          </a:p>
+        </p:txBody>
+      </p:sp>
+    </p:spTree>
+    <p:extLst>
+      <p:ext uri="{BB962C8B-B14F-4D97-AF65-F5344CB8AC3E}">
+        <p14:creationId xmlns:p14="http://schemas.microsoft.com/office/powerpoint/2010/main" val="854613665"/>
+      </p:ext>
+    </p:extLst>
+  </p:cSld>
+  <p:clrMapOvr>
+    <a:masterClrMapping/>
+  </p:clrMapOvr>
+  <p:transition>
+    <p:fade/>
+  </p:transition>
 </p:sld>
 </file>
 
@@ -37256,10 +39615,9 @@
           <a:lstStyle/>
           <a:p>
             <a:r>
-              <a:rPr lang="en-US" dirty="0" smtClean="0"/>
+              <a:rPr lang="en-US" dirty="0"/>
               <a:t>Web Overview</a:t>
             </a:r>
-            <a:endParaRPr lang="en-US" dirty="0"/>
           </a:p>
         </p:txBody>
       </p:sp>
@@ -37305,7 +39663,170 @@
     </p:spTree>
     <p:extLst>
       <p:ext uri="{BB962C8B-B14F-4D97-AF65-F5344CB8AC3E}">
-        <p14:creationId xmlns:p14="http://schemas.microsoft.com/office/powerpoint/2010/main" val="3729235405"/>
+        <p14:creationId xmlns:p14="http://schemas.microsoft.com/office/powerpoint/2010/main" val="1009424703"/>
+      </p:ext>
+    </p:extLst>
+  </p:cSld>
+  <p:clrMapOvr>
+    <a:masterClrMapping/>
+  </p:clrMapOvr>
+  <p:transition>
+    <p:fade/>
+  </p:transition>
+</p:sld>
+</file>
+
+<file path=ppt/slides/slide3.xml><?xml version="1.0" encoding="utf-8"?>
+<p:sld xmlns:a="http://schemas.openxmlformats.org/drawingml/2006/main" xmlns:r="http://schemas.openxmlformats.org/officeDocument/2006/relationships" xmlns:p="http://schemas.openxmlformats.org/presentationml/2006/main">
+  <p:cSld>
+    <p:spTree>
+      <p:nvGrpSpPr>
+        <p:cNvPr id="1" name=""/>
+        <p:cNvGrpSpPr/>
+        <p:nvPr/>
+      </p:nvGrpSpPr>
+      <p:grpSpPr>
+        <a:xfrm>
+          <a:off x="0" y="0"/>
+          <a:ext cx="0" cy="0"/>
+          <a:chOff x="0" y="0"/>
+          <a:chExt cx="0" cy="0"/>
+        </a:xfrm>
+      </p:grpSpPr>
+      <p:sp>
+        <p:nvSpPr>
+          <p:cNvPr id="2" name="Title 1">
+            <a:extLst>
+              <a:ext uri="{FF2B5EF4-FFF2-40B4-BE49-F238E27FC236}">
+                <a16:creationId xmlns:a16="http://schemas.microsoft.com/office/drawing/2014/main" id="{46F886F7-B6EE-4C21-843C-1528FD0248F3}"/>
+              </a:ext>
+            </a:extLst>
+          </p:cNvPr>
+          <p:cNvSpPr>
+            <a:spLocks noGrp="1"/>
+          </p:cNvSpPr>
+          <p:nvPr>
+            <p:ph type="title"/>
+          </p:nvPr>
+        </p:nvSpPr>
+        <p:spPr/>
+        <p:txBody>
+          <a:bodyPr/>
+          <a:lstStyle/>
+          <a:p>
+            <a:r>
+              <a:rPr lang="en-US" dirty="0"/>
+              <a:t>What is a web browser?</a:t>
+            </a:r>
+          </a:p>
+        </p:txBody>
+      </p:sp>
+      <p:sp>
+        <p:nvSpPr>
+          <p:cNvPr id="4" name="Content Placeholder 3">
+            <a:extLst>
+              <a:ext uri="{FF2B5EF4-FFF2-40B4-BE49-F238E27FC236}">
+                <a16:creationId xmlns:a16="http://schemas.microsoft.com/office/drawing/2014/main" id="{D82BD408-1743-4375-8AFF-C8311A74CF35}"/>
+              </a:ext>
+            </a:extLst>
+          </p:cNvPr>
+          <p:cNvSpPr>
+            <a:spLocks noGrp="1"/>
+          </p:cNvSpPr>
+          <p:nvPr>
+            <p:ph idx="1"/>
+          </p:nvPr>
+        </p:nvSpPr>
+        <p:spPr>
+          <a:xfrm>
+            <a:off x="381000" y="1143000"/>
+            <a:ext cx="11430000" cy="2743200"/>
+          </a:xfrm>
+        </p:spPr>
+        <p:txBody>
+          <a:bodyPr/>
+          <a:lstStyle/>
+          <a:p>
+            <a:pPr marL="57150" indent="0">
+              <a:buNone/>
+            </a:pPr>
+            <a:r>
+              <a:rPr lang="en-US" sz="6000" dirty="0"/>
+              <a:t>A </a:t>
+            </a:r>
+            <a:r>
+              <a:rPr lang="en-US" sz="6000" b="1" dirty="0"/>
+              <a:t>web browser</a:t>
+            </a:r>
+            <a:r>
+              <a:rPr lang="en-US" sz="6000" dirty="0"/>
+              <a:t> is an application that is used to view websites.</a:t>
+            </a:r>
+          </a:p>
+          <a:p>
+            <a:pPr marL="57150" indent="0">
+              <a:buNone/>
+            </a:pPr>
+            <a:r>
+              <a:rPr lang="en-US" sz="4000" b="1" i="1" dirty="0">
+                <a:solidFill>
+                  <a:schemeClr val="accent2"/>
+                </a:solidFill>
+              </a:rPr>
+              <a:t>What are some examples of web browsers?</a:t>
+            </a:r>
+          </a:p>
+        </p:txBody>
+      </p:sp>
+      <p:pic>
+        <p:nvPicPr>
+          <p:cNvPr id="1028" name="Picture 4" descr="An Overview of Web Browser Forensics | Digital Forensics | Computer  Forensics | Blog">
+            <a:extLst>
+              <a:ext uri="{FF2B5EF4-FFF2-40B4-BE49-F238E27FC236}">
+                <a16:creationId xmlns:a16="http://schemas.microsoft.com/office/drawing/2014/main" id="{48455B15-20B5-4375-95A5-480FCA845AC6}"/>
+              </a:ext>
+            </a:extLst>
+          </p:cNvPr>
+          <p:cNvPicPr>
+            <a:picLocks noChangeAspect="1" noChangeArrowheads="1"/>
+          </p:cNvPicPr>
+          <p:nvPr/>
+        </p:nvPicPr>
+        <p:blipFill rotWithShape="1">
+          <a:blip r:embed="rId3">
+            <a:extLst>
+              <a:ext uri="{28A0092B-C50C-407E-A947-70E740481C1C}">
+                <a14:useLocalDpi xmlns:a14="http://schemas.microsoft.com/office/drawing/2010/main" val="0"/>
+              </a:ext>
+            </a:extLst>
+          </a:blip>
+          <a:srcRect t="9193"/>
+          <a:stretch/>
+        </p:blipFill>
+        <p:spPr bwMode="auto">
+          <a:xfrm>
+            <a:off x="1204420" y="3856383"/>
+            <a:ext cx="9783159" cy="3675647"/>
+          </a:xfrm>
+          <a:prstGeom prst="rect">
+            <a:avLst/>
+          </a:prstGeom>
+          <a:noFill/>
+          <a:extLst>
+            <a:ext uri="{909E8E84-426E-40DD-AFC4-6F175D3DCCD1}">
+              <a14:hiddenFill xmlns:a14="http://schemas.microsoft.com/office/drawing/2010/main">
+                <a:solidFill>
+                  <a:srgbClr val="FFFFFF"/>
+                </a:solidFill>
+              </a14:hiddenFill>
+            </a:ext>
+          </a:extLst>
+        </p:spPr>
+      </p:pic>
+    </p:spTree>
+    <p:extLst>
+      <p:ext uri="{BB962C8B-B14F-4D97-AF65-F5344CB8AC3E}">
+        <p14:creationId xmlns:p14="http://schemas.microsoft.com/office/powerpoint/2010/main" val="3503690666"/>
       </p:ext>
     </p:extLst>
   </p:cSld>
@@ -37318,14 +39839,212 @@
   <p:timing>
     <p:tnLst>
       <p:par>
-        <p:cTn id="1" dur="indefinite" restart="never" nodeType="tmRoot"/>
+        <p:cTn id="1" dur="indefinite" restart="never" nodeType="tmRoot">
+          <p:childTnLst>
+            <p:seq concurrent="1" nextAc="seek">
+              <p:cTn id="2" dur="indefinite" nodeType="mainSeq">
+                <p:childTnLst>
+                  <p:par>
+                    <p:cTn id="3" fill="hold">
+                      <p:stCondLst>
+                        <p:cond delay="indefinite"/>
+                      </p:stCondLst>
+                      <p:childTnLst>
+                        <p:par>
+                          <p:cTn id="4" fill="hold">
+                            <p:stCondLst>
+                              <p:cond delay="0"/>
+                            </p:stCondLst>
+                            <p:childTnLst>
+                              <p:par>
+                                <p:cTn id="5" presetID="10" presetClass="entr" presetSubtype="0" fill="hold" nodeType="clickEffect">
+                                  <p:stCondLst>
+                                    <p:cond delay="0"/>
+                                  </p:stCondLst>
+                                  <p:childTnLst>
+                                    <p:set>
+                                      <p:cBhvr>
+                                        <p:cTn id="6" dur="1" fill="hold">
+                                          <p:stCondLst>
+                                            <p:cond delay="0"/>
+                                          </p:stCondLst>
+                                        </p:cTn>
+                                        <p:tgtEl>
+                                          <p:spTgt spid="4">
+                                            <p:txEl>
+                                              <p:pRg st="0" end="0"/>
+                                            </p:txEl>
+                                          </p:spTgt>
+                                        </p:tgtEl>
+                                        <p:attrNameLst>
+                                          <p:attrName>style.visibility</p:attrName>
+                                        </p:attrNameLst>
+                                      </p:cBhvr>
+                                      <p:to>
+                                        <p:strVal val="visible"/>
+                                      </p:to>
+                                    </p:set>
+                                    <p:animEffect transition="in" filter="fade">
+                                      <p:cBhvr>
+                                        <p:cTn id="7" dur="500"/>
+                                        <p:tgtEl>
+                                          <p:spTgt spid="4">
+                                            <p:txEl>
+                                              <p:pRg st="0" end="0"/>
+                                            </p:txEl>
+                                          </p:spTgt>
+                                        </p:tgtEl>
+                                      </p:cBhvr>
+                                    </p:animEffect>
+                                  </p:childTnLst>
+                                </p:cTn>
+                              </p:par>
+                            </p:childTnLst>
+                          </p:cTn>
+                        </p:par>
+                      </p:childTnLst>
+                    </p:cTn>
+                  </p:par>
+                  <p:par>
+                    <p:cTn id="8" fill="hold">
+                      <p:stCondLst>
+                        <p:cond delay="indefinite"/>
+                      </p:stCondLst>
+                      <p:childTnLst>
+                        <p:par>
+                          <p:cTn id="9" fill="hold">
+                            <p:stCondLst>
+                              <p:cond delay="0"/>
+                            </p:stCondLst>
+                            <p:childTnLst>
+                              <p:par>
+                                <p:cTn id="10" presetID="10" presetClass="entr" presetSubtype="0" fill="hold" nodeType="clickEffect">
+                                  <p:stCondLst>
+                                    <p:cond delay="0"/>
+                                  </p:stCondLst>
+                                  <p:childTnLst>
+                                    <p:set>
+                                      <p:cBhvr>
+                                        <p:cTn id="11" dur="1" fill="hold">
+                                          <p:stCondLst>
+                                            <p:cond delay="0"/>
+                                          </p:stCondLst>
+                                        </p:cTn>
+                                        <p:tgtEl>
+                                          <p:spTgt spid="4">
+                                            <p:txEl>
+                                              <p:pRg st="1" end="1"/>
+                                            </p:txEl>
+                                          </p:spTgt>
+                                        </p:tgtEl>
+                                        <p:attrNameLst>
+                                          <p:attrName>style.visibility</p:attrName>
+                                        </p:attrNameLst>
+                                      </p:cBhvr>
+                                      <p:to>
+                                        <p:strVal val="visible"/>
+                                      </p:to>
+                                    </p:set>
+                                    <p:animEffect transition="in" filter="fade">
+                                      <p:cBhvr>
+                                        <p:cTn id="12" dur="500"/>
+                                        <p:tgtEl>
+                                          <p:spTgt spid="4">
+                                            <p:txEl>
+                                              <p:pRg st="1" end="1"/>
+                                            </p:txEl>
+                                          </p:spTgt>
+                                        </p:tgtEl>
+                                      </p:cBhvr>
+                                    </p:animEffect>
+                                  </p:childTnLst>
+                                </p:cTn>
+                              </p:par>
+                            </p:childTnLst>
+                          </p:cTn>
+                        </p:par>
+                      </p:childTnLst>
+                    </p:cTn>
+                  </p:par>
+                  <p:par>
+                    <p:cTn id="13" fill="hold">
+                      <p:stCondLst>
+                        <p:cond delay="indefinite"/>
+                      </p:stCondLst>
+                      <p:childTnLst>
+                        <p:par>
+                          <p:cTn id="14" fill="hold">
+                            <p:stCondLst>
+                              <p:cond delay="0"/>
+                            </p:stCondLst>
+                            <p:childTnLst>
+                              <p:par>
+                                <p:cTn id="15" presetID="10" presetClass="entr" presetSubtype="0" fill="hold" nodeType="clickEffect">
+                                  <p:stCondLst>
+                                    <p:cond delay="0"/>
+                                  </p:stCondLst>
+                                  <p:childTnLst>
+                                    <p:set>
+                                      <p:cBhvr>
+                                        <p:cTn id="16" dur="1" fill="hold">
+                                          <p:stCondLst>
+                                            <p:cond delay="0"/>
+                                          </p:stCondLst>
+                                        </p:cTn>
+                                        <p:tgtEl>
+                                          <p:spTgt spid="1028"/>
+                                        </p:tgtEl>
+                                        <p:attrNameLst>
+                                          <p:attrName>style.visibility</p:attrName>
+                                        </p:attrNameLst>
+                                      </p:cBhvr>
+                                      <p:to>
+                                        <p:strVal val="visible"/>
+                                      </p:to>
+                                    </p:set>
+                                    <p:animEffect transition="in" filter="fade">
+                                      <p:cBhvr>
+                                        <p:cTn id="17" dur="500"/>
+                                        <p:tgtEl>
+                                          <p:spTgt spid="1028"/>
+                                        </p:tgtEl>
+                                      </p:cBhvr>
+                                    </p:animEffect>
+                                  </p:childTnLst>
+                                </p:cTn>
+                              </p:par>
+                            </p:childTnLst>
+                          </p:cTn>
+                        </p:par>
+                      </p:childTnLst>
+                    </p:cTn>
+                  </p:par>
+                </p:childTnLst>
+              </p:cTn>
+              <p:prevCondLst>
+                <p:cond evt="onPrev" delay="0">
+                  <p:tgtEl>
+                    <p:sldTgt/>
+                  </p:tgtEl>
+                </p:cond>
+              </p:prevCondLst>
+              <p:nextCondLst>
+                <p:cond evt="onNext" delay="0">
+                  <p:tgtEl>
+                    <p:sldTgt/>
+                  </p:tgtEl>
+                </p:cond>
+              </p:nextCondLst>
+            </p:seq>
+          </p:childTnLst>
+        </p:cTn>
       </p:par>
     </p:tnLst>
   </p:timing>
 </p:sld>
 </file>
 
-<file path=ppt/slides/slide3.xml><?xml version="1.0" encoding="utf-8"?>
+<file path=ppt/slides/slide4.xml><?xml version="1.0" encoding="utf-8"?>
 <p:sld xmlns:a="http://schemas.openxmlformats.org/drawingml/2006/main" xmlns:r="http://schemas.openxmlformats.org/officeDocument/2006/relationships" xmlns:p="http://schemas.openxmlformats.org/presentationml/2006/main">
   <p:cSld>
     <p:spTree>
@@ -37358,10 +40077,9 @@
           <a:lstStyle/>
           <a:p>
             <a:r>
-              <a:rPr lang="en-US" dirty="0" smtClean="0"/>
+              <a:rPr lang="en-US" dirty="0"/>
               <a:t>How does the web work?</a:t>
             </a:r>
-            <a:endParaRPr lang="en-US" dirty="0"/>
           </a:p>
         </p:txBody>
       </p:sp>
@@ -37391,19 +40109,19 @@
               <a:buNone/>
             </a:pPr>
             <a:r>
-              <a:rPr lang="en-US" b="1" u="sng" dirty="0" smtClean="0"/>
+              <a:rPr lang="en-US" b="1" u="sng" dirty="0"/>
               <a:t>User</a:t>
             </a:r>
           </a:p>
           <a:p>
             <a:r>
-              <a:rPr lang="en-US" dirty="0" smtClean="0"/>
+              <a:rPr lang="en-US" dirty="0"/>
               <a:t>Type a URL into a web browser</a:t>
             </a:r>
           </a:p>
           <a:p>
             <a:r>
-              <a:rPr lang="en-US" dirty="0" smtClean="0"/>
+              <a:rPr lang="en-US" dirty="0"/>
               <a:t>See the content of a website</a:t>
             </a:r>
           </a:p>
@@ -37566,7 +40284,7 @@
                 <a:spcPts val="600"/>
               </a:spcAft>
             </a:pPr>
-            <a:endParaRPr lang="en-US" sz="2400" dirty="0" err="1" smtClean="0">
+            <a:endParaRPr lang="en-US" sz="2400" dirty="0" err="1">
               <a:gradFill>
                 <a:gsLst>
                   <a:gs pos="2917">
@@ -37585,7 +40303,7 @@
     </p:spTree>
     <p:extLst>
       <p:ext uri="{BB962C8B-B14F-4D97-AF65-F5344CB8AC3E}">
-        <p14:creationId xmlns:p14="http://schemas.microsoft.com/office/powerpoint/2010/main" val="2359480485"/>
+        <p14:creationId xmlns:p14="http://schemas.microsoft.com/office/powerpoint/2010/main" val="1164316127"/>
       </p:ext>
     </p:extLst>
   </p:cSld>
@@ -37737,7 +40455,7 @@
 </p:sld>
 </file>
 
-<file path=ppt/slides/slide4.xml><?xml version="1.0" encoding="utf-8"?>
+<file path=ppt/slides/slide5.xml><?xml version="1.0" encoding="utf-8"?>
 <p:sld xmlns:a="http://schemas.openxmlformats.org/drawingml/2006/main" xmlns:r="http://schemas.openxmlformats.org/officeDocument/2006/relationships" xmlns:p="http://schemas.openxmlformats.org/presentationml/2006/main">
   <p:cSld>
     <p:spTree>
@@ -37770,10 +40488,9 @@
           <a:lstStyle/>
           <a:p>
             <a:r>
-              <a:rPr lang="en-US" dirty="0" smtClean="0"/>
+              <a:rPr lang="en-US" dirty="0"/>
               <a:t>How does a browser use HTML?</a:t>
             </a:r>
-            <a:endParaRPr lang="en-US" dirty="0"/>
           </a:p>
         </p:txBody>
       </p:sp>
@@ -37798,8 +40515,8 @@
           <a:lstStyle/>
           <a:p>
             <a:r>
-              <a:rPr lang="en-US" dirty="0" smtClean="0"/>
-              <a:t>The browser gets HTML from the server and renders it as a webpage</a:t>
+              <a:rPr lang="en-US" dirty="0"/>
+              <a:t>The browser gets HTML from the server and turns it into a webpage</a:t>
             </a:r>
           </a:p>
         </p:txBody>
@@ -37886,7 +40603,7 @@
               </a:spcAft>
             </a:pPr>
             <a:r>
-              <a:rPr lang="en-US" sz="3600" b="1" dirty="0" smtClean="0">
+              <a:rPr lang="en-US" sz="3600" b="1" dirty="0">
                 <a:gradFill>
                   <a:gsLst>
                     <a:gs pos="0">
@@ -37903,21 +40620,6 @@
               </a:rPr>
               <a:t>Server</a:t>
             </a:r>
-            <a:endParaRPr lang="en-US" sz="3600" b="1" dirty="0" smtClean="0">
-              <a:gradFill>
-                <a:gsLst>
-                  <a:gs pos="0">
-                    <a:srgbClr val="FFFFFF"/>
-                  </a:gs>
-                  <a:gs pos="100000">
-                    <a:srgbClr val="FFFFFF"/>
-                  </a:gs>
-                </a:gsLst>
-                <a:lin ang="5400000" scaled="0"/>
-              </a:gradFill>
-              <a:ea typeface="Segoe UI" pitchFamily="34" charset="0"/>
-              <a:cs typeface="Segoe UI" pitchFamily="34" charset="0"/>
-            </a:endParaRPr>
           </a:p>
         </p:txBody>
       </p:sp>
@@ -37982,7 +40684,7 @@
                 <a:spcPct val="0"/>
               </a:spcAft>
             </a:pPr>
-            <a:endParaRPr lang="en-US" sz="2400" dirty="0" err="1" smtClean="0">
+            <a:endParaRPr lang="en-US" sz="2400" dirty="0" err="1">
               <a:gradFill>
                 <a:gsLst>
                   <a:gs pos="0">
@@ -38211,15 +40913,6 @@
             </a:endParaRPr>
           </a:p>
           <a:p>
-            <a:r>
-              <a:rPr lang="en-US" sz="1050" dirty="0">
-                <a:solidFill>
-                  <a:srgbClr val="D4D4D4"/>
-                </a:solidFill>
-                <a:latin typeface="Consolas" panose="020B0609020204030204" pitchFamily="49" charset="0"/>
-              </a:rPr>
-              <a:t/>
-            </a:r>
             <a:br>
               <a:rPr lang="en-US" sz="1050" dirty="0">
                 <a:solidFill>
@@ -38372,22 +41065,13 @@
               <a:t>p</a:t>
             </a:r>
             <a:r>
-              <a:rPr lang="en-US" sz="1050" dirty="0" smtClean="0">
+              <a:rPr lang="en-US" sz="1050" dirty="0">
                 <a:solidFill>
                   <a:srgbClr val="808080"/>
                 </a:solidFill>
                 <a:latin typeface="Consolas" panose="020B0609020204030204" pitchFamily="49" charset="0"/>
               </a:rPr>
               <a:t>&gt;</a:t>
-            </a:r>
-            <a:r>
-              <a:rPr lang="en-US" sz="1050" dirty="0">
-                <a:solidFill>
-                  <a:srgbClr val="D4D4D4"/>
-                </a:solidFill>
-                <a:latin typeface="Consolas" panose="020B0609020204030204" pitchFamily="49" charset="0"/>
-              </a:rPr>
-              <a:t/>
             </a:r>
             <a:br>
               <a:rPr lang="en-US" sz="1050" dirty="0">
@@ -38543,20 +41227,11 @@
             <a:r>
               <a:rPr lang="en-US" sz="1050" dirty="0">
                 <a:solidFill>
-                  <a:srgbClr val="D4D4D4"/>
-                </a:solidFill>
-                <a:latin typeface="Consolas" panose="020B0609020204030204" pitchFamily="49" charset="0"/>
-              </a:rPr>
-              <a:t> </a:t>
-            </a:r>
-            <a:r>
-              <a:rPr lang="en-US" sz="1050" dirty="0">
-                <a:solidFill>
                   <a:srgbClr val="808080"/>
                 </a:solidFill>
                 <a:latin typeface="Consolas" panose="020B0609020204030204" pitchFamily="49" charset="0"/>
               </a:rPr>
-              <a:t>/&gt;</a:t>
+              <a:t>&gt;</a:t>
             </a:r>
             <a:endParaRPr lang="en-US" sz="1050" dirty="0">
               <a:solidFill>
@@ -38904,7 +41579,7 @@
                 <a:spcPct val="0"/>
               </a:spcAft>
             </a:pPr>
-            <a:endParaRPr lang="en-US" sz="2400" dirty="0" err="1" smtClean="0">
+            <a:endParaRPr lang="en-US" sz="2400" dirty="0" err="1">
               <a:gradFill>
                 <a:gsLst>
                   <a:gs pos="0">
@@ -38949,7 +41624,7 @@
     </p:spTree>
     <p:extLst>
       <p:ext uri="{BB962C8B-B14F-4D97-AF65-F5344CB8AC3E}">
-        <p14:creationId xmlns:p14="http://schemas.microsoft.com/office/powerpoint/2010/main" val="1466082927"/>
+        <p14:creationId xmlns:p14="http://schemas.microsoft.com/office/powerpoint/2010/main" val="896005549"/>
       </p:ext>
     </p:extLst>
   </p:cSld>
@@ -39173,7 +41848,7 @@
 </p:sld>
 </file>
 
-<file path=ppt/slides/slide5.xml><?xml version="1.0" encoding="utf-8"?>
+<file path=ppt/slides/slide6.xml><?xml version="1.0" encoding="utf-8"?>
 <p:sld xmlns:a="http://schemas.openxmlformats.org/drawingml/2006/main" xmlns:r="http://schemas.openxmlformats.org/officeDocument/2006/relationships" xmlns:p="http://schemas.openxmlformats.org/presentationml/2006/main">
   <p:cSld>
     <p:spTree>
@@ -39211,10 +41886,9 @@
           <a:lstStyle/>
           <a:p>
             <a:r>
-              <a:rPr lang="en-US" dirty="0" smtClean="0"/>
+              <a:rPr lang="en-US" dirty="0"/>
               <a:t>HTML Introduction</a:t>
             </a:r>
-            <a:endParaRPr lang="en-US" dirty="0"/>
           </a:p>
         </p:txBody>
       </p:sp>
@@ -39262,7 +41936,7 @@
     </p:spTree>
     <p:extLst>
       <p:ext uri="{BB962C8B-B14F-4D97-AF65-F5344CB8AC3E}">
-        <p14:creationId xmlns:p14="http://schemas.microsoft.com/office/powerpoint/2010/main" val="1114395347"/>
+        <p14:creationId xmlns:p14="http://schemas.microsoft.com/office/powerpoint/2010/main" val="2059924180"/>
       </p:ext>
     </p:extLst>
   </p:cSld>
@@ -39272,473 +41946,6 @@
   <p:transition>
     <p:fade/>
   </p:transition>
-  <p:timing>
-    <p:tnLst>
-      <p:par>
-        <p:cTn id="1" dur="indefinite" restart="never" nodeType="tmRoot"/>
-      </p:par>
-    </p:tnLst>
-  </p:timing>
-</p:sld>
-</file>
-
-<file path=ppt/slides/slide6.xml><?xml version="1.0" encoding="utf-8"?>
-<p:sld xmlns:a="http://schemas.openxmlformats.org/drawingml/2006/main" xmlns:r="http://schemas.openxmlformats.org/officeDocument/2006/relationships" xmlns:p="http://schemas.openxmlformats.org/presentationml/2006/main">
-  <p:cSld>
-    <p:spTree>
-      <p:nvGrpSpPr>
-        <p:cNvPr id="1" name=""/>
-        <p:cNvGrpSpPr/>
-        <p:nvPr/>
-      </p:nvGrpSpPr>
-      <p:grpSpPr>
-        <a:xfrm>
-          <a:off x="0" y="0"/>
-          <a:ext cx="0" cy="0"/>
-          <a:chOff x="0" y="0"/>
-          <a:chExt cx="0" cy="0"/>
-        </a:xfrm>
-      </p:grpSpPr>
-      <p:sp>
-        <p:nvSpPr>
-          <p:cNvPr id="2" name="Title 1"/>
-          <p:cNvSpPr>
-            <a:spLocks noGrp="1"/>
-          </p:cNvSpPr>
-          <p:nvPr>
-            <p:ph type="title"/>
-          </p:nvPr>
-        </p:nvSpPr>
-        <p:spPr/>
-        <p:txBody>
-          <a:bodyPr/>
-          <a:lstStyle/>
-          <a:p>
-            <a:r>
-              <a:rPr lang="en-US" dirty="0" smtClean="0"/>
-              <a:t>HTML Introduction</a:t>
-            </a:r>
-            <a:endParaRPr lang="en-US" dirty="0"/>
-          </a:p>
-        </p:txBody>
-      </p:sp>
-      <p:sp>
-        <p:nvSpPr>
-          <p:cNvPr id="3" name="Content Placeholder 2"/>
-          <p:cNvSpPr>
-            <a:spLocks noGrp="1"/>
-          </p:cNvSpPr>
-          <p:nvPr>
-            <p:ph idx="1"/>
-          </p:nvPr>
-        </p:nvSpPr>
-        <p:spPr/>
-        <p:txBody>
-          <a:bodyPr/>
-          <a:lstStyle/>
-          <a:p>
-            <a:r>
-              <a:rPr lang="en-US" dirty="0" smtClean="0"/>
-              <a:t>An </a:t>
-            </a:r>
-            <a:r>
-              <a:rPr lang="en-US" b="1" dirty="0" smtClean="0"/>
-              <a:t>HTML Document </a:t>
-            </a:r>
-            <a:r>
-              <a:rPr lang="en-US" dirty="0" smtClean="0"/>
-              <a:t>is a text file with a specific format</a:t>
-            </a:r>
-          </a:p>
-          <a:p>
-            <a:pPr lvl="1"/>
-            <a:r>
-              <a:rPr lang="en-US" dirty="0" smtClean="0"/>
-              <a:t>The file extension should be </a:t>
-            </a:r>
-            <a:r>
-              <a:rPr lang="en-US" b="1" dirty="0" smtClean="0"/>
-              <a:t>.html</a:t>
-            </a:r>
-            <a:r>
-              <a:rPr lang="en-US" dirty="0" smtClean="0"/>
-              <a:t> (e.g., </a:t>
-            </a:r>
-            <a:r>
-              <a:rPr lang="en-US" b="1" dirty="0" smtClean="0"/>
-              <a:t>index.html</a:t>
-            </a:r>
-            <a:r>
-              <a:rPr lang="en-US" dirty="0" smtClean="0"/>
-              <a:t>)</a:t>
-            </a:r>
-          </a:p>
-          <a:p>
-            <a:pPr lvl="1"/>
-            <a:endParaRPr lang="en-US" dirty="0" smtClean="0"/>
-          </a:p>
-          <a:p>
-            <a:pPr lvl="1"/>
-            <a:endParaRPr lang="en-US" dirty="0" smtClean="0"/>
-          </a:p>
-          <a:p>
-            <a:r>
-              <a:rPr lang="en-US" dirty="0" smtClean="0"/>
-              <a:t>HTML is made up of </a:t>
-            </a:r>
-            <a:r>
-              <a:rPr lang="en-US" b="1" dirty="0" smtClean="0"/>
-              <a:t>elements</a:t>
-            </a:r>
-            <a:r>
-              <a:rPr lang="en-US" dirty="0" smtClean="0"/>
-              <a:t>, each with a different purpose</a:t>
-            </a:r>
-          </a:p>
-          <a:p>
-            <a:pPr lvl="1"/>
-            <a:r>
-              <a:rPr lang="en-US" dirty="0" smtClean="0"/>
-              <a:t>E.g., images, text, tables, links, and so on!</a:t>
-            </a:r>
-          </a:p>
-          <a:p>
-            <a:pPr lvl="1"/>
-            <a:endParaRPr lang="en-US" dirty="0" smtClean="0"/>
-          </a:p>
-          <a:p>
-            <a:endParaRPr lang="en-US" dirty="0"/>
-          </a:p>
-          <a:p>
-            <a:r>
-              <a:rPr lang="en-US" dirty="0" smtClean="0"/>
-              <a:t>The HTML file must be formatted in a particular way – using </a:t>
-            </a:r>
-            <a:r>
-              <a:rPr lang="en-US" b="1" dirty="0" smtClean="0"/>
-              <a:t>tags</a:t>
-            </a:r>
-          </a:p>
-          <a:p>
-            <a:endParaRPr lang="en-US" dirty="0"/>
-          </a:p>
-        </p:txBody>
-      </p:sp>
-    </p:spTree>
-    <p:extLst>
-      <p:ext uri="{BB962C8B-B14F-4D97-AF65-F5344CB8AC3E}">
-        <p14:creationId xmlns:p14="http://schemas.microsoft.com/office/powerpoint/2010/main" val="2488801181"/>
-      </p:ext>
-    </p:extLst>
-  </p:cSld>
-  <p:clrMapOvr>
-    <a:masterClrMapping/>
-  </p:clrMapOvr>
-  <p:transition>
-    <p:fade/>
-  </p:transition>
-  <p:timing>
-    <p:tnLst>
-      <p:par>
-        <p:cTn id="1" dur="indefinite" restart="never" nodeType="tmRoot">
-          <p:childTnLst>
-            <p:seq concurrent="1" nextAc="seek">
-              <p:cTn id="2" dur="indefinite" nodeType="mainSeq">
-                <p:childTnLst>
-                  <p:par>
-                    <p:cTn id="3" fill="hold">
-                      <p:stCondLst>
-                        <p:cond delay="indefinite"/>
-                      </p:stCondLst>
-                      <p:childTnLst>
-                        <p:par>
-                          <p:cTn id="4" fill="hold">
-                            <p:stCondLst>
-                              <p:cond delay="0"/>
-                            </p:stCondLst>
-                            <p:childTnLst>
-                              <p:par>
-                                <p:cTn id="5" presetID="10" presetClass="entr" presetSubtype="0" fill="hold" grpId="0" nodeType="clickEffect">
-                                  <p:stCondLst>
-                                    <p:cond delay="0"/>
-                                  </p:stCondLst>
-                                  <p:childTnLst>
-                                    <p:set>
-                                      <p:cBhvr>
-                                        <p:cTn id="6" dur="1" fill="hold">
-                                          <p:stCondLst>
-                                            <p:cond delay="0"/>
-                                          </p:stCondLst>
-                                        </p:cTn>
-                                        <p:tgtEl>
-                                          <p:spTgt spid="3">
-                                            <p:txEl>
-                                              <p:pRg st="0" end="0"/>
-                                            </p:txEl>
-                                          </p:spTgt>
-                                        </p:tgtEl>
-                                        <p:attrNameLst>
-                                          <p:attrName>style.visibility</p:attrName>
-                                        </p:attrNameLst>
-                                      </p:cBhvr>
-                                      <p:to>
-                                        <p:strVal val="visible"/>
-                                      </p:to>
-                                    </p:set>
-                                    <p:animEffect transition="in" filter="fade">
-                                      <p:cBhvr>
-                                        <p:cTn id="7" dur="500"/>
-                                        <p:tgtEl>
-                                          <p:spTgt spid="3">
-                                            <p:txEl>
-                                              <p:pRg st="0" end="0"/>
-                                            </p:txEl>
-                                          </p:spTgt>
-                                        </p:tgtEl>
-                                      </p:cBhvr>
-                                    </p:animEffect>
-                                  </p:childTnLst>
-                                </p:cTn>
-                              </p:par>
-                              <p:par>
-                                <p:cTn id="8" presetID="10" presetClass="entr" presetSubtype="0" fill="hold" grpId="0" nodeType="withEffect">
-                                  <p:stCondLst>
-                                    <p:cond delay="0"/>
-                                  </p:stCondLst>
-                                  <p:childTnLst>
-                                    <p:set>
-                                      <p:cBhvr>
-                                        <p:cTn id="9" dur="1" fill="hold">
-                                          <p:stCondLst>
-                                            <p:cond delay="0"/>
-                                          </p:stCondLst>
-                                        </p:cTn>
-                                        <p:tgtEl>
-                                          <p:spTgt spid="3">
-                                            <p:txEl>
-                                              <p:pRg st="1" end="1"/>
-                                            </p:txEl>
-                                          </p:spTgt>
-                                        </p:tgtEl>
-                                        <p:attrNameLst>
-                                          <p:attrName>style.visibility</p:attrName>
-                                        </p:attrNameLst>
-                                      </p:cBhvr>
-                                      <p:to>
-                                        <p:strVal val="visible"/>
-                                      </p:to>
-                                    </p:set>
-                                    <p:animEffect transition="in" filter="fade">
-                                      <p:cBhvr>
-                                        <p:cTn id="10" dur="500"/>
-                                        <p:tgtEl>
-                                          <p:spTgt spid="3">
-                                            <p:txEl>
-                                              <p:pRg st="1" end="1"/>
-                                            </p:txEl>
-                                          </p:spTgt>
-                                        </p:tgtEl>
-                                      </p:cBhvr>
-                                    </p:animEffect>
-                                  </p:childTnLst>
-                                </p:cTn>
-                              </p:par>
-                            </p:childTnLst>
-                          </p:cTn>
-                        </p:par>
-                      </p:childTnLst>
-                    </p:cTn>
-                  </p:par>
-                  <p:par>
-                    <p:cTn id="11" fill="hold">
-                      <p:stCondLst>
-                        <p:cond delay="indefinite"/>
-                      </p:stCondLst>
-                      <p:childTnLst>
-                        <p:par>
-                          <p:cTn id="12" fill="hold">
-                            <p:stCondLst>
-                              <p:cond delay="0"/>
-                            </p:stCondLst>
-                            <p:childTnLst>
-                              <p:par>
-                                <p:cTn id="13" presetID="10" presetClass="entr" presetSubtype="0" fill="hold" grpId="0" nodeType="clickEffect">
-                                  <p:stCondLst>
-                                    <p:cond delay="0"/>
-                                  </p:stCondLst>
-                                  <p:childTnLst>
-                                    <p:set>
-                                      <p:cBhvr>
-                                        <p:cTn id="14" dur="1" fill="hold">
-                                          <p:stCondLst>
-                                            <p:cond delay="0"/>
-                                          </p:stCondLst>
-                                        </p:cTn>
-                                        <p:tgtEl>
-                                          <p:spTgt spid="3">
-                                            <p:txEl>
-                                              <p:pRg st="4" end="4"/>
-                                            </p:txEl>
-                                          </p:spTgt>
-                                        </p:tgtEl>
-                                        <p:attrNameLst>
-                                          <p:attrName>style.visibility</p:attrName>
-                                        </p:attrNameLst>
-                                      </p:cBhvr>
-                                      <p:to>
-                                        <p:strVal val="visible"/>
-                                      </p:to>
-                                    </p:set>
-                                    <p:animEffect transition="in" filter="fade">
-                                      <p:cBhvr>
-                                        <p:cTn id="15" dur="500"/>
-                                        <p:tgtEl>
-                                          <p:spTgt spid="3">
-                                            <p:txEl>
-                                              <p:pRg st="4" end="4"/>
-                                            </p:txEl>
-                                          </p:spTgt>
-                                        </p:tgtEl>
-                                      </p:cBhvr>
-                                    </p:animEffect>
-                                  </p:childTnLst>
-                                </p:cTn>
-                              </p:par>
-                              <p:par>
-                                <p:cTn id="16" presetID="10" presetClass="entr" presetSubtype="0" fill="hold" grpId="0" nodeType="withEffect">
-                                  <p:stCondLst>
-                                    <p:cond delay="0"/>
-                                  </p:stCondLst>
-                                  <p:childTnLst>
-                                    <p:set>
-                                      <p:cBhvr>
-                                        <p:cTn id="17" dur="1" fill="hold">
-                                          <p:stCondLst>
-                                            <p:cond delay="0"/>
-                                          </p:stCondLst>
-                                        </p:cTn>
-                                        <p:tgtEl>
-                                          <p:spTgt spid="3">
-                                            <p:txEl>
-                                              <p:pRg st="5" end="5"/>
-                                            </p:txEl>
-                                          </p:spTgt>
-                                        </p:tgtEl>
-                                        <p:attrNameLst>
-                                          <p:attrName>style.visibility</p:attrName>
-                                        </p:attrNameLst>
-                                      </p:cBhvr>
-                                      <p:to>
-                                        <p:strVal val="visible"/>
-                                      </p:to>
-                                    </p:set>
-                                    <p:animEffect transition="in" filter="fade">
-                                      <p:cBhvr>
-                                        <p:cTn id="18" dur="500"/>
-                                        <p:tgtEl>
-                                          <p:spTgt spid="3">
-                                            <p:txEl>
-                                              <p:pRg st="5" end="5"/>
-                                            </p:txEl>
-                                          </p:spTgt>
-                                        </p:tgtEl>
-                                      </p:cBhvr>
-                                    </p:animEffect>
-                                  </p:childTnLst>
-                                </p:cTn>
-                              </p:par>
-                            </p:childTnLst>
-                          </p:cTn>
-                        </p:par>
-                      </p:childTnLst>
-                    </p:cTn>
-                  </p:par>
-                  <p:par>
-                    <p:cTn id="19" fill="hold">
-                      <p:stCondLst>
-                        <p:cond delay="indefinite"/>
-                      </p:stCondLst>
-                      <p:childTnLst>
-                        <p:par>
-                          <p:cTn id="20" fill="hold">
-                            <p:stCondLst>
-                              <p:cond delay="0"/>
-                            </p:stCondLst>
-                            <p:childTnLst>
-                              <p:par>
-                                <p:cTn id="21" presetID="10" presetClass="entr" presetSubtype="0" fill="hold" grpId="0" nodeType="clickEffect">
-                                  <p:stCondLst>
-                                    <p:cond delay="0"/>
-                                  </p:stCondLst>
-                                  <p:childTnLst>
-                                    <p:set>
-                                      <p:cBhvr>
-                                        <p:cTn id="22" dur="1" fill="hold">
-                                          <p:stCondLst>
-                                            <p:cond delay="0"/>
-                                          </p:stCondLst>
-                                        </p:cTn>
-                                        <p:tgtEl>
-                                          <p:spTgt spid="3">
-                                            <p:txEl>
-                                              <p:pRg st="8" end="8"/>
-                                            </p:txEl>
-                                          </p:spTgt>
-                                        </p:tgtEl>
-                                        <p:attrNameLst>
-                                          <p:attrName>style.visibility</p:attrName>
-                                        </p:attrNameLst>
-                                      </p:cBhvr>
-                                      <p:to>
-                                        <p:strVal val="visible"/>
-                                      </p:to>
-                                    </p:set>
-                                    <p:animEffect transition="in" filter="fade">
-                                      <p:cBhvr>
-                                        <p:cTn id="23" dur="500"/>
-                                        <p:tgtEl>
-                                          <p:spTgt spid="3">
-                                            <p:txEl>
-                                              <p:pRg st="8" end="8"/>
-                                            </p:txEl>
-                                          </p:spTgt>
-                                        </p:tgtEl>
-                                      </p:cBhvr>
-                                    </p:animEffect>
-                                  </p:childTnLst>
-                                </p:cTn>
-                              </p:par>
-                            </p:childTnLst>
-                          </p:cTn>
-                        </p:par>
-                      </p:childTnLst>
-                    </p:cTn>
-                  </p:par>
-                </p:childTnLst>
-              </p:cTn>
-              <p:prevCondLst>
-                <p:cond evt="onPrev" delay="0">
-                  <p:tgtEl>
-                    <p:sldTgt/>
-                  </p:tgtEl>
-                </p:cond>
-              </p:prevCondLst>
-              <p:nextCondLst>
-                <p:cond evt="onNext" delay="0">
-                  <p:tgtEl>
-                    <p:sldTgt/>
-                  </p:tgtEl>
-                </p:cond>
-              </p:nextCondLst>
-            </p:seq>
-          </p:childTnLst>
-        </p:cTn>
-      </p:par>
-    </p:tnLst>
-    <p:bldLst>
-      <p:bldP spid="3" grpId="0" build="p"/>
-    </p:bldLst>
-  </p:timing>
 </p:sld>
 </file>
 
@@ -39775,10 +41982,9 @@
           <a:lstStyle/>
           <a:p>
             <a:r>
-              <a:rPr lang="en-US" dirty="0" smtClean="0"/>
-              <a:t>HTML Tags</a:t>
+              <a:rPr lang="en-US" dirty="0"/>
+              <a:t>HTML Introduction</a:t>
             </a:r>
-            <a:endParaRPr lang="en-US" dirty="0"/>
           </a:p>
         </p:txBody>
       </p:sp>
@@ -39792,113 +41998,152 @@
             <p:ph idx="1"/>
           </p:nvPr>
         </p:nvSpPr>
-        <p:spPr/>
+        <p:spPr>
+          <a:xfrm>
+            <a:off x="381000" y="1143000"/>
+            <a:ext cx="11430000" cy="3314700"/>
+          </a:xfrm>
+        </p:spPr>
         <p:txBody>
-          <a:bodyPr/>
+          <a:bodyPr>
+            <a:normAutofit/>
+          </a:bodyPr>
           <a:lstStyle/>
           <a:p>
             <a:r>
-              <a:rPr lang="en-US" b="1" dirty="0" smtClean="0"/>
-              <a:t>HTML Tags</a:t>
+              <a:rPr lang="en-US" sz="3500" dirty="0"/>
+              <a:t>An </a:t>
             </a:r>
             <a:r>
-              <a:rPr lang="en-US" dirty="0" smtClean="0"/>
-              <a:t> typically consist of an </a:t>
+              <a:rPr lang="en-US" sz="3500" b="1" dirty="0"/>
+              <a:t>HTML Document </a:t>
             </a:r>
             <a:r>
-              <a:rPr lang="en-US" i="1" dirty="0" smtClean="0"/>
-              <a:t>opening</a:t>
-            </a:r>
-            <a:r>
-              <a:rPr lang="en-US" dirty="0" smtClean="0"/>
-              <a:t> and a </a:t>
-            </a:r>
-            <a:r>
-              <a:rPr lang="en-US" i="1" dirty="0" smtClean="0"/>
-              <a:t>closing</a:t>
-            </a:r>
-            <a:r>
-              <a:rPr lang="en-US" b="1" i="1" dirty="0" smtClean="0"/>
-              <a:t> </a:t>
-            </a:r>
-            <a:r>
-              <a:rPr lang="en-US" dirty="0" smtClean="0"/>
-              <a:t>tag:</a:t>
+              <a:rPr lang="en-US" sz="3500" dirty="0"/>
+              <a:t>is a text file with a specific format</a:t>
             </a:r>
           </a:p>
           <a:p>
             <a:pPr lvl="1"/>
             <a:r>
-              <a:rPr lang="en-US" sz="3600" dirty="0">
-                <a:solidFill>
-                  <a:srgbClr val="E95EBE"/>
-                </a:solidFill>
-                <a:latin typeface="Consolas" panose="020B0609020204030204" pitchFamily="49" charset="0"/>
-              </a:rPr>
-              <a:t>&lt;tag&gt;</a:t>
+              <a:rPr lang="en-US" sz="3000" dirty="0"/>
+              <a:t>The file extension should be </a:t>
             </a:r>
             <a:r>
-              <a:rPr lang="en-US" sz="3600" dirty="0">
-                <a:latin typeface="Consolas" panose="020B0609020204030204" pitchFamily="49" charset="0"/>
+              <a:rPr lang="en-US" sz="3000" b="1" dirty="0">
+                <a:solidFill>
+                  <a:schemeClr val="accent2"/>
+                </a:solidFill>
               </a:rPr>
-              <a:t>content</a:t>
+              <a:t>.html</a:t>
             </a:r>
             <a:r>
-              <a:rPr lang="en-US" sz="3600" dirty="0">
-                <a:solidFill>
-                  <a:srgbClr val="E95EBE"/>
-                </a:solidFill>
-                <a:latin typeface="Consolas" panose="020B0609020204030204" pitchFamily="49" charset="0"/>
-              </a:rPr>
-              <a:t>&lt;/tag</a:t>
+              <a:rPr lang="en-US" sz="3000" dirty="0"/>
+              <a:t> (e.g., </a:t>
             </a:r>
             <a:r>
-              <a:rPr lang="en-US" sz="3600" dirty="0" smtClean="0">
+              <a:rPr lang="en-US" sz="3000" b="1" dirty="0">
                 <a:solidFill>
-                  <a:srgbClr val="E95EBE"/>
+                  <a:schemeClr val="accent2"/>
                 </a:solidFill>
-                <a:latin typeface="Consolas" panose="020B0609020204030204" pitchFamily="49" charset="0"/>
               </a:rPr>
-              <a:t>&gt;</a:t>
-            </a:r>
-          </a:p>
-          <a:p>
-            <a:endParaRPr lang="en-US" dirty="0">
-              <a:solidFill>
-                <a:srgbClr val="E95EBE"/>
-              </a:solidFill>
-            </a:endParaRPr>
-          </a:p>
-          <a:p>
-            <a:r>
-              <a:rPr lang="en-US" dirty="0" smtClean="0"/>
-              <a:t>The formatting is very important – make sure each tag has the proper less-than and greater-than symbols (called </a:t>
+              <a:t>index.html</a:t>
             </a:r>
             <a:r>
-              <a:rPr lang="en-US" i="1" dirty="0" smtClean="0"/>
-              <a:t>angle brackets</a:t>
-            </a:r>
-            <a:r>
-              <a:rPr lang="en-US" dirty="0" smtClean="0"/>
+              <a:rPr lang="en-US" sz="3000" dirty="0"/>
               <a:t>)</a:t>
             </a:r>
           </a:p>
           <a:p>
-            <a:endParaRPr lang="en-US" dirty="0"/>
+            <a:pPr marL="457200" lvl="1" indent="0">
+              <a:buNone/>
+            </a:pPr>
+            <a:endParaRPr lang="en-US" sz="3000" dirty="0"/>
           </a:p>
           <a:p>
             <a:r>
-              <a:rPr lang="en-US" dirty="0" smtClean="0"/>
-              <a:t>Whitespace does not matter, but indenting tags properly makes the code much easier to read</a:t>
+              <a:rPr lang="en-US" sz="3500" dirty="0"/>
+              <a:t>HTML has </a:t>
             </a:r>
-            <a:endParaRPr lang="en-US" dirty="0"/>
+            <a:r>
+              <a:rPr lang="en-US" sz="3500" b="1" dirty="0"/>
+              <a:t>elements</a:t>
+            </a:r>
+            <a:r>
+              <a:rPr lang="en-US" sz="3500" dirty="0"/>
+              <a:t>, each with a different purpose</a:t>
+            </a:r>
+          </a:p>
+          <a:p>
+            <a:pPr lvl="1"/>
+            <a:r>
+              <a:rPr lang="en-US" sz="3000" dirty="0"/>
+              <a:t>E.g., images, text, tables, links, and so on!</a:t>
+            </a:r>
           </a:p>
         </p:txBody>
       </p:sp>
+      <p:pic>
+        <p:nvPicPr>
+          <p:cNvPr id="2052" name="Picture 4" descr="Periodic table - Wikipedia">
+            <a:extLst>
+              <a:ext uri="{FF2B5EF4-FFF2-40B4-BE49-F238E27FC236}">
+                <a16:creationId xmlns:a16="http://schemas.microsoft.com/office/drawing/2014/main" id="{2DF01B77-D78A-424B-835B-BD855F79CF11}"/>
+              </a:ext>
+            </a:extLst>
+          </p:cNvPr>
+          <p:cNvPicPr>
+            <a:picLocks noChangeAspect="1" noChangeArrowheads="1"/>
+          </p:cNvPicPr>
+          <p:nvPr/>
+        </p:nvPicPr>
+        <p:blipFill>
+          <a:blip r:embed="rId3">
+            <a:clrChange>
+              <a:clrFrom>
+                <a:srgbClr val="FFFFFF"/>
+              </a:clrFrom>
+              <a:clrTo>
+                <a:srgbClr val="FFFFFF">
+                  <a:alpha val="0"/>
+                </a:srgbClr>
+              </a:clrTo>
+            </a:clrChange>
+            <a:extLst>
+              <a:ext uri="{28A0092B-C50C-407E-A947-70E740481C1C}">
+                <a14:useLocalDpi xmlns:a14="http://schemas.microsoft.com/office/drawing/2010/main" val="0"/>
+              </a:ext>
+            </a:extLst>
+          </a:blip>
+          <a:srcRect/>
+          <a:stretch>
+            <a:fillRect/>
+          </a:stretch>
+        </p:blipFill>
+        <p:spPr bwMode="auto">
+          <a:xfrm>
+            <a:off x="1784851" y="4178455"/>
+            <a:ext cx="8622297" cy="2679545"/>
+          </a:xfrm>
+          <a:prstGeom prst="rect">
+            <a:avLst/>
+          </a:prstGeom>
+          <a:noFill/>
+          <a:extLst>
+            <a:ext uri="{909E8E84-426E-40DD-AFC4-6F175D3DCCD1}">
+              <a14:hiddenFill xmlns:a14="http://schemas.microsoft.com/office/drawing/2010/main">
+                <a:solidFill>
+                  <a:srgbClr val="FFFFFF"/>
+                </a:solidFill>
+              </a14:hiddenFill>
+            </a:ext>
+          </a:extLst>
+        </p:spPr>
+      </p:pic>
     </p:spTree>
     <p:extLst>
       <p:ext uri="{BB962C8B-B14F-4D97-AF65-F5344CB8AC3E}">
-        <p14:creationId xmlns:p14="http://schemas.microsoft.com/office/powerpoint/2010/main" val="1547577602"/>
+        <p14:creationId xmlns:p14="http://schemas.microsoft.com/office/powerpoint/2010/main" val="1126075648"/>
       </p:ext>
     </p:extLst>
   </p:cSld>
@@ -40075,33 +42320,15 @@
                                   </p:childTnLst>
                                 </p:cTn>
                               </p:par>
-                            </p:childTnLst>
-                          </p:cTn>
-                        </p:par>
-                      </p:childTnLst>
-                    </p:cTn>
-                  </p:par>
-                  <p:par>
-                    <p:cTn id="16" fill="hold">
-                      <p:stCondLst>
-                        <p:cond delay="indefinite"/>
-                      </p:stCondLst>
-                      <p:childTnLst>
-                        <p:par>
-                          <p:cTn id="17" fill="hold">
-                            <p:stCondLst>
-                              <p:cond delay="0"/>
-                            </p:stCondLst>
-                            <p:childTnLst>
                               <p:par>
-                                <p:cTn id="18" presetID="10" presetClass="entr" presetSubtype="0" fill="hold" grpId="0" nodeType="clickEffect">
+                                <p:cTn id="16" presetID="10" presetClass="entr" presetSubtype="0" fill="hold" grpId="0" nodeType="withEffect">
                                   <p:stCondLst>
                                     <p:cond delay="0"/>
                                   </p:stCondLst>
                                   <p:childTnLst>
                                     <p:set>
                                       <p:cBhvr>
-                                        <p:cTn id="19" dur="1" fill="hold">
+                                        <p:cTn id="17" dur="1" fill="hold">
                                           <p:stCondLst>
                                             <p:cond delay="0"/>
                                           </p:stCondLst>
@@ -40109,7 +42336,7 @@
                                         <p:tgtEl>
                                           <p:spTgt spid="3">
                                             <p:txEl>
-                                              <p:pRg st="5" end="5"/>
+                                              <p:pRg st="4" end="4"/>
                                             </p:txEl>
                                           </p:spTgt>
                                         </p:tgtEl>
@@ -40123,11 +42350,447 @@
                                     </p:set>
                                     <p:animEffect transition="in" filter="fade">
                                       <p:cBhvr>
-                                        <p:cTn id="20" dur="500"/>
+                                        <p:cTn id="18" dur="500"/>
                                         <p:tgtEl>
                                           <p:spTgt spid="3">
                                             <p:txEl>
-                                              <p:pRg st="5" end="5"/>
+                                              <p:pRg st="4" end="4"/>
+                                            </p:txEl>
+                                          </p:spTgt>
+                                        </p:tgtEl>
+                                      </p:cBhvr>
+                                    </p:animEffect>
+                                  </p:childTnLst>
+                                </p:cTn>
+                              </p:par>
+                              <p:par>
+                                <p:cTn id="19" presetID="10" presetClass="entr" presetSubtype="0" fill="hold" nodeType="withEffect">
+                                  <p:stCondLst>
+                                    <p:cond delay="0"/>
+                                  </p:stCondLst>
+                                  <p:childTnLst>
+                                    <p:set>
+                                      <p:cBhvr>
+                                        <p:cTn id="20" dur="1" fill="hold">
+                                          <p:stCondLst>
+                                            <p:cond delay="0"/>
+                                          </p:stCondLst>
+                                        </p:cTn>
+                                        <p:tgtEl>
+                                          <p:spTgt spid="2052"/>
+                                        </p:tgtEl>
+                                        <p:attrNameLst>
+                                          <p:attrName>style.visibility</p:attrName>
+                                        </p:attrNameLst>
+                                      </p:cBhvr>
+                                      <p:to>
+                                        <p:strVal val="visible"/>
+                                      </p:to>
+                                    </p:set>
+                                    <p:animEffect transition="in" filter="fade">
+                                      <p:cBhvr>
+                                        <p:cTn id="21" dur="500"/>
+                                        <p:tgtEl>
+                                          <p:spTgt spid="2052"/>
+                                        </p:tgtEl>
+                                      </p:cBhvr>
+                                    </p:animEffect>
+                                  </p:childTnLst>
+                                </p:cTn>
+                              </p:par>
+                            </p:childTnLst>
+                          </p:cTn>
+                        </p:par>
+                      </p:childTnLst>
+                    </p:cTn>
+                  </p:par>
+                </p:childTnLst>
+              </p:cTn>
+              <p:prevCondLst>
+                <p:cond evt="onPrev" delay="0">
+                  <p:tgtEl>
+                    <p:sldTgt/>
+                  </p:tgtEl>
+                </p:cond>
+              </p:prevCondLst>
+              <p:nextCondLst>
+                <p:cond evt="onNext" delay="0">
+                  <p:tgtEl>
+                    <p:sldTgt/>
+                  </p:tgtEl>
+                </p:cond>
+              </p:nextCondLst>
+            </p:seq>
+          </p:childTnLst>
+        </p:cTn>
+      </p:par>
+    </p:tnLst>
+    <p:bldLst>
+      <p:bldP spid="3" grpId="0" uiExpand="1" build="p"/>
+    </p:bldLst>
+  </p:timing>
+</p:sld>
+</file>
+
+<file path=ppt/slides/slide8.xml><?xml version="1.0" encoding="utf-8"?>
+<p:sld xmlns:a="http://schemas.openxmlformats.org/drawingml/2006/main" xmlns:r="http://schemas.openxmlformats.org/officeDocument/2006/relationships" xmlns:p="http://schemas.openxmlformats.org/presentationml/2006/main">
+  <p:cSld>
+    <p:spTree>
+      <p:nvGrpSpPr>
+        <p:cNvPr id="1" name=""/>
+        <p:cNvGrpSpPr/>
+        <p:nvPr/>
+      </p:nvGrpSpPr>
+      <p:grpSpPr>
+        <a:xfrm>
+          <a:off x="0" y="0"/>
+          <a:ext cx="0" cy="0"/>
+          <a:chOff x="0" y="0"/>
+          <a:chExt cx="0" cy="0"/>
+        </a:xfrm>
+      </p:grpSpPr>
+      <p:sp>
+        <p:nvSpPr>
+          <p:cNvPr id="2" name="Title 1">
+            <a:extLst>
+              <a:ext uri="{FF2B5EF4-FFF2-40B4-BE49-F238E27FC236}">
+                <a16:creationId xmlns:a16="http://schemas.microsoft.com/office/drawing/2014/main" id="{2DCD5728-5DCE-45D5-AC0C-0A2F46F14A73}"/>
+              </a:ext>
+            </a:extLst>
+          </p:cNvPr>
+          <p:cNvSpPr>
+            <a:spLocks noGrp="1"/>
+          </p:cNvSpPr>
+          <p:nvPr>
+            <p:ph type="title"/>
+          </p:nvPr>
+        </p:nvSpPr>
+        <p:spPr/>
+        <p:txBody>
+          <a:bodyPr/>
+          <a:lstStyle/>
+          <a:p>
+            <a:r>
+              <a:rPr lang="en-US" dirty="0"/>
+              <a:t>HTML </a:t>
+            </a:r>
+            <a:r>
+              <a:rPr lang="en-US" dirty="0" err="1"/>
+              <a:t>ElementS</a:t>
+            </a:r>
+            <a:endParaRPr lang="en-US" dirty="0"/>
+          </a:p>
+        </p:txBody>
+      </p:sp>
+      <p:sp>
+        <p:nvSpPr>
+          <p:cNvPr id="3" name="Content Placeholder 2">
+            <a:extLst>
+              <a:ext uri="{FF2B5EF4-FFF2-40B4-BE49-F238E27FC236}">
+                <a16:creationId xmlns:a16="http://schemas.microsoft.com/office/drawing/2014/main" id="{8702A13E-67FE-4FA1-A6EA-83255D7078AE}"/>
+              </a:ext>
+            </a:extLst>
+          </p:cNvPr>
+          <p:cNvSpPr>
+            <a:spLocks noGrp="1"/>
+          </p:cNvSpPr>
+          <p:nvPr>
+            <p:ph idx="1"/>
+          </p:nvPr>
+        </p:nvSpPr>
+        <p:spPr/>
+        <p:txBody>
+          <a:bodyPr anchor="ctr">
+            <a:normAutofit/>
+          </a:bodyPr>
+          <a:lstStyle/>
+          <a:p>
+            <a:pPr marL="57150" indent="0">
+              <a:buNone/>
+            </a:pPr>
+            <a:r>
+              <a:rPr lang="en-US" sz="6000" b="1" dirty="0">
+                <a:solidFill>
+                  <a:schemeClr val="accent1">
+                    <a:lumMod val="75000"/>
+                  </a:schemeClr>
+                </a:solidFill>
+                <a:latin typeface="Consolas" panose="020B0609020204030204" pitchFamily="49" charset="0"/>
+              </a:rPr>
+              <a:t>html</a:t>
+            </a:r>
+            <a:r>
+              <a:rPr lang="en-US" sz="6000" dirty="0"/>
+              <a:t> – </a:t>
+            </a:r>
+            <a:r>
+              <a:rPr lang="en-US" sz="5400" dirty="0"/>
+              <a:t>container for everything</a:t>
+            </a:r>
+          </a:p>
+          <a:p>
+            <a:pPr marL="57150" indent="0">
+              <a:buNone/>
+            </a:pPr>
+            <a:endParaRPr lang="en-US" sz="5400" dirty="0">
+              <a:latin typeface="Consolas" panose="020B0609020204030204" pitchFamily="49" charset="0"/>
+            </a:endParaRPr>
+          </a:p>
+          <a:p>
+            <a:pPr marL="57150" indent="0">
+              <a:buNone/>
+            </a:pPr>
+            <a:r>
+              <a:rPr lang="en-US" sz="6000" b="1" dirty="0">
+                <a:solidFill>
+                  <a:schemeClr val="accent1">
+                    <a:lumMod val="75000"/>
+                  </a:schemeClr>
+                </a:solidFill>
+                <a:latin typeface="Consolas" panose="020B0609020204030204" pitchFamily="49" charset="0"/>
+              </a:rPr>
+              <a:t>body</a:t>
+            </a:r>
+            <a:r>
+              <a:rPr lang="en-US" sz="6000" dirty="0"/>
+              <a:t> – </a:t>
+            </a:r>
+            <a:r>
+              <a:rPr lang="en-US" sz="5400" dirty="0"/>
+              <a:t>container visible elements</a:t>
+            </a:r>
+          </a:p>
+          <a:p>
+            <a:pPr marL="57150" indent="0">
+              <a:buNone/>
+            </a:pPr>
+            <a:endParaRPr lang="en-US" sz="5400" dirty="0">
+              <a:latin typeface="Consolas" panose="020B0609020204030204" pitchFamily="49" charset="0"/>
+            </a:endParaRPr>
+          </a:p>
+          <a:p>
+            <a:pPr marL="57150" indent="0">
+              <a:buNone/>
+            </a:pPr>
+            <a:r>
+              <a:rPr lang="en-US" sz="6000" b="1" dirty="0">
+                <a:solidFill>
+                  <a:schemeClr val="accent1">
+                    <a:lumMod val="75000"/>
+                  </a:schemeClr>
+                </a:solidFill>
+                <a:latin typeface="Consolas" panose="020B0609020204030204" pitchFamily="49" charset="0"/>
+              </a:rPr>
+              <a:t>p</a:t>
+            </a:r>
+            <a:r>
+              <a:rPr lang="en-US" sz="6000" dirty="0"/>
+              <a:t> – </a:t>
+            </a:r>
+            <a:r>
+              <a:rPr lang="en-US" sz="5200" dirty="0"/>
+              <a:t>(paragraph) </a:t>
+            </a:r>
+            <a:r>
+              <a:rPr lang="en-US" sz="5400" dirty="0"/>
+              <a:t>used for normal text</a:t>
+            </a:r>
+            <a:endParaRPr lang="en-US" sz="5400" dirty="0">
+              <a:latin typeface="Consolas" panose="020B0609020204030204" pitchFamily="49" charset="0"/>
+            </a:endParaRPr>
+          </a:p>
+        </p:txBody>
+      </p:sp>
+    </p:spTree>
+    <p:extLst>
+      <p:ext uri="{BB962C8B-B14F-4D97-AF65-F5344CB8AC3E}">
+        <p14:creationId xmlns:p14="http://schemas.microsoft.com/office/powerpoint/2010/main" val="819152679"/>
+      </p:ext>
+    </p:extLst>
+  </p:cSld>
+  <p:clrMapOvr>
+    <a:masterClrMapping/>
+  </p:clrMapOvr>
+  <p:transition>
+    <p:fade/>
+  </p:transition>
+  <p:timing>
+    <p:tnLst>
+      <p:par>
+        <p:cTn id="1" dur="indefinite" restart="never" nodeType="tmRoot">
+          <p:childTnLst>
+            <p:seq concurrent="1" nextAc="seek">
+              <p:cTn id="2" dur="indefinite" nodeType="mainSeq">
+                <p:childTnLst>
+                  <p:par>
+                    <p:cTn id="3" fill="hold">
+                      <p:stCondLst>
+                        <p:cond delay="indefinite"/>
+                      </p:stCondLst>
+                      <p:childTnLst>
+                        <p:par>
+                          <p:cTn id="4" fill="hold">
+                            <p:stCondLst>
+                              <p:cond delay="0"/>
+                            </p:stCondLst>
+                            <p:childTnLst>
+                              <p:par>
+                                <p:cTn id="5" presetID="10" presetClass="entr" presetSubtype="0" fill="hold" nodeType="clickEffect">
+                                  <p:stCondLst>
+                                    <p:cond delay="0"/>
+                                  </p:stCondLst>
+                                  <p:childTnLst>
+                                    <p:set>
+                                      <p:cBhvr>
+                                        <p:cTn id="6" dur="1" fill="hold">
+                                          <p:stCondLst>
+                                            <p:cond delay="0"/>
+                                          </p:stCondLst>
+                                        </p:cTn>
+                                        <p:tgtEl>
+                                          <p:spTgt spid="3">
+                                            <p:txEl>
+                                              <p:pRg st="0" end="0"/>
+                                            </p:txEl>
+                                          </p:spTgt>
+                                        </p:tgtEl>
+                                        <p:attrNameLst>
+                                          <p:attrName>style.visibility</p:attrName>
+                                        </p:attrNameLst>
+                                      </p:cBhvr>
+                                      <p:to>
+                                        <p:strVal val="visible"/>
+                                      </p:to>
+                                    </p:set>
+                                    <p:animEffect transition="in" filter="fade">
+                                      <p:cBhvr>
+                                        <p:cTn id="7" dur="500"/>
+                                        <p:tgtEl>
+                                          <p:spTgt spid="3">
+                                            <p:txEl>
+                                              <p:pRg st="0" end="0"/>
+                                            </p:txEl>
+                                          </p:spTgt>
+                                        </p:tgtEl>
+                                      </p:cBhvr>
+                                    </p:animEffect>
+                                  </p:childTnLst>
+                                </p:cTn>
+                              </p:par>
+                            </p:childTnLst>
+                          </p:cTn>
+                        </p:par>
+                      </p:childTnLst>
+                    </p:cTn>
+                  </p:par>
+                  <p:par>
+                    <p:cTn id="8" fill="hold">
+                      <p:stCondLst>
+                        <p:cond delay="indefinite"/>
+                      </p:stCondLst>
+                      <p:childTnLst>
+                        <p:par>
+                          <p:cTn id="9" fill="hold">
+                            <p:stCondLst>
+                              <p:cond delay="0"/>
+                            </p:stCondLst>
+                            <p:childTnLst>
+                              <p:par>
+                                <p:cTn id="10" presetID="10" presetClass="entr" presetSubtype="0" fill="hold" nodeType="clickEffect">
+                                  <p:stCondLst>
+                                    <p:cond delay="0"/>
+                                  </p:stCondLst>
+                                  <p:childTnLst>
+                                    <p:set>
+                                      <p:cBhvr>
+                                        <p:cTn id="11" dur="1" fill="hold">
+                                          <p:stCondLst>
+                                            <p:cond delay="0"/>
+                                          </p:stCondLst>
+                                        </p:cTn>
+                                        <p:tgtEl>
+                                          <p:spTgt spid="3">
+                                            <p:txEl>
+                                              <p:pRg st="2" end="2"/>
+                                            </p:txEl>
+                                          </p:spTgt>
+                                        </p:tgtEl>
+                                        <p:attrNameLst>
+                                          <p:attrName>style.visibility</p:attrName>
+                                        </p:attrNameLst>
+                                      </p:cBhvr>
+                                      <p:to>
+                                        <p:strVal val="visible"/>
+                                      </p:to>
+                                    </p:set>
+                                    <p:animEffect transition="in" filter="fade">
+                                      <p:cBhvr>
+                                        <p:cTn id="12" dur="500"/>
+                                        <p:tgtEl>
+                                          <p:spTgt spid="3">
+                                            <p:txEl>
+                                              <p:pRg st="2" end="2"/>
+                                            </p:txEl>
+                                          </p:spTgt>
+                                        </p:tgtEl>
+                                      </p:cBhvr>
+                                    </p:animEffect>
+                                  </p:childTnLst>
+                                </p:cTn>
+                              </p:par>
+                            </p:childTnLst>
+                          </p:cTn>
+                        </p:par>
+                      </p:childTnLst>
+                    </p:cTn>
+                  </p:par>
+                  <p:par>
+                    <p:cTn id="13" fill="hold">
+                      <p:stCondLst>
+                        <p:cond delay="indefinite"/>
+                      </p:stCondLst>
+                      <p:childTnLst>
+                        <p:par>
+                          <p:cTn id="14" fill="hold">
+                            <p:stCondLst>
+                              <p:cond delay="0"/>
+                            </p:stCondLst>
+                            <p:childTnLst>
+                              <p:par>
+                                <p:cTn id="15" presetID="10" presetClass="entr" presetSubtype="0" fill="hold" nodeType="clickEffect">
+                                  <p:stCondLst>
+                                    <p:cond delay="0"/>
+                                  </p:stCondLst>
+                                  <p:childTnLst>
+                                    <p:set>
+                                      <p:cBhvr>
+                                        <p:cTn id="16" dur="1" fill="hold">
+                                          <p:stCondLst>
+                                            <p:cond delay="0"/>
+                                          </p:stCondLst>
+                                        </p:cTn>
+                                        <p:tgtEl>
+                                          <p:spTgt spid="3">
+                                            <p:txEl>
+                                              <p:pRg st="4" end="4"/>
+                                            </p:txEl>
+                                          </p:spTgt>
+                                        </p:tgtEl>
+                                        <p:attrNameLst>
+                                          <p:attrName>style.visibility</p:attrName>
+                                        </p:attrNameLst>
+                                      </p:cBhvr>
+                                      <p:to>
+                                        <p:strVal val="visible"/>
+                                      </p:to>
+                                    </p:set>
+                                    <p:animEffect transition="in" filter="fade">
+                                      <p:cBhvr>
+                                        <p:cTn id="17" dur="500"/>
+                                        <p:tgtEl>
+                                          <p:spTgt spid="3">
+                                            <p:txEl>
+                                              <p:pRg st="4" end="4"/>
                                             </p:txEl>
                                           </p:spTgt>
                                         </p:tgtEl>
@@ -40163,14 +42826,11 @@
         </p:cTn>
       </p:par>
     </p:tnLst>
-    <p:bldLst>
-      <p:bldP spid="3" grpId="0" build="p"/>
-    </p:bldLst>
   </p:timing>
 </p:sld>
 </file>
 
-<file path=ppt/slides/slide8.xml><?xml version="1.0" encoding="utf-8"?>
+<file path=ppt/slides/slide9.xml><?xml version="1.0" encoding="utf-8"?>
 <p:sld xmlns:a="http://schemas.openxmlformats.org/drawingml/2006/main" xmlns:r="http://schemas.openxmlformats.org/officeDocument/2006/relationships" xmlns:p="http://schemas.openxmlformats.org/presentationml/2006/main">
   <p:cSld>
     <p:spTree>
@@ -40189,115 +42849,13 @@
       </p:grpSpPr>
       <p:sp>
         <p:nvSpPr>
-          <p:cNvPr id="2" name="Title 1"/>
-          <p:cNvSpPr>
-            <a:spLocks noGrp="1"/>
-          </p:cNvSpPr>
-          <p:nvPr>
-            <p:ph type="title"/>
-          </p:nvPr>
-        </p:nvSpPr>
-        <p:spPr>
-          <a:xfrm>
-            <a:off x="381000" y="2062162"/>
-            <a:ext cx="4572000" cy="2738438"/>
-          </a:xfrm>
-        </p:spPr>
-        <p:txBody>
-          <a:bodyPr/>
-          <a:lstStyle/>
-          <a:p>
-            <a:r>
-              <a:rPr lang="en-US" dirty="0" smtClean="0"/>
-              <a:t>Basic HTML Elements</a:t>
-            </a:r>
-            <a:endParaRPr lang="en-US" dirty="0"/>
-          </a:p>
-        </p:txBody>
-      </p:sp>
-      <p:pic>
-        <p:nvPicPr>
-          <p:cNvPr id="3" name="Picture 2"/>
-          <p:cNvPicPr>
-            <a:picLocks noChangeAspect="1"/>
-          </p:cNvPicPr>
-          <p:nvPr/>
-        </p:nvPicPr>
-        <p:blipFill>
-          <a:blip r:embed="rId2">
+          <p:cNvPr id="2" name="Title 1">
             <a:extLst>
-              <a:ext uri="{28A0092B-C50C-407E-A947-70E740481C1C}">
-                <a14:useLocalDpi xmlns:a14="http://schemas.microsoft.com/office/drawing/2010/main" val="0"/>
+              <a:ext uri="{FF2B5EF4-FFF2-40B4-BE49-F238E27FC236}">
+                <a16:creationId xmlns:a16="http://schemas.microsoft.com/office/drawing/2014/main" id="{724B590B-F8A9-473F-98F4-147150BD78DE}"/>
               </a:ext>
             </a:extLst>
-          </a:blip>
-          <a:stretch>
-            <a:fillRect/>
-          </a:stretch>
-        </p:blipFill>
-        <p:spPr>
-          <a:xfrm>
-            <a:off x="6553200" y="1121246"/>
-            <a:ext cx="4372585" cy="4620270"/>
-          </a:xfrm>
-          <a:prstGeom prst="rect">
-            <a:avLst/>
-          </a:prstGeom>
-        </p:spPr>
-      </p:pic>
-    </p:spTree>
-    <p:extLst>
-      <p:ext uri="{BB962C8B-B14F-4D97-AF65-F5344CB8AC3E}">
-        <p14:creationId xmlns:p14="http://schemas.microsoft.com/office/powerpoint/2010/main" val="1365620667"/>
-      </p:ext>
-    </p:extLst>
-  </p:cSld>
-  <p:clrMapOvr>
-    <a:masterClrMapping/>
-  </p:clrMapOvr>
-  <p:transition>
-    <p:fade/>
-  </p:transition>
-  <p:timing>
-    <p:tnLst>
-      <p:par>
-        <p:cTn id="1" dur="indefinite" restart="never" nodeType="tmRoot"/>
-      </p:par>
-    </p:tnLst>
-  </p:timing>
-</p:sld>
-</file>
-
-<file path=ppt/slides/slide9.xml><?xml version="1.0" encoding="utf-8"?>
-<p:sld xmlns:a="http://schemas.openxmlformats.org/drawingml/2006/main" xmlns:r="http://schemas.openxmlformats.org/officeDocument/2006/relationships" xmlns:p="http://schemas.openxmlformats.org/presentationml/2006/main">
-  <p:cSld>
-    <p:bg>
-      <p:bgPr>
-        <a:solidFill>
-          <a:schemeClr val="tx1">
-            <a:lumMod val="50000"/>
-          </a:schemeClr>
-        </a:solidFill>
-        <a:effectLst/>
-      </p:bgPr>
-    </p:bg>
-    <p:spTree>
-      <p:nvGrpSpPr>
-        <p:cNvPr id="1" name=""/>
-        <p:cNvGrpSpPr/>
-        <p:nvPr/>
-      </p:nvGrpSpPr>
-      <p:grpSpPr>
-        <a:xfrm>
-          <a:off x="0" y="0"/>
-          <a:ext cx="0" cy="0"/>
-          <a:chOff x="0" y="0"/>
-          <a:chExt cx="0" cy="0"/>
-        </a:xfrm>
-      </p:grpSpPr>
-      <p:sp>
-        <p:nvSpPr>
-          <p:cNvPr id="2" name="Title 1"/>
+          </p:cNvPr>
           <p:cNvSpPr>
             <a:spLocks noGrp="1"/>
           </p:cNvSpPr>
@@ -40311,32 +42869,21 @@
           <a:lstStyle/>
           <a:p>
             <a:r>
-              <a:rPr lang="en-US" dirty="0" smtClean="0"/>
-              <a:t>The </a:t>
+              <a:rPr lang="en-US" dirty="0"/>
+              <a:t>What are these?</a:t>
             </a:r>
-            <a:r>
-              <a:rPr lang="en-US" sz="4000" cap="none" dirty="0" smtClean="0">
-                <a:solidFill>
-                  <a:schemeClr val="accent1">
-                    <a:lumMod val="20000"/>
-                    <a:lumOff val="80000"/>
-                  </a:schemeClr>
-                </a:solidFill>
-                <a:latin typeface="Consolas" panose="020B0609020204030204" pitchFamily="49" charset="0"/>
-              </a:rPr>
-              <a:t>html</a:t>
-            </a:r>
-            <a:r>
-              <a:rPr lang="en-US" dirty="0" smtClean="0"/>
-              <a:t> Element</a:t>
-            </a:r>
-            <a:endParaRPr lang="en-US" dirty="0"/>
           </a:p>
         </p:txBody>
       </p:sp>
       <p:sp>
         <p:nvSpPr>
-          <p:cNvPr id="3" name="Content Placeholder 2"/>
+          <p:cNvPr id="3" name="Content Placeholder 2">
+            <a:extLst>
+              <a:ext uri="{FF2B5EF4-FFF2-40B4-BE49-F238E27FC236}">
+                <a16:creationId xmlns:a16="http://schemas.microsoft.com/office/drawing/2014/main" id="{6AE26C5C-FC3A-412F-AEFE-1420E2335709}"/>
+              </a:ext>
+            </a:extLst>
+          </p:cNvPr>
           <p:cNvSpPr>
             <a:spLocks noGrp="1"/>
           </p:cNvSpPr>
@@ -40346,162 +42893,63 @@
         </p:nvSpPr>
         <p:spPr/>
         <p:txBody>
-          <a:bodyPr/>
+          <a:bodyPr anchor="ctr">
+            <a:normAutofit/>
+          </a:bodyPr>
           <a:lstStyle/>
           <a:p>
+            <a:pPr marL="57150" indent="0" algn="ctr">
+              <a:buNone/>
+            </a:pPr>
             <a:r>
-              <a:rPr lang="en-US" dirty="0" smtClean="0">
-                <a:solidFill>
-                  <a:schemeClr val="bg1"/>
-                </a:solidFill>
+              <a:rPr lang="en-US" sz="19900" b="1" dirty="0">
+                <a:latin typeface="Consolas" panose="020B0609020204030204" pitchFamily="49" charset="0"/>
               </a:rPr>
-              <a:t>The foundation for every HTML document</a:t>
+              <a:t>&lt; &gt;</a:t>
             </a:r>
-          </a:p>
-          <a:p>
-            <a:r>
-              <a:rPr lang="en-US" dirty="0" smtClean="0">
-                <a:solidFill>
-                  <a:schemeClr val="bg1"/>
-                </a:solidFill>
-              </a:rPr>
-              <a:t>Starts and ends the entire file</a:t>
-            </a:r>
-          </a:p>
-          <a:p>
-            <a:r>
-              <a:rPr lang="en-US" dirty="0" smtClean="0">
-                <a:solidFill>
-                  <a:schemeClr val="bg1"/>
-                </a:solidFill>
-              </a:rPr>
-              <a:t>All the other HTML is the content in between these tags</a:t>
-            </a:r>
-            <a:endParaRPr lang="en-US" dirty="0">
-              <a:solidFill>
-                <a:schemeClr val="bg1"/>
-              </a:solidFill>
+            <a:endParaRPr lang="en-US" sz="1800" b="1" dirty="0">
+              <a:latin typeface="Consolas" panose="020B0609020204030204" pitchFamily="49" charset="0"/>
             </a:endParaRPr>
           </a:p>
         </p:txBody>
       </p:sp>
       <p:sp>
         <p:nvSpPr>
-          <p:cNvPr id="4" name="TextBox 3"/>
+          <p:cNvPr id="4" name="TextBox 3">
+            <a:extLst>
+              <a:ext uri="{FF2B5EF4-FFF2-40B4-BE49-F238E27FC236}">
+                <a16:creationId xmlns:a16="http://schemas.microsoft.com/office/drawing/2014/main" id="{70D52820-953E-4EFE-9DF1-16F73A58CCA2}"/>
+              </a:ext>
+            </a:extLst>
+          </p:cNvPr>
           <p:cNvSpPr txBox="1"/>
           <p:nvPr/>
         </p:nvSpPr>
         <p:spPr>
           <a:xfrm>
-            <a:off x="2528998" y="3556945"/>
-            <a:ext cx="7134004" cy="2843855"/>
+            <a:off x="1892407" y="5143498"/>
+            <a:ext cx="3791744" cy="849463"/>
           </a:xfrm>
           <a:prstGeom prst="rect">
             <a:avLst/>
           </a:prstGeom>
-          <a:noFill/>
+          <a:solidFill>
+            <a:schemeClr val="accent2">
+              <a:lumMod val="20000"/>
+              <a:lumOff val="80000"/>
+            </a:schemeClr>
+          </a:solidFill>
+          <a:ln w="19050">
+            <a:solidFill>
+              <a:schemeClr val="accent2"/>
+            </a:solidFill>
+          </a:ln>
         </p:spPr>
         <p:txBody>
           <a:bodyPr wrap="none" lIns="182880" tIns="146304" rIns="182880" bIns="146304" rtlCol="0">
             <a:spAutoFit/>
           </a:bodyPr>
           <a:lstStyle/>
-          <a:p>
-            <a:r>
-              <a:rPr lang="en-US" sz="4800" dirty="0">
-                <a:solidFill>
-                  <a:srgbClr val="808080"/>
-                </a:solidFill>
-                <a:latin typeface="Consolas" panose="020B0609020204030204" pitchFamily="49" charset="0"/>
-              </a:rPr>
-              <a:t>&lt;</a:t>
-            </a:r>
-            <a:r>
-              <a:rPr lang="en-US" sz="4800" dirty="0">
-                <a:solidFill>
-                  <a:srgbClr val="569CD6"/>
-                </a:solidFill>
-                <a:latin typeface="Consolas" panose="020B0609020204030204" pitchFamily="49" charset="0"/>
-              </a:rPr>
-              <a:t>html</a:t>
-            </a:r>
-            <a:r>
-              <a:rPr lang="en-US" sz="4800" dirty="0">
-                <a:solidFill>
-                  <a:srgbClr val="808080"/>
-                </a:solidFill>
-                <a:latin typeface="Consolas" panose="020B0609020204030204" pitchFamily="49" charset="0"/>
-              </a:rPr>
-              <a:t>&gt;</a:t>
-            </a:r>
-            <a:endParaRPr lang="en-US" sz="4800" dirty="0">
-              <a:solidFill>
-                <a:srgbClr val="D4D4D4"/>
-              </a:solidFill>
-              <a:latin typeface="Consolas" panose="020B0609020204030204" pitchFamily="49" charset="0"/>
-            </a:endParaRPr>
-          </a:p>
-          <a:p>
-            <a:r>
-              <a:rPr lang="en-US" sz="4800" dirty="0">
-                <a:solidFill>
-                  <a:srgbClr val="D4D4D4"/>
-                </a:solidFill>
-                <a:latin typeface="Consolas" panose="020B0609020204030204" pitchFamily="49" charset="0"/>
-              </a:rPr>
-              <a:t>    </a:t>
-            </a:r>
-            <a:r>
-              <a:rPr lang="en-US" sz="4800" dirty="0">
-                <a:solidFill>
-                  <a:srgbClr val="6A9955"/>
-                </a:solidFill>
-                <a:latin typeface="Consolas" panose="020B0609020204030204" pitchFamily="49" charset="0"/>
-              </a:rPr>
-              <a:t>&lt;!-- content --&gt;</a:t>
-            </a:r>
-            <a:endParaRPr lang="en-US" sz="4800" dirty="0">
-              <a:solidFill>
-                <a:srgbClr val="D4D4D4"/>
-              </a:solidFill>
-              <a:latin typeface="Consolas" panose="020B0609020204030204" pitchFamily="49" charset="0"/>
-            </a:endParaRPr>
-          </a:p>
-          <a:p>
-            <a:r>
-              <a:rPr lang="en-US" sz="4800" dirty="0">
-                <a:solidFill>
-                  <a:srgbClr val="808080"/>
-                </a:solidFill>
-                <a:latin typeface="Consolas" panose="020B0609020204030204" pitchFamily="49" charset="0"/>
-              </a:rPr>
-              <a:t>&lt;/</a:t>
-            </a:r>
-            <a:r>
-              <a:rPr lang="en-US" sz="4800" dirty="0">
-                <a:solidFill>
-                  <a:srgbClr val="569CD6"/>
-                </a:solidFill>
-                <a:latin typeface="Consolas" panose="020B0609020204030204" pitchFamily="49" charset="0"/>
-              </a:rPr>
-              <a:t>html</a:t>
-            </a:r>
-            <a:r>
-              <a:rPr lang="en-US" sz="4800" dirty="0">
-                <a:solidFill>
-                  <a:srgbClr val="808080"/>
-                </a:solidFill>
-                <a:latin typeface="Consolas" panose="020B0609020204030204" pitchFamily="49" charset="0"/>
-              </a:rPr>
-              <a:t>&gt;</a:t>
-            </a:r>
-            <a:endParaRPr lang="en-US" sz="4800" dirty="0">
-              <a:solidFill>
-                <a:srgbClr val="D4D4D4"/>
-              </a:solidFill>
-              <a:latin typeface="Consolas" panose="020B0609020204030204" pitchFamily="49" charset="0"/>
-            </a:endParaRPr>
-          </a:p>
           <a:p>
             <a:pPr>
               <a:lnSpc>
@@ -40511,26 +42959,159 @@
                 <a:spcPts val="600"/>
               </a:spcAft>
             </a:pPr>
-            <a:endParaRPr lang="en-US" sz="2400" dirty="0" err="1" smtClean="0">
-              <a:gradFill>
-                <a:gsLst>
-                  <a:gs pos="2917">
-                    <a:schemeClr val="tx1"/>
-                  </a:gs>
-                  <a:gs pos="30000">
-                    <a:schemeClr val="tx1"/>
-                  </a:gs>
-                </a:gsLst>
-                <a:lin ang="5400000" scaled="0"/>
-              </a:gradFill>
-            </a:endParaRPr>
+            <a:r>
+              <a:rPr lang="en-US" sz="4000" dirty="0">
+                <a:gradFill>
+                  <a:gsLst>
+                    <a:gs pos="2917">
+                      <a:schemeClr val="tx1"/>
+                    </a:gs>
+                    <a:gs pos="30000">
+                      <a:schemeClr val="tx1"/>
+                    </a:gs>
+                  </a:gsLst>
+                  <a:lin ang="5400000" scaled="0"/>
+                </a:gradFill>
+              </a:rPr>
+              <a:t>Less-than Sign</a:t>
+            </a:r>
+          </a:p>
+        </p:txBody>
+      </p:sp>
+      <p:sp>
+        <p:nvSpPr>
+          <p:cNvPr id="5" name="TextBox 4">
+            <a:extLst>
+              <a:ext uri="{FF2B5EF4-FFF2-40B4-BE49-F238E27FC236}">
+                <a16:creationId xmlns:a16="http://schemas.microsoft.com/office/drawing/2014/main" id="{2264245D-99AD-4C0B-969F-5B05D68B7C91}"/>
+              </a:ext>
+            </a:extLst>
+          </p:cNvPr>
+          <p:cNvSpPr txBox="1"/>
+          <p:nvPr/>
+        </p:nvSpPr>
+        <p:spPr>
+          <a:xfrm>
+            <a:off x="6506193" y="5143499"/>
+            <a:ext cx="4448975" cy="849463"/>
+          </a:xfrm>
+          <a:prstGeom prst="rect">
+            <a:avLst/>
+          </a:prstGeom>
+          <a:solidFill>
+            <a:schemeClr val="accent2">
+              <a:lumMod val="20000"/>
+              <a:lumOff val="80000"/>
+            </a:schemeClr>
+          </a:solidFill>
+          <a:ln w="19050">
+            <a:solidFill>
+              <a:schemeClr val="accent2"/>
+            </a:solidFill>
+          </a:ln>
+        </p:spPr>
+        <p:txBody>
+          <a:bodyPr wrap="none" lIns="182880" tIns="146304" rIns="182880" bIns="146304" rtlCol="0">
+            <a:spAutoFit/>
+          </a:bodyPr>
+          <a:lstStyle/>
+          <a:p>
+            <a:pPr>
+              <a:lnSpc>
+                <a:spcPct val="90000"/>
+              </a:lnSpc>
+              <a:spcAft>
+                <a:spcPts val="600"/>
+              </a:spcAft>
+            </a:pPr>
+            <a:r>
+              <a:rPr lang="en-US" sz="4000" dirty="0">
+                <a:gradFill>
+                  <a:gsLst>
+                    <a:gs pos="2917">
+                      <a:schemeClr val="tx1"/>
+                    </a:gs>
+                    <a:gs pos="30000">
+                      <a:schemeClr val="tx1"/>
+                    </a:gs>
+                  </a:gsLst>
+                  <a:lin ang="5400000" scaled="0"/>
+                </a:gradFill>
+              </a:rPr>
+              <a:t>Greater-than Sign</a:t>
+            </a:r>
+          </a:p>
+        </p:txBody>
+      </p:sp>
+      <p:sp>
+        <p:nvSpPr>
+          <p:cNvPr id="6" name="TextBox 5">
+            <a:extLst>
+              <a:ext uri="{FF2B5EF4-FFF2-40B4-BE49-F238E27FC236}">
+                <a16:creationId xmlns:a16="http://schemas.microsoft.com/office/drawing/2014/main" id="{25F7A2A0-F390-4DCB-B8BA-FC4D94269D34}"/>
+              </a:ext>
+            </a:extLst>
+          </p:cNvPr>
+          <p:cNvSpPr txBox="1"/>
+          <p:nvPr/>
+        </p:nvSpPr>
+        <p:spPr>
+          <a:xfrm>
+            <a:off x="3352800" y="1473434"/>
+            <a:ext cx="5543825" cy="1126462"/>
+          </a:xfrm>
+          <a:prstGeom prst="rect">
+            <a:avLst/>
+          </a:prstGeom>
+          <a:solidFill>
+            <a:schemeClr val="accent1">
+              <a:lumMod val="20000"/>
+              <a:lumOff val="80000"/>
+            </a:schemeClr>
+          </a:solidFill>
+          <a:ln w="19050">
+            <a:solidFill>
+              <a:schemeClr val="accent1"/>
+            </a:solidFill>
+          </a:ln>
+        </p:spPr>
+        <p:txBody>
+          <a:bodyPr wrap="none" lIns="182880" tIns="146304" rIns="182880" bIns="146304" rtlCol="0">
+            <a:spAutoFit/>
+          </a:bodyPr>
+          <a:lstStyle/>
+          <a:p>
+            <a:pPr>
+              <a:lnSpc>
+                <a:spcPct val="90000"/>
+              </a:lnSpc>
+              <a:spcAft>
+                <a:spcPts val="600"/>
+              </a:spcAft>
+            </a:pPr>
+            <a:r>
+              <a:rPr lang="en-US" sz="6000" dirty="0">
+                <a:gradFill>
+                  <a:gsLst>
+                    <a:gs pos="2917">
+                      <a:schemeClr val="tx1"/>
+                    </a:gs>
+                    <a:gs pos="30000">
+                      <a:schemeClr val="tx1"/>
+                    </a:gs>
+                  </a:gsLst>
+                  <a:lin ang="5400000" scaled="0"/>
+                </a:gradFill>
+              </a:rPr>
+              <a:t>Angle Brackets</a:t>
+            </a:r>
           </a:p>
         </p:txBody>
       </p:sp>
     </p:spTree>
     <p:extLst>
       <p:ext uri="{BB962C8B-B14F-4D97-AF65-F5344CB8AC3E}">
-        <p14:creationId xmlns:p14="http://schemas.microsoft.com/office/powerpoint/2010/main" val="2606552347"/>
+        <p14:creationId xmlns:p14="http://schemas.microsoft.com/office/powerpoint/2010/main" val="1236349874"/>
       </p:ext>
     </p:extLst>
   </p:cSld>
@@ -40601,6 +43182,112 @@
                       </p:childTnLst>
                     </p:cTn>
                   </p:par>
+                  <p:par>
+                    <p:cTn id="8" fill="hold">
+                      <p:stCondLst>
+                        <p:cond delay="indefinite"/>
+                      </p:stCondLst>
+                      <p:childTnLst>
+                        <p:par>
+                          <p:cTn id="9" fill="hold">
+                            <p:stCondLst>
+                              <p:cond delay="0"/>
+                            </p:stCondLst>
+                            <p:childTnLst>
+                              <p:par>
+                                <p:cTn id="10" presetID="10" presetClass="entr" presetSubtype="0" fill="hold" grpId="0" nodeType="clickEffect">
+                                  <p:stCondLst>
+                                    <p:cond delay="0"/>
+                                  </p:stCondLst>
+                                  <p:childTnLst>
+                                    <p:set>
+                                      <p:cBhvr>
+                                        <p:cTn id="11" dur="1" fill="hold">
+                                          <p:stCondLst>
+                                            <p:cond delay="0"/>
+                                          </p:stCondLst>
+                                        </p:cTn>
+                                        <p:tgtEl>
+                                          <p:spTgt spid="5"/>
+                                        </p:tgtEl>
+                                        <p:attrNameLst>
+                                          <p:attrName>style.visibility</p:attrName>
+                                        </p:attrNameLst>
+                                      </p:cBhvr>
+                                      <p:to>
+                                        <p:strVal val="visible"/>
+                                      </p:to>
+                                    </p:set>
+                                    <p:animEffect transition="in" filter="fade">
+                                      <p:cBhvr>
+                                        <p:cTn id="12" dur="500"/>
+                                        <p:tgtEl>
+                                          <p:spTgt spid="5"/>
+                                        </p:tgtEl>
+                                      </p:cBhvr>
+                                    </p:animEffect>
+                                  </p:childTnLst>
+                                </p:cTn>
+                              </p:par>
+                            </p:childTnLst>
+                          </p:cTn>
+                        </p:par>
+                      </p:childTnLst>
+                    </p:cTn>
+                  </p:par>
+                  <p:par>
+                    <p:cTn id="13" fill="hold">
+                      <p:stCondLst>
+                        <p:cond delay="indefinite"/>
+                      </p:stCondLst>
+                      <p:childTnLst>
+                        <p:par>
+                          <p:cTn id="14" fill="hold">
+                            <p:stCondLst>
+                              <p:cond delay="0"/>
+                            </p:stCondLst>
+                            <p:childTnLst>
+                              <p:par>
+                                <p:cTn id="15" presetID="10" presetClass="entr" presetSubtype="0" fill="hold" grpId="0" nodeType="clickEffect">
+                                  <p:stCondLst>
+                                    <p:cond delay="0"/>
+                                  </p:stCondLst>
+                                  <p:childTnLst>
+                                    <p:set>
+                                      <p:cBhvr>
+                                        <p:cTn id="16" dur="1" fill="hold">
+                                          <p:stCondLst>
+                                            <p:cond delay="0"/>
+                                          </p:stCondLst>
+                                        </p:cTn>
+                                        <p:tgtEl>
+                                          <p:spTgt spid="6"/>
+                                        </p:tgtEl>
+                                        <p:attrNameLst>
+                                          <p:attrName>style.visibility</p:attrName>
+                                        </p:attrNameLst>
+                                      </p:cBhvr>
+                                      <p:to>
+                                        <p:strVal val="visible"/>
+                                      </p:to>
+                                    </p:set>
+                                    <p:animEffect transition="in" filter="fade">
+                                      <p:cBhvr>
+                                        <p:cTn id="17" dur="500"/>
+                                        <p:tgtEl>
+                                          <p:spTgt spid="6"/>
+                                        </p:tgtEl>
+                                      </p:cBhvr>
+                                    </p:animEffect>
+                                  </p:childTnLst>
+                                </p:cTn>
+                              </p:par>
+                            </p:childTnLst>
+                          </p:cTn>
+                        </p:par>
+                      </p:childTnLst>
+                    </p:cTn>
+                  </p:par>
                 </p:childTnLst>
               </p:cTn>
               <p:prevCondLst>
@@ -40623,7 +43310,9 @@
       </p:par>
     </p:tnLst>
     <p:bldLst>
-      <p:bldP spid="4" grpId="0"/>
+      <p:bldP spid="4" grpId="0" animBg="1"/>
+      <p:bldP spid="5" grpId="0" animBg="1"/>
+      <p:bldP spid="6" grpId="0" animBg="1"/>
     </p:bldLst>
   </p:timing>
 </p:sld>
